--- a/presentation.pptx
+++ b/presentation.pptx
@@ -586,7 +586,7 @@
           <a:p>
             <a:fld id="{99587299-0E86-4D7C-834B-B5F97371AE13}" type="datetimeFigureOut">
               <a:rPr lang="en-US" smtClean="0"/>
-              <a:t>7/22/2020</a:t>
+              <a:t>7/23/2020</a:t>
             </a:fld>
             <a:endParaRPr lang="en-US"/>
           </a:p>
@@ -1043,7 +1043,7 @@
           <p:cNvPr id="2" name="Title 1">
             <a:extLst>
               <a:ext uri="{FF2B5EF4-FFF2-40B4-BE49-F238E27FC236}">
-                <a16:creationId xmlns="" xmlns:a16="http://schemas.microsoft.com/office/drawing/2014/main" id="{74CB3B42-34FE-4F89-AF42-20D84E8F645D}"/>
+                <a16:creationId xmlns:a16="http://schemas.microsoft.com/office/drawing/2014/main" xmlns="" id="{74CB3B42-34FE-4F89-AF42-20D84E8F645D}"/>
               </a:ext>
             </a:extLst>
           </p:cNvPr>
@@ -1080,7 +1080,7 @@
           <p:cNvPr id="3" name="Subtitle 2">
             <a:extLst>
               <a:ext uri="{FF2B5EF4-FFF2-40B4-BE49-F238E27FC236}">
-                <a16:creationId xmlns="" xmlns:a16="http://schemas.microsoft.com/office/drawing/2014/main" id="{BAAEADC8-C044-475D-964E-3518AF29F740}"/>
+                <a16:creationId xmlns:a16="http://schemas.microsoft.com/office/drawing/2014/main" xmlns="" id="{BAAEADC8-C044-475D-964E-3518AF29F740}"/>
               </a:ext>
             </a:extLst>
           </p:cNvPr>
@@ -1150,7 +1150,7 @@
           <p:cNvPr id="4" name="Date Placeholder 3">
             <a:extLst>
               <a:ext uri="{FF2B5EF4-FFF2-40B4-BE49-F238E27FC236}">
-                <a16:creationId xmlns="" xmlns:a16="http://schemas.microsoft.com/office/drawing/2014/main" id="{8CA9461F-540C-4F0D-8A2F-79046F34CE20}"/>
+                <a16:creationId xmlns:a16="http://schemas.microsoft.com/office/drawing/2014/main" xmlns="" id="{8CA9461F-540C-4F0D-8A2F-79046F34CE20}"/>
               </a:ext>
             </a:extLst>
           </p:cNvPr>
@@ -1168,7 +1168,7 @@
           <a:p>
             <a:fld id="{DEB1FEE5-0530-414D-96B9-88113598593B}" type="datetimeFigureOut">
               <a:rPr lang="en-US" smtClean="0"/>
-              <a:t>7/22/2020</a:t>
+              <a:t>7/23/2020</a:t>
             </a:fld>
             <a:endParaRPr lang="en-US"/>
           </a:p>
@@ -1179,7 +1179,7 @@
           <p:cNvPr id="5" name="Footer Placeholder 4">
             <a:extLst>
               <a:ext uri="{FF2B5EF4-FFF2-40B4-BE49-F238E27FC236}">
-                <a16:creationId xmlns="" xmlns:a16="http://schemas.microsoft.com/office/drawing/2014/main" id="{BCB5ACD2-9CC9-4425-A5CB-5419C890EAA2}"/>
+                <a16:creationId xmlns:a16="http://schemas.microsoft.com/office/drawing/2014/main" xmlns="" id="{BCB5ACD2-9CC9-4425-A5CB-5419C890EAA2}"/>
               </a:ext>
             </a:extLst>
           </p:cNvPr>
@@ -1204,7 +1204,7 @@
           <p:cNvPr id="6" name="Slide Number Placeholder 5">
             <a:extLst>
               <a:ext uri="{FF2B5EF4-FFF2-40B4-BE49-F238E27FC236}">
-                <a16:creationId xmlns="" xmlns:a16="http://schemas.microsoft.com/office/drawing/2014/main" id="{0F78A4CF-2079-499D-8C5A-763CAE67D1A6}"/>
+                <a16:creationId xmlns:a16="http://schemas.microsoft.com/office/drawing/2014/main" xmlns="" id="{0F78A4CF-2079-499D-8C5A-763CAE67D1A6}"/>
               </a:ext>
             </a:extLst>
           </p:cNvPr>
@@ -1263,7 +1263,7 @@
           <p:cNvPr id="2" name="Title 1">
             <a:extLst>
               <a:ext uri="{FF2B5EF4-FFF2-40B4-BE49-F238E27FC236}">
-                <a16:creationId xmlns="" xmlns:a16="http://schemas.microsoft.com/office/drawing/2014/main" id="{94D83A22-0EB9-4B3F-B578-25F5853E64A8}"/>
+                <a16:creationId xmlns:a16="http://schemas.microsoft.com/office/drawing/2014/main" xmlns="" id="{94D83A22-0EB9-4B3F-B578-25F5853E64A8}"/>
               </a:ext>
             </a:extLst>
           </p:cNvPr>
@@ -1291,7 +1291,7 @@
           <p:cNvPr id="3" name="Vertical Text Placeholder 2">
             <a:extLst>
               <a:ext uri="{FF2B5EF4-FFF2-40B4-BE49-F238E27FC236}">
-                <a16:creationId xmlns="" xmlns:a16="http://schemas.microsoft.com/office/drawing/2014/main" id="{222F2EB6-7C39-46D6-A9BB-4FE726D0E0EE}"/>
+                <a16:creationId xmlns:a16="http://schemas.microsoft.com/office/drawing/2014/main" xmlns="" id="{222F2EB6-7C39-46D6-A9BB-4FE726D0E0EE}"/>
               </a:ext>
             </a:extLst>
           </p:cNvPr>
@@ -1348,7 +1348,7 @@
           <p:cNvPr id="4" name="Date Placeholder 3">
             <a:extLst>
               <a:ext uri="{FF2B5EF4-FFF2-40B4-BE49-F238E27FC236}">
-                <a16:creationId xmlns="" xmlns:a16="http://schemas.microsoft.com/office/drawing/2014/main" id="{35361AC5-9CC3-4ACD-B628-0CB5377B7DB3}"/>
+                <a16:creationId xmlns:a16="http://schemas.microsoft.com/office/drawing/2014/main" xmlns="" id="{35361AC5-9CC3-4ACD-B628-0CB5377B7DB3}"/>
               </a:ext>
             </a:extLst>
           </p:cNvPr>
@@ -1366,7 +1366,7 @@
           <a:p>
             <a:fld id="{DEB1FEE5-0530-414D-96B9-88113598593B}" type="datetimeFigureOut">
               <a:rPr lang="en-US" smtClean="0"/>
-              <a:t>7/22/2020</a:t>
+              <a:t>7/23/2020</a:t>
             </a:fld>
             <a:endParaRPr lang="en-US"/>
           </a:p>
@@ -1377,7 +1377,7 @@
           <p:cNvPr id="5" name="Footer Placeholder 4">
             <a:extLst>
               <a:ext uri="{FF2B5EF4-FFF2-40B4-BE49-F238E27FC236}">
-                <a16:creationId xmlns="" xmlns:a16="http://schemas.microsoft.com/office/drawing/2014/main" id="{18105882-F008-4ABB-B2CC-F6A24DA7A283}"/>
+                <a16:creationId xmlns:a16="http://schemas.microsoft.com/office/drawing/2014/main" xmlns="" id="{18105882-F008-4ABB-B2CC-F6A24DA7A283}"/>
               </a:ext>
             </a:extLst>
           </p:cNvPr>
@@ -1402,7 +1402,7 @@
           <p:cNvPr id="6" name="Slide Number Placeholder 5">
             <a:extLst>
               <a:ext uri="{FF2B5EF4-FFF2-40B4-BE49-F238E27FC236}">
-                <a16:creationId xmlns="" xmlns:a16="http://schemas.microsoft.com/office/drawing/2014/main" id="{87C90FF4-37A4-4B07-9C64-13CBD7BA4BBE}"/>
+                <a16:creationId xmlns:a16="http://schemas.microsoft.com/office/drawing/2014/main" xmlns="" id="{87C90FF4-37A4-4B07-9C64-13CBD7BA4BBE}"/>
               </a:ext>
             </a:extLst>
           </p:cNvPr>
@@ -1461,7 +1461,7 @@
           <p:cNvPr id="2" name="Vertical Title 1">
             <a:extLst>
               <a:ext uri="{FF2B5EF4-FFF2-40B4-BE49-F238E27FC236}">
-                <a16:creationId xmlns="" xmlns:a16="http://schemas.microsoft.com/office/drawing/2014/main" id="{D4CFFC75-FB04-4070-ACF3-17B74E1E49A0}"/>
+                <a16:creationId xmlns:a16="http://schemas.microsoft.com/office/drawing/2014/main" xmlns="" id="{D4CFFC75-FB04-4070-ACF3-17B74E1E49A0}"/>
               </a:ext>
             </a:extLst>
           </p:cNvPr>
@@ -1494,7 +1494,7 @@
           <p:cNvPr id="3" name="Vertical Text Placeholder 2">
             <a:extLst>
               <a:ext uri="{FF2B5EF4-FFF2-40B4-BE49-F238E27FC236}">
-                <a16:creationId xmlns="" xmlns:a16="http://schemas.microsoft.com/office/drawing/2014/main" id="{E8DC022A-F28A-42FE-B136-97D2DB44E1CD}"/>
+                <a16:creationId xmlns:a16="http://schemas.microsoft.com/office/drawing/2014/main" xmlns="" id="{E8DC022A-F28A-42FE-B136-97D2DB44E1CD}"/>
               </a:ext>
             </a:extLst>
           </p:cNvPr>
@@ -1556,7 +1556,7 @@
           <p:cNvPr id="4" name="Date Placeholder 3">
             <a:extLst>
               <a:ext uri="{FF2B5EF4-FFF2-40B4-BE49-F238E27FC236}">
-                <a16:creationId xmlns="" xmlns:a16="http://schemas.microsoft.com/office/drawing/2014/main" id="{E5436E70-3209-4B1D-8141-7D7A8CB50EB0}"/>
+                <a16:creationId xmlns:a16="http://schemas.microsoft.com/office/drawing/2014/main" xmlns="" id="{E5436E70-3209-4B1D-8141-7D7A8CB50EB0}"/>
               </a:ext>
             </a:extLst>
           </p:cNvPr>
@@ -1574,7 +1574,7 @@
           <a:p>
             <a:fld id="{DEB1FEE5-0530-414D-96B9-88113598593B}" type="datetimeFigureOut">
               <a:rPr lang="en-US" smtClean="0"/>
-              <a:t>7/22/2020</a:t>
+              <a:t>7/23/2020</a:t>
             </a:fld>
             <a:endParaRPr lang="en-US"/>
           </a:p>
@@ -1585,7 +1585,7 @@
           <p:cNvPr id="5" name="Footer Placeholder 4">
             <a:extLst>
               <a:ext uri="{FF2B5EF4-FFF2-40B4-BE49-F238E27FC236}">
-                <a16:creationId xmlns="" xmlns:a16="http://schemas.microsoft.com/office/drawing/2014/main" id="{0CCEEE92-3BC7-4251-9BA8-4DB85DFDCE30}"/>
+                <a16:creationId xmlns:a16="http://schemas.microsoft.com/office/drawing/2014/main" xmlns="" id="{0CCEEE92-3BC7-4251-9BA8-4DB85DFDCE30}"/>
               </a:ext>
             </a:extLst>
           </p:cNvPr>
@@ -1610,7 +1610,7 @@
           <p:cNvPr id="6" name="Slide Number Placeholder 5">
             <a:extLst>
               <a:ext uri="{FF2B5EF4-FFF2-40B4-BE49-F238E27FC236}">
-                <a16:creationId xmlns="" xmlns:a16="http://schemas.microsoft.com/office/drawing/2014/main" id="{20BFE1BB-FF5B-4BC1-8FB0-68000A99BC49}"/>
+                <a16:creationId xmlns:a16="http://schemas.microsoft.com/office/drawing/2014/main" xmlns="" id="{20BFE1BB-FF5B-4BC1-8FB0-68000A99BC49}"/>
               </a:ext>
             </a:extLst>
           </p:cNvPr>
@@ -1669,7 +1669,7 @@
           <p:cNvPr id="2" name="Title 1">
             <a:extLst>
               <a:ext uri="{FF2B5EF4-FFF2-40B4-BE49-F238E27FC236}">
-                <a16:creationId xmlns="" xmlns:a16="http://schemas.microsoft.com/office/drawing/2014/main" id="{EFE1E8BF-1E87-4CD1-AF63-7672EB209355}"/>
+                <a16:creationId xmlns:a16="http://schemas.microsoft.com/office/drawing/2014/main" xmlns="" id="{EFE1E8BF-1E87-4CD1-AF63-7672EB209355}"/>
               </a:ext>
             </a:extLst>
           </p:cNvPr>
@@ -1697,7 +1697,7 @@
           <p:cNvPr id="3" name="Content Placeholder 2">
             <a:extLst>
               <a:ext uri="{FF2B5EF4-FFF2-40B4-BE49-F238E27FC236}">
-                <a16:creationId xmlns="" xmlns:a16="http://schemas.microsoft.com/office/drawing/2014/main" id="{19C10D01-C8D3-4852-95DB-8784F9DA536F}"/>
+                <a16:creationId xmlns:a16="http://schemas.microsoft.com/office/drawing/2014/main" xmlns="" id="{19C10D01-C8D3-4852-95DB-8784F9DA536F}"/>
               </a:ext>
             </a:extLst>
           </p:cNvPr>
@@ -1754,7 +1754,7 @@
           <p:cNvPr id="4" name="Date Placeholder 3">
             <a:extLst>
               <a:ext uri="{FF2B5EF4-FFF2-40B4-BE49-F238E27FC236}">
-                <a16:creationId xmlns="" xmlns:a16="http://schemas.microsoft.com/office/drawing/2014/main" id="{E32E90B2-5259-47FC-B041-7AD0037CD92E}"/>
+                <a16:creationId xmlns:a16="http://schemas.microsoft.com/office/drawing/2014/main" xmlns="" id="{E32E90B2-5259-47FC-B041-7AD0037CD92E}"/>
               </a:ext>
             </a:extLst>
           </p:cNvPr>
@@ -1772,7 +1772,7 @@
           <a:p>
             <a:fld id="{DEB1FEE5-0530-414D-96B9-88113598593B}" type="datetimeFigureOut">
               <a:rPr lang="en-US" smtClean="0"/>
-              <a:t>7/22/2020</a:t>
+              <a:t>7/23/2020</a:t>
             </a:fld>
             <a:endParaRPr lang="en-US"/>
           </a:p>
@@ -1783,7 +1783,7 @@
           <p:cNvPr id="5" name="Footer Placeholder 4">
             <a:extLst>
               <a:ext uri="{FF2B5EF4-FFF2-40B4-BE49-F238E27FC236}">
-                <a16:creationId xmlns="" xmlns:a16="http://schemas.microsoft.com/office/drawing/2014/main" id="{D9986EA6-9A4D-453A-A7E1-15CED315CCAD}"/>
+                <a16:creationId xmlns:a16="http://schemas.microsoft.com/office/drawing/2014/main" xmlns="" id="{D9986EA6-9A4D-453A-A7E1-15CED315CCAD}"/>
               </a:ext>
             </a:extLst>
           </p:cNvPr>
@@ -1808,7 +1808,7 @@
           <p:cNvPr id="6" name="Slide Number Placeholder 5">
             <a:extLst>
               <a:ext uri="{FF2B5EF4-FFF2-40B4-BE49-F238E27FC236}">
-                <a16:creationId xmlns="" xmlns:a16="http://schemas.microsoft.com/office/drawing/2014/main" id="{E97CAF34-35AB-4550-8C0C-9B86C12F644B}"/>
+                <a16:creationId xmlns:a16="http://schemas.microsoft.com/office/drawing/2014/main" xmlns="" id="{E97CAF34-35AB-4550-8C0C-9B86C12F644B}"/>
               </a:ext>
             </a:extLst>
           </p:cNvPr>
@@ -1867,7 +1867,7 @@
           <p:cNvPr id="2" name="Title 1">
             <a:extLst>
               <a:ext uri="{FF2B5EF4-FFF2-40B4-BE49-F238E27FC236}">
-                <a16:creationId xmlns="" xmlns:a16="http://schemas.microsoft.com/office/drawing/2014/main" id="{BB916C6A-A086-417B-9D9B-D1DE4E55ED82}"/>
+                <a16:creationId xmlns:a16="http://schemas.microsoft.com/office/drawing/2014/main" xmlns="" id="{BB916C6A-A086-417B-9D9B-D1DE4E55ED82}"/>
               </a:ext>
             </a:extLst>
           </p:cNvPr>
@@ -1904,7 +1904,7 @@
           <p:cNvPr id="3" name="Text Placeholder 2">
             <a:extLst>
               <a:ext uri="{FF2B5EF4-FFF2-40B4-BE49-F238E27FC236}">
-                <a16:creationId xmlns="" xmlns:a16="http://schemas.microsoft.com/office/drawing/2014/main" id="{70C29A8C-B4CF-469F-A48A-C287A37DF087}"/>
+                <a16:creationId xmlns:a16="http://schemas.microsoft.com/office/drawing/2014/main" xmlns="" id="{70C29A8C-B4CF-469F-A48A-C287A37DF087}"/>
               </a:ext>
             </a:extLst>
           </p:cNvPr>
@@ -2029,7 +2029,7 @@
           <p:cNvPr id="4" name="Date Placeholder 3">
             <a:extLst>
               <a:ext uri="{FF2B5EF4-FFF2-40B4-BE49-F238E27FC236}">
-                <a16:creationId xmlns="" xmlns:a16="http://schemas.microsoft.com/office/drawing/2014/main" id="{5179447B-29EC-4F00-9705-09AB61AEF67D}"/>
+                <a16:creationId xmlns:a16="http://schemas.microsoft.com/office/drawing/2014/main" xmlns="" id="{5179447B-29EC-4F00-9705-09AB61AEF67D}"/>
               </a:ext>
             </a:extLst>
           </p:cNvPr>
@@ -2047,7 +2047,7 @@
           <a:p>
             <a:fld id="{DEB1FEE5-0530-414D-96B9-88113598593B}" type="datetimeFigureOut">
               <a:rPr lang="en-US" smtClean="0"/>
-              <a:t>7/22/2020</a:t>
+              <a:t>7/23/2020</a:t>
             </a:fld>
             <a:endParaRPr lang="en-US"/>
           </a:p>
@@ -2058,7 +2058,7 @@
           <p:cNvPr id="5" name="Footer Placeholder 4">
             <a:extLst>
               <a:ext uri="{FF2B5EF4-FFF2-40B4-BE49-F238E27FC236}">
-                <a16:creationId xmlns="" xmlns:a16="http://schemas.microsoft.com/office/drawing/2014/main" id="{FD5E7B0A-AE37-4B5B-9E1F-8DD5ED94C003}"/>
+                <a16:creationId xmlns:a16="http://schemas.microsoft.com/office/drawing/2014/main" xmlns="" id="{FD5E7B0A-AE37-4B5B-9E1F-8DD5ED94C003}"/>
               </a:ext>
             </a:extLst>
           </p:cNvPr>
@@ -2083,7 +2083,7 @@
           <p:cNvPr id="6" name="Slide Number Placeholder 5">
             <a:extLst>
               <a:ext uri="{FF2B5EF4-FFF2-40B4-BE49-F238E27FC236}">
-                <a16:creationId xmlns="" xmlns:a16="http://schemas.microsoft.com/office/drawing/2014/main" id="{712A98C8-FA62-477F-AA35-E74917AD28FE}"/>
+                <a16:creationId xmlns:a16="http://schemas.microsoft.com/office/drawing/2014/main" xmlns="" id="{712A98C8-FA62-477F-AA35-E74917AD28FE}"/>
               </a:ext>
             </a:extLst>
           </p:cNvPr>
@@ -2142,7 +2142,7 @@
           <p:cNvPr id="2" name="Title 1">
             <a:extLst>
               <a:ext uri="{FF2B5EF4-FFF2-40B4-BE49-F238E27FC236}">
-                <a16:creationId xmlns="" xmlns:a16="http://schemas.microsoft.com/office/drawing/2014/main" id="{B744062A-C751-4B41-B996-7641A7BF9A1A}"/>
+                <a16:creationId xmlns:a16="http://schemas.microsoft.com/office/drawing/2014/main" xmlns="" id="{B744062A-C751-4B41-B996-7641A7BF9A1A}"/>
               </a:ext>
             </a:extLst>
           </p:cNvPr>
@@ -2170,7 +2170,7 @@
           <p:cNvPr id="3" name="Content Placeholder 2">
             <a:extLst>
               <a:ext uri="{FF2B5EF4-FFF2-40B4-BE49-F238E27FC236}">
-                <a16:creationId xmlns="" xmlns:a16="http://schemas.microsoft.com/office/drawing/2014/main" id="{324A939A-0038-464A-881F-3122AA68A0C1}"/>
+                <a16:creationId xmlns:a16="http://schemas.microsoft.com/office/drawing/2014/main" xmlns="" id="{324A939A-0038-464A-881F-3122AA68A0C1}"/>
               </a:ext>
             </a:extLst>
           </p:cNvPr>
@@ -2232,7 +2232,7 @@
           <p:cNvPr id="4" name="Content Placeholder 3">
             <a:extLst>
               <a:ext uri="{FF2B5EF4-FFF2-40B4-BE49-F238E27FC236}">
-                <a16:creationId xmlns="" xmlns:a16="http://schemas.microsoft.com/office/drawing/2014/main" id="{70555C23-EE74-41FE-A783-27210EC8D40E}"/>
+                <a16:creationId xmlns:a16="http://schemas.microsoft.com/office/drawing/2014/main" xmlns="" id="{70555C23-EE74-41FE-A783-27210EC8D40E}"/>
               </a:ext>
             </a:extLst>
           </p:cNvPr>
@@ -2294,7 +2294,7 @@
           <p:cNvPr id="5" name="Date Placeholder 4">
             <a:extLst>
               <a:ext uri="{FF2B5EF4-FFF2-40B4-BE49-F238E27FC236}">
-                <a16:creationId xmlns="" xmlns:a16="http://schemas.microsoft.com/office/drawing/2014/main" id="{D2432B00-FF5E-4908-A880-E0296BFE23D9}"/>
+                <a16:creationId xmlns:a16="http://schemas.microsoft.com/office/drawing/2014/main" xmlns="" id="{D2432B00-FF5E-4908-A880-E0296BFE23D9}"/>
               </a:ext>
             </a:extLst>
           </p:cNvPr>
@@ -2312,7 +2312,7 @@
           <a:p>
             <a:fld id="{DEB1FEE5-0530-414D-96B9-88113598593B}" type="datetimeFigureOut">
               <a:rPr lang="en-US" smtClean="0"/>
-              <a:t>7/22/2020</a:t>
+              <a:t>7/23/2020</a:t>
             </a:fld>
             <a:endParaRPr lang="en-US"/>
           </a:p>
@@ -2323,7 +2323,7 @@
           <p:cNvPr id="6" name="Footer Placeholder 5">
             <a:extLst>
               <a:ext uri="{FF2B5EF4-FFF2-40B4-BE49-F238E27FC236}">
-                <a16:creationId xmlns="" xmlns:a16="http://schemas.microsoft.com/office/drawing/2014/main" id="{DC5020A8-9B6A-4A99-A454-571B0A925DDA}"/>
+                <a16:creationId xmlns:a16="http://schemas.microsoft.com/office/drawing/2014/main" xmlns="" id="{DC5020A8-9B6A-4A99-A454-571B0A925DDA}"/>
               </a:ext>
             </a:extLst>
           </p:cNvPr>
@@ -2348,7 +2348,7 @@
           <p:cNvPr id="7" name="Slide Number Placeholder 6">
             <a:extLst>
               <a:ext uri="{FF2B5EF4-FFF2-40B4-BE49-F238E27FC236}">
-                <a16:creationId xmlns="" xmlns:a16="http://schemas.microsoft.com/office/drawing/2014/main" id="{3C03881E-EE40-41D8-877B-BFD1EA2C24A4}"/>
+                <a16:creationId xmlns:a16="http://schemas.microsoft.com/office/drawing/2014/main" xmlns="" id="{3C03881E-EE40-41D8-877B-BFD1EA2C24A4}"/>
               </a:ext>
             </a:extLst>
           </p:cNvPr>
@@ -2407,7 +2407,7 @@
           <p:cNvPr id="2" name="Title 1">
             <a:extLst>
               <a:ext uri="{FF2B5EF4-FFF2-40B4-BE49-F238E27FC236}">
-                <a16:creationId xmlns="" xmlns:a16="http://schemas.microsoft.com/office/drawing/2014/main" id="{3B0E92CF-6255-484F-A37C-173192789EA9}"/>
+                <a16:creationId xmlns:a16="http://schemas.microsoft.com/office/drawing/2014/main" xmlns="" id="{3B0E92CF-6255-484F-A37C-173192789EA9}"/>
               </a:ext>
             </a:extLst>
           </p:cNvPr>
@@ -2440,7 +2440,7 @@
           <p:cNvPr id="3" name="Text Placeholder 2">
             <a:extLst>
               <a:ext uri="{FF2B5EF4-FFF2-40B4-BE49-F238E27FC236}">
-                <a16:creationId xmlns="" xmlns:a16="http://schemas.microsoft.com/office/drawing/2014/main" id="{201695D2-4040-455D-AD38-1A19CA283522}"/>
+                <a16:creationId xmlns:a16="http://schemas.microsoft.com/office/drawing/2014/main" xmlns="" id="{201695D2-4040-455D-AD38-1A19CA283522}"/>
               </a:ext>
             </a:extLst>
           </p:cNvPr>
@@ -2511,7 +2511,7 @@
           <p:cNvPr id="4" name="Content Placeholder 3">
             <a:extLst>
               <a:ext uri="{FF2B5EF4-FFF2-40B4-BE49-F238E27FC236}">
-                <a16:creationId xmlns="" xmlns:a16="http://schemas.microsoft.com/office/drawing/2014/main" id="{0FF017E3-D5C8-4E64-8992-82BCC54FF0E8}"/>
+                <a16:creationId xmlns:a16="http://schemas.microsoft.com/office/drawing/2014/main" xmlns="" id="{0FF017E3-D5C8-4E64-8992-82BCC54FF0E8}"/>
               </a:ext>
             </a:extLst>
           </p:cNvPr>
@@ -2573,7 +2573,7 @@
           <p:cNvPr id="5" name="Text Placeholder 4">
             <a:extLst>
               <a:ext uri="{FF2B5EF4-FFF2-40B4-BE49-F238E27FC236}">
-                <a16:creationId xmlns="" xmlns:a16="http://schemas.microsoft.com/office/drawing/2014/main" id="{19D22FD8-455C-4E40-BF0A-2C055C37DD90}"/>
+                <a16:creationId xmlns:a16="http://schemas.microsoft.com/office/drawing/2014/main" xmlns="" id="{19D22FD8-455C-4E40-BF0A-2C055C37DD90}"/>
               </a:ext>
             </a:extLst>
           </p:cNvPr>
@@ -2644,7 +2644,7 @@
           <p:cNvPr id="6" name="Content Placeholder 5">
             <a:extLst>
               <a:ext uri="{FF2B5EF4-FFF2-40B4-BE49-F238E27FC236}">
-                <a16:creationId xmlns="" xmlns:a16="http://schemas.microsoft.com/office/drawing/2014/main" id="{5DA918F5-8458-4261-A81C-D7792017416B}"/>
+                <a16:creationId xmlns:a16="http://schemas.microsoft.com/office/drawing/2014/main" xmlns="" id="{5DA918F5-8458-4261-A81C-D7792017416B}"/>
               </a:ext>
             </a:extLst>
           </p:cNvPr>
@@ -2706,7 +2706,7 @@
           <p:cNvPr id="7" name="Date Placeholder 6">
             <a:extLst>
               <a:ext uri="{FF2B5EF4-FFF2-40B4-BE49-F238E27FC236}">
-                <a16:creationId xmlns="" xmlns:a16="http://schemas.microsoft.com/office/drawing/2014/main" id="{A29768BE-081C-4D7B-84DA-258D1BD21702}"/>
+                <a16:creationId xmlns:a16="http://schemas.microsoft.com/office/drawing/2014/main" xmlns="" id="{A29768BE-081C-4D7B-84DA-258D1BD21702}"/>
               </a:ext>
             </a:extLst>
           </p:cNvPr>
@@ -2724,7 +2724,7 @@
           <a:p>
             <a:fld id="{DEB1FEE5-0530-414D-96B9-88113598593B}" type="datetimeFigureOut">
               <a:rPr lang="en-US" smtClean="0"/>
-              <a:t>7/22/2020</a:t>
+              <a:t>7/23/2020</a:t>
             </a:fld>
             <a:endParaRPr lang="en-US"/>
           </a:p>
@@ -2735,7 +2735,7 @@
           <p:cNvPr id="8" name="Footer Placeholder 7">
             <a:extLst>
               <a:ext uri="{FF2B5EF4-FFF2-40B4-BE49-F238E27FC236}">
-                <a16:creationId xmlns="" xmlns:a16="http://schemas.microsoft.com/office/drawing/2014/main" id="{772AF356-5822-4E2D-A40F-68942C63AB11}"/>
+                <a16:creationId xmlns:a16="http://schemas.microsoft.com/office/drawing/2014/main" xmlns="" id="{772AF356-5822-4E2D-A40F-68942C63AB11}"/>
               </a:ext>
             </a:extLst>
           </p:cNvPr>
@@ -2760,7 +2760,7 @@
           <p:cNvPr id="9" name="Slide Number Placeholder 8">
             <a:extLst>
               <a:ext uri="{FF2B5EF4-FFF2-40B4-BE49-F238E27FC236}">
-                <a16:creationId xmlns="" xmlns:a16="http://schemas.microsoft.com/office/drawing/2014/main" id="{CE2EAFCF-FE8A-4ADD-ACF3-C5E3A9B8FC90}"/>
+                <a16:creationId xmlns:a16="http://schemas.microsoft.com/office/drawing/2014/main" xmlns="" id="{CE2EAFCF-FE8A-4ADD-ACF3-C5E3A9B8FC90}"/>
               </a:ext>
             </a:extLst>
           </p:cNvPr>
@@ -2819,7 +2819,7 @@
           <p:cNvPr id="2" name="Title 1">
             <a:extLst>
               <a:ext uri="{FF2B5EF4-FFF2-40B4-BE49-F238E27FC236}">
-                <a16:creationId xmlns="" xmlns:a16="http://schemas.microsoft.com/office/drawing/2014/main" id="{8E624107-501F-45D7-A4B8-DEDC2A0852D7}"/>
+                <a16:creationId xmlns:a16="http://schemas.microsoft.com/office/drawing/2014/main" xmlns="" id="{8E624107-501F-45D7-A4B8-DEDC2A0852D7}"/>
               </a:ext>
             </a:extLst>
           </p:cNvPr>
@@ -2847,7 +2847,7 @@
           <p:cNvPr id="3" name="Date Placeholder 2">
             <a:extLst>
               <a:ext uri="{FF2B5EF4-FFF2-40B4-BE49-F238E27FC236}">
-                <a16:creationId xmlns="" xmlns:a16="http://schemas.microsoft.com/office/drawing/2014/main" id="{7A44E379-05D5-4408-90DA-6DA7EA1AB70F}"/>
+                <a16:creationId xmlns:a16="http://schemas.microsoft.com/office/drawing/2014/main" xmlns="" id="{7A44E379-05D5-4408-90DA-6DA7EA1AB70F}"/>
               </a:ext>
             </a:extLst>
           </p:cNvPr>
@@ -2865,7 +2865,7 @@
           <a:p>
             <a:fld id="{DEB1FEE5-0530-414D-96B9-88113598593B}" type="datetimeFigureOut">
               <a:rPr lang="en-US" smtClean="0"/>
-              <a:t>7/22/2020</a:t>
+              <a:t>7/23/2020</a:t>
             </a:fld>
             <a:endParaRPr lang="en-US"/>
           </a:p>
@@ -2876,7 +2876,7 @@
           <p:cNvPr id="4" name="Footer Placeholder 3">
             <a:extLst>
               <a:ext uri="{FF2B5EF4-FFF2-40B4-BE49-F238E27FC236}">
-                <a16:creationId xmlns="" xmlns:a16="http://schemas.microsoft.com/office/drawing/2014/main" id="{2E310503-419E-4308-8BB8-B705684BDD44}"/>
+                <a16:creationId xmlns:a16="http://schemas.microsoft.com/office/drawing/2014/main" xmlns="" id="{2E310503-419E-4308-8BB8-B705684BDD44}"/>
               </a:ext>
             </a:extLst>
           </p:cNvPr>
@@ -2901,7 +2901,7 @@
           <p:cNvPr id="5" name="Slide Number Placeholder 4">
             <a:extLst>
               <a:ext uri="{FF2B5EF4-FFF2-40B4-BE49-F238E27FC236}">
-                <a16:creationId xmlns="" xmlns:a16="http://schemas.microsoft.com/office/drawing/2014/main" id="{F41B98EC-28A6-4B82-9FEE-DE4851173E03}"/>
+                <a16:creationId xmlns:a16="http://schemas.microsoft.com/office/drawing/2014/main" xmlns="" id="{F41B98EC-28A6-4B82-9FEE-DE4851173E03}"/>
               </a:ext>
             </a:extLst>
           </p:cNvPr>
@@ -2960,7 +2960,7 @@
           <p:cNvPr id="2" name="Date Placeholder 1">
             <a:extLst>
               <a:ext uri="{FF2B5EF4-FFF2-40B4-BE49-F238E27FC236}">
-                <a16:creationId xmlns="" xmlns:a16="http://schemas.microsoft.com/office/drawing/2014/main" id="{728D7F1C-FA4D-420E-A817-8EF8AAFB30E7}"/>
+                <a16:creationId xmlns:a16="http://schemas.microsoft.com/office/drawing/2014/main" xmlns="" id="{728D7F1C-FA4D-420E-A817-8EF8AAFB30E7}"/>
               </a:ext>
             </a:extLst>
           </p:cNvPr>
@@ -2978,7 +2978,7 @@
           <a:p>
             <a:fld id="{DEB1FEE5-0530-414D-96B9-88113598593B}" type="datetimeFigureOut">
               <a:rPr lang="en-US" smtClean="0"/>
-              <a:t>7/22/2020</a:t>
+              <a:t>7/23/2020</a:t>
             </a:fld>
             <a:endParaRPr lang="en-US"/>
           </a:p>
@@ -2989,7 +2989,7 @@
           <p:cNvPr id="3" name="Footer Placeholder 2">
             <a:extLst>
               <a:ext uri="{FF2B5EF4-FFF2-40B4-BE49-F238E27FC236}">
-                <a16:creationId xmlns="" xmlns:a16="http://schemas.microsoft.com/office/drawing/2014/main" id="{96D21050-7DE7-405B-B576-E7C8CD9B36F8}"/>
+                <a16:creationId xmlns:a16="http://schemas.microsoft.com/office/drawing/2014/main" xmlns="" id="{96D21050-7DE7-405B-B576-E7C8CD9B36F8}"/>
               </a:ext>
             </a:extLst>
           </p:cNvPr>
@@ -3014,7 +3014,7 @@
           <p:cNvPr id="4" name="Slide Number Placeholder 3">
             <a:extLst>
               <a:ext uri="{FF2B5EF4-FFF2-40B4-BE49-F238E27FC236}">
-                <a16:creationId xmlns="" xmlns:a16="http://schemas.microsoft.com/office/drawing/2014/main" id="{656605F2-35DB-4B9A-BE0E-452FAAEA2088}"/>
+                <a16:creationId xmlns:a16="http://schemas.microsoft.com/office/drawing/2014/main" xmlns="" id="{656605F2-35DB-4B9A-BE0E-452FAAEA2088}"/>
               </a:ext>
             </a:extLst>
           </p:cNvPr>
@@ -3073,7 +3073,7 @@
           <p:cNvPr id="2" name="Title 1">
             <a:extLst>
               <a:ext uri="{FF2B5EF4-FFF2-40B4-BE49-F238E27FC236}">
-                <a16:creationId xmlns="" xmlns:a16="http://schemas.microsoft.com/office/drawing/2014/main" id="{1153D1AA-88FE-4F17-95D7-C4CA99E0E475}"/>
+                <a16:creationId xmlns:a16="http://schemas.microsoft.com/office/drawing/2014/main" xmlns="" id="{1153D1AA-88FE-4F17-95D7-C4CA99E0E475}"/>
               </a:ext>
             </a:extLst>
           </p:cNvPr>
@@ -3110,7 +3110,7 @@
           <p:cNvPr id="3" name="Content Placeholder 2">
             <a:extLst>
               <a:ext uri="{FF2B5EF4-FFF2-40B4-BE49-F238E27FC236}">
-                <a16:creationId xmlns="" xmlns:a16="http://schemas.microsoft.com/office/drawing/2014/main" id="{B3CA30D2-F010-4582-963F-C5A2305FBB1D}"/>
+                <a16:creationId xmlns:a16="http://schemas.microsoft.com/office/drawing/2014/main" xmlns="" id="{B3CA30D2-F010-4582-963F-C5A2305FBB1D}"/>
               </a:ext>
             </a:extLst>
           </p:cNvPr>
@@ -3200,7 +3200,7 @@
           <p:cNvPr id="4" name="Text Placeholder 3">
             <a:extLst>
               <a:ext uri="{FF2B5EF4-FFF2-40B4-BE49-F238E27FC236}">
-                <a16:creationId xmlns="" xmlns:a16="http://schemas.microsoft.com/office/drawing/2014/main" id="{E2CBA6F8-6D19-4DDA-A3B5-F4CA8C531E84}"/>
+                <a16:creationId xmlns:a16="http://schemas.microsoft.com/office/drawing/2014/main" xmlns="" id="{E2CBA6F8-6D19-4DDA-A3B5-F4CA8C531E84}"/>
               </a:ext>
             </a:extLst>
           </p:cNvPr>
@@ -3271,7 +3271,7 @@
           <p:cNvPr id="5" name="Date Placeholder 4">
             <a:extLst>
               <a:ext uri="{FF2B5EF4-FFF2-40B4-BE49-F238E27FC236}">
-                <a16:creationId xmlns="" xmlns:a16="http://schemas.microsoft.com/office/drawing/2014/main" id="{8595EA55-A261-4955-A940-CA2E1EB4ADEF}"/>
+                <a16:creationId xmlns:a16="http://schemas.microsoft.com/office/drawing/2014/main" xmlns="" id="{8595EA55-A261-4955-A940-CA2E1EB4ADEF}"/>
               </a:ext>
             </a:extLst>
           </p:cNvPr>
@@ -3289,7 +3289,7 @@
           <a:p>
             <a:fld id="{DEB1FEE5-0530-414D-96B9-88113598593B}" type="datetimeFigureOut">
               <a:rPr lang="en-US" smtClean="0"/>
-              <a:t>7/22/2020</a:t>
+              <a:t>7/23/2020</a:t>
             </a:fld>
             <a:endParaRPr lang="en-US"/>
           </a:p>
@@ -3300,7 +3300,7 @@
           <p:cNvPr id="6" name="Footer Placeholder 5">
             <a:extLst>
               <a:ext uri="{FF2B5EF4-FFF2-40B4-BE49-F238E27FC236}">
-                <a16:creationId xmlns="" xmlns:a16="http://schemas.microsoft.com/office/drawing/2014/main" id="{DEFB2E61-F0ED-4E9A-92DE-1D821AFEA816}"/>
+                <a16:creationId xmlns:a16="http://schemas.microsoft.com/office/drawing/2014/main" xmlns="" id="{DEFB2E61-F0ED-4E9A-92DE-1D821AFEA816}"/>
               </a:ext>
             </a:extLst>
           </p:cNvPr>
@@ -3325,7 +3325,7 @@
           <p:cNvPr id="7" name="Slide Number Placeholder 6">
             <a:extLst>
               <a:ext uri="{FF2B5EF4-FFF2-40B4-BE49-F238E27FC236}">
-                <a16:creationId xmlns="" xmlns:a16="http://schemas.microsoft.com/office/drawing/2014/main" id="{AF011083-B1E6-4F06-A0B3-AA1109E118D2}"/>
+                <a16:creationId xmlns:a16="http://schemas.microsoft.com/office/drawing/2014/main" xmlns="" id="{AF011083-B1E6-4F06-A0B3-AA1109E118D2}"/>
               </a:ext>
             </a:extLst>
           </p:cNvPr>
@@ -3384,7 +3384,7 @@
           <p:cNvPr id="2" name="Title 1">
             <a:extLst>
               <a:ext uri="{FF2B5EF4-FFF2-40B4-BE49-F238E27FC236}">
-                <a16:creationId xmlns="" xmlns:a16="http://schemas.microsoft.com/office/drawing/2014/main" id="{7ECE586C-B5DA-4611-BD4B-6DA0960072AD}"/>
+                <a16:creationId xmlns:a16="http://schemas.microsoft.com/office/drawing/2014/main" xmlns="" id="{7ECE586C-B5DA-4611-BD4B-6DA0960072AD}"/>
               </a:ext>
             </a:extLst>
           </p:cNvPr>
@@ -3421,7 +3421,7 @@
           <p:cNvPr id="3" name="Picture Placeholder 2">
             <a:extLst>
               <a:ext uri="{FF2B5EF4-FFF2-40B4-BE49-F238E27FC236}">
-                <a16:creationId xmlns="" xmlns:a16="http://schemas.microsoft.com/office/drawing/2014/main" id="{9A3DC055-F1DF-4AFF-9414-BB450BE32FC9}"/>
+                <a16:creationId xmlns:a16="http://schemas.microsoft.com/office/drawing/2014/main" xmlns="" id="{9A3DC055-F1DF-4AFF-9414-BB450BE32FC9}"/>
               </a:ext>
             </a:extLst>
           </p:cNvPr>
@@ -3488,7 +3488,7 @@
           <p:cNvPr id="4" name="Text Placeholder 3">
             <a:extLst>
               <a:ext uri="{FF2B5EF4-FFF2-40B4-BE49-F238E27FC236}">
-                <a16:creationId xmlns="" xmlns:a16="http://schemas.microsoft.com/office/drawing/2014/main" id="{E80069AA-1402-4E00-B82A-28C4C698AAB0}"/>
+                <a16:creationId xmlns:a16="http://schemas.microsoft.com/office/drawing/2014/main" xmlns="" id="{E80069AA-1402-4E00-B82A-28C4C698AAB0}"/>
               </a:ext>
             </a:extLst>
           </p:cNvPr>
@@ -3559,7 +3559,7 @@
           <p:cNvPr id="5" name="Date Placeholder 4">
             <a:extLst>
               <a:ext uri="{FF2B5EF4-FFF2-40B4-BE49-F238E27FC236}">
-                <a16:creationId xmlns="" xmlns:a16="http://schemas.microsoft.com/office/drawing/2014/main" id="{B1728C35-25A5-47A9-A8D0-0E1D77338D61}"/>
+                <a16:creationId xmlns:a16="http://schemas.microsoft.com/office/drawing/2014/main" xmlns="" id="{B1728C35-25A5-47A9-A8D0-0E1D77338D61}"/>
               </a:ext>
             </a:extLst>
           </p:cNvPr>
@@ -3577,7 +3577,7 @@
           <a:p>
             <a:fld id="{DEB1FEE5-0530-414D-96B9-88113598593B}" type="datetimeFigureOut">
               <a:rPr lang="en-US" smtClean="0"/>
-              <a:t>7/22/2020</a:t>
+              <a:t>7/23/2020</a:t>
             </a:fld>
             <a:endParaRPr lang="en-US"/>
           </a:p>
@@ -3588,7 +3588,7 @@
           <p:cNvPr id="6" name="Footer Placeholder 5">
             <a:extLst>
               <a:ext uri="{FF2B5EF4-FFF2-40B4-BE49-F238E27FC236}">
-                <a16:creationId xmlns="" xmlns:a16="http://schemas.microsoft.com/office/drawing/2014/main" id="{C4FD86A7-6C34-4A91-B9C7-81B7B12D819D}"/>
+                <a16:creationId xmlns:a16="http://schemas.microsoft.com/office/drawing/2014/main" xmlns="" id="{C4FD86A7-6C34-4A91-B9C7-81B7B12D819D}"/>
               </a:ext>
             </a:extLst>
           </p:cNvPr>
@@ -3613,7 +3613,7 @@
           <p:cNvPr id="7" name="Slide Number Placeholder 6">
             <a:extLst>
               <a:ext uri="{FF2B5EF4-FFF2-40B4-BE49-F238E27FC236}">
-                <a16:creationId xmlns="" xmlns:a16="http://schemas.microsoft.com/office/drawing/2014/main" id="{38B27316-0CF5-4999-9B89-9F2F005954B9}"/>
+                <a16:creationId xmlns:a16="http://schemas.microsoft.com/office/drawing/2014/main" xmlns="" id="{38B27316-0CF5-4999-9B89-9F2F005954B9}"/>
               </a:ext>
             </a:extLst>
           </p:cNvPr>
@@ -3677,7 +3677,7 @@
           <p:cNvPr id="2" name="Title Placeholder 1">
             <a:extLst>
               <a:ext uri="{FF2B5EF4-FFF2-40B4-BE49-F238E27FC236}">
-                <a16:creationId xmlns="" xmlns:a16="http://schemas.microsoft.com/office/drawing/2014/main" id="{9DE62B2E-65B8-4903-BEA2-D5F93D68B41C}"/>
+                <a16:creationId xmlns:a16="http://schemas.microsoft.com/office/drawing/2014/main" xmlns="" id="{9DE62B2E-65B8-4903-BEA2-D5F93D68B41C}"/>
               </a:ext>
             </a:extLst>
           </p:cNvPr>
@@ -3715,7 +3715,7 @@
           <p:cNvPr id="3" name="Text Placeholder 2">
             <a:extLst>
               <a:ext uri="{FF2B5EF4-FFF2-40B4-BE49-F238E27FC236}">
-                <a16:creationId xmlns="" xmlns:a16="http://schemas.microsoft.com/office/drawing/2014/main" id="{924C27DE-3C34-4851-8A03-790BC224042F}"/>
+                <a16:creationId xmlns:a16="http://schemas.microsoft.com/office/drawing/2014/main" xmlns="" id="{924C27DE-3C34-4851-8A03-790BC224042F}"/>
               </a:ext>
             </a:extLst>
           </p:cNvPr>
@@ -3782,7 +3782,7 @@
           <p:cNvPr id="4" name="Date Placeholder 3">
             <a:extLst>
               <a:ext uri="{FF2B5EF4-FFF2-40B4-BE49-F238E27FC236}">
-                <a16:creationId xmlns="" xmlns:a16="http://schemas.microsoft.com/office/drawing/2014/main" id="{56755826-7D96-4B2B-B335-D170E4D2ADCB}"/>
+                <a16:creationId xmlns:a16="http://schemas.microsoft.com/office/drawing/2014/main" xmlns="" id="{56755826-7D96-4B2B-B335-D170E4D2ADCB}"/>
               </a:ext>
             </a:extLst>
           </p:cNvPr>
@@ -3818,7 +3818,7 @@
           <a:p>
             <a:fld id="{DEB1FEE5-0530-414D-96B9-88113598593B}" type="datetimeFigureOut">
               <a:rPr lang="en-US" smtClean="0"/>
-              <a:t>7/22/2020</a:t>
+              <a:t>7/23/2020</a:t>
             </a:fld>
             <a:endParaRPr lang="en-US"/>
           </a:p>
@@ -3829,7 +3829,7 @@
           <p:cNvPr id="5" name="Footer Placeholder 4">
             <a:extLst>
               <a:ext uri="{FF2B5EF4-FFF2-40B4-BE49-F238E27FC236}">
-                <a16:creationId xmlns="" xmlns:a16="http://schemas.microsoft.com/office/drawing/2014/main" id="{EE424111-E5A1-4D26-98F6-4E1404CCB4F6}"/>
+                <a16:creationId xmlns:a16="http://schemas.microsoft.com/office/drawing/2014/main" xmlns="" id="{EE424111-E5A1-4D26-98F6-4E1404CCB4F6}"/>
               </a:ext>
             </a:extLst>
           </p:cNvPr>
@@ -3872,7 +3872,7 @@
           <p:cNvPr id="6" name="Slide Number Placeholder 5">
             <a:extLst>
               <a:ext uri="{FF2B5EF4-FFF2-40B4-BE49-F238E27FC236}">
-                <a16:creationId xmlns="" xmlns:a16="http://schemas.microsoft.com/office/drawing/2014/main" id="{703F543F-736F-4992-B07A-26CD75B8F42A}"/>
+                <a16:creationId xmlns:a16="http://schemas.microsoft.com/office/drawing/2014/main" xmlns="" id="{703F543F-736F-4992-B07A-26CD75B8F42A}"/>
               </a:ext>
             </a:extLst>
           </p:cNvPr>
@@ -4248,7 +4248,7 @@
           <p:cNvPr id="2061" name="Picture 2060" descr="A picture containing computer, sitting, dark, computer&#10;&#10;Description automatically generated">
             <a:extLst>
               <a:ext uri="{FF2B5EF4-FFF2-40B4-BE49-F238E27FC236}">
-                <a16:creationId xmlns="" xmlns:a16="http://schemas.microsoft.com/office/drawing/2014/main" id="{D5D0632C-9966-4876-8358-E443D87A54E6}"/>
+                <a16:creationId xmlns:a16="http://schemas.microsoft.com/office/drawing/2014/main" xmlns="" id="{D5D0632C-9966-4876-8358-E443D87A54E6}"/>
               </a:ext>
             </a:extLst>
           </p:cNvPr>
@@ -4284,7 +4284,7 @@
           <p:cNvPr id="22" name="Rectangle 21">
             <a:extLst>
               <a:ext uri="{FF2B5EF4-FFF2-40B4-BE49-F238E27FC236}">
-                <a16:creationId xmlns="" xmlns:a16="http://schemas.microsoft.com/office/drawing/2014/main" id="{DA00872A-024C-4AA7-9351-5188D1F15D86}"/>
+                <a16:creationId xmlns:a16="http://schemas.microsoft.com/office/drawing/2014/main" xmlns="" id="{DA00872A-024C-4AA7-9351-5188D1F15D86}"/>
               </a:ext>
             </a:extLst>
           </p:cNvPr>
@@ -4339,7 +4339,7 @@
           <p:cNvPr id="3" name="Rectangle 2">
             <a:extLst>
               <a:ext uri="{FF2B5EF4-FFF2-40B4-BE49-F238E27FC236}">
-                <a16:creationId xmlns="" xmlns:a16="http://schemas.microsoft.com/office/drawing/2014/main" id="{44758A41-D956-4A9D-86D3-27DC35014B55}"/>
+                <a16:creationId xmlns:a16="http://schemas.microsoft.com/office/drawing/2014/main" xmlns="" id="{44758A41-D956-4A9D-86D3-27DC35014B55}"/>
               </a:ext>
             </a:extLst>
           </p:cNvPr>
@@ -4391,7 +4391,7 @@
           <p:cNvPr id="2" name="Picture 1" descr="A close up of a logo&#10;&#10;Description automatically generated">
             <a:extLst>
               <a:ext uri="{FF2B5EF4-FFF2-40B4-BE49-F238E27FC236}">
-                <a16:creationId xmlns="" xmlns:a16="http://schemas.microsoft.com/office/drawing/2014/main" id="{148A4CA5-114C-44CD-B175-E3231477B3CA}"/>
+                <a16:creationId xmlns:a16="http://schemas.microsoft.com/office/drawing/2014/main" xmlns="" id="{148A4CA5-114C-44CD-B175-E3231477B3CA}"/>
               </a:ext>
             </a:extLst>
           </p:cNvPr>
@@ -4427,7 +4427,7 @@
           <p:cNvPr id="18" name="Graphic 17">
             <a:extLst>
               <a:ext uri="{FF2B5EF4-FFF2-40B4-BE49-F238E27FC236}">
-                <a16:creationId xmlns="" xmlns:a16="http://schemas.microsoft.com/office/drawing/2014/main" id="{B294849B-3AA5-41A8-8E0E-31C068B40E0D}"/>
+                <a16:creationId xmlns:a16="http://schemas.microsoft.com/office/drawing/2014/main" xmlns="" id="{B294849B-3AA5-41A8-8E0E-31C068B40E0D}"/>
               </a:ext>
             </a:extLst>
           </p:cNvPr>
@@ -4443,7 +4443,7 @@
                 <a14:useLocalDpi xmlns:a14="http://schemas.microsoft.com/office/drawing/2010/main" val="0"/>
               </a:ext>
               <a:ext uri="{96DAC541-7B7A-43D3-8B79-37D633B846F1}">
-                <asvg:svgBlip xmlns="" xmlns:asvg="http://schemas.microsoft.com/office/drawing/2016/SVG/main" r:embed="rId6"/>
+                <asvg:svgBlip xmlns:asvg="http://schemas.microsoft.com/office/drawing/2016/SVG/main" xmlns="" r:embed="rId6"/>
               </a:ext>
             </a:extLst>
           </a:blip>
@@ -4465,7 +4465,7 @@
           <p:cNvPr id="19" name="Picture 18" descr="A close up of a logo&#10;&#10;Description automatically generated">
             <a:extLst>
               <a:ext uri="{FF2B5EF4-FFF2-40B4-BE49-F238E27FC236}">
-                <a16:creationId xmlns="" xmlns:a16="http://schemas.microsoft.com/office/drawing/2014/main" id="{DE310AFD-E005-4F0F-A7A3-651347DEB364}"/>
+                <a16:creationId xmlns:a16="http://schemas.microsoft.com/office/drawing/2014/main" xmlns="" id="{DE310AFD-E005-4F0F-A7A3-651347DEB364}"/>
               </a:ext>
             </a:extLst>
           </p:cNvPr>
@@ -4501,7 +4501,7 @@
           <p:cNvPr id="20" name="Picture 19" descr="A close up of a logo&#10;&#10;Description automatically generated">
             <a:extLst>
               <a:ext uri="{FF2B5EF4-FFF2-40B4-BE49-F238E27FC236}">
-                <a16:creationId xmlns="" xmlns:a16="http://schemas.microsoft.com/office/drawing/2014/main" id="{3FE3DF3C-BD29-4CC6-9323-58564DFA2D0D}"/>
+                <a16:creationId xmlns:a16="http://schemas.microsoft.com/office/drawing/2014/main" xmlns="" id="{3FE3DF3C-BD29-4CC6-9323-58564DFA2D0D}"/>
               </a:ext>
             </a:extLst>
           </p:cNvPr>
@@ -4537,7 +4537,7 @@
           <p:cNvPr id="21" name="TextBox 20">
             <a:extLst>
               <a:ext uri="{FF2B5EF4-FFF2-40B4-BE49-F238E27FC236}">
-                <a16:creationId xmlns="" xmlns:a16="http://schemas.microsoft.com/office/drawing/2014/main" id="{373B7BFB-9EC9-45C0-B162-FC63EB14F34D}"/>
+                <a16:creationId xmlns:a16="http://schemas.microsoft.com/office/drawing/2014/main" xmlns="" id="{373B7BFB-9EC9-45C0-B162-FC63EB14F34D}"/>
               </a:ext>
             </a:extLst>
           </p:cNvPr>
@@ -4582,7 +4582,7 @@
           <p:cNvPr id="5" name="Rectangle 4">
             <a:extLst>
               <a:ext uri="{FF2B5EF4-FFF2-40B4-BE49-F238E27FC236}">
-                <a16:creationId xmlns="" xmlns:a16="http://schemas.microsoft.com/office/drawing/2014/main" id="{73F3983B-D723-43BC-9674-C4F5FC89EDA4}"/>
+                <a16:creationId xmlns:a16="http://schemas.microsoft.com/office/drawing/2014/main" xmlns="" id="{73F3983B-D723-43BC-9674-C4F5FC89EDA4}"/>
               </a:ext>
             </a:extLst>
           </p:cNvPr>
@@ -4634,7 +4634,7 @@
           <p:cNvPr id="6" name="TextBox 5">
             <a:extLst>
               <a:ext uri="{FF2B5EF4-FFF2-40B4-BE49-F238E27FC236}">
-                <a16:creationId xmlns="" xmlns:a16="http://schemas.microsoft.com/office/drawing/2014/main" id="{FC488D3B-6AAE-4AE0-8EC5-8137E4372930}"/>
+                <a16:creationId xmlns:a16="http://schemas.microsoft.com/office/drawing/2014/main" xmlns="" id="{FC488D3B-6AAE-4AE0-8EC5-8137E4372930}"/>
               </a:ext>
             </a:extLst>
           </p:cNvPr>
@@ -4721,7 +4721,7 @@
           <p:cNvPr id="53" name="TextBox 52">
             <a:extLst>
               <a:ext uri="{FF2B5EF4-FFF2-40B4-BE49-F238E27FC236}">
-                <a16:creationId xmlns="" xmlns:a16="http://schemas.microsoft.com/office/drawing/2014/main" id="{689D7BB0-D4C0-4982-A37D-1738AD6C6BDD}"/>
+                <a16:creationId xmlns:a16="http://schemas.microsoft.com/office/drawing/2014/main" xmlns="" id="{689D7BB0-D4C0-4982-A37D-1738AD6C6BDD}"/>
               </a:ext>
             </a:extLst>
           </p:cNvPr>
@@ -4762,7 +4762,7 @@
           <p:cNvPr id="4" name="Rectangle 3">
             <a:extLst>
               <a:ext uri="{FF2B5EF4-FFF2-40B4-BE49-F238E27FC236}">
-                <a16:creationId xmlns="" xmlns:a16="http://schemas.microsoft.com/office/drawing/2014/main" id="{0B493696-939F-4054-9AFA-41717E6486DF}"/>
+                <a16:creationId xmlns:a16="http://schemas.microsoft.com/office/drawing/2014/main" xmlns="" id="{0B493696-939F-4054-9AFA-41717E6486DF}"/>
               </a:ext>
             </a:extLst>
           </p:cNvPr>
@@ -4816,7 +4816,7 @@
           <p:cNvPr id="8" name="TextBox 7">
             <a:extLst>
               <a:ext uri="{FF2B5EF4-FFF2-40B4-BE49-F238E27FC236}">
-                <a16:creationId xmlns="" xmlns:a16="http://schemas.microsoft.com/office/drawing/2014/main" id="{B3428249-9057-4654-AF55-51618D5019AD}"/>
+                <a16:creationId xmlns:a16="http://schemas.microsoft.com/office/drawing/2014/main" xmlns="" id="{B3428249-9057-4654-AF55-51618D5019AD}"/>
               </a:ext>
             </a:extLst>
           </p:cNvPr>
@@ -4921,7 +4921,7 @@
           <p:cNvPr id="12" name="Shape 5020">
             <a:extLst>
               <a:ext uri="{FF2B5EF4-FFF2-40B4-BE49-F238E27FC236}">
-                <a16:creationId xmlns="" xmlns:a16="http://schemas.microsoft.com/office/drawing/2014/main" id="{FF8FD453-26E4-49E6-8B8C-BB54335C53E8}"/>
+                <a16:creationId xmlns:a16="http://schemas.microsoft.com/office/drawing/2014/main" xmlns="" id="{FF8FD453-26E4-49E6-8B8C-BB54335C53E8}"/>
               </a:ext>
             </a:extLst>
           </p:cNvPr>
@@ -5198,7 +5198,7 @@
           <p:cNvPr id="14" name="Freeform 18">
             <a:extLst>
               <a:ext uri="{FF2B5EF4-FFF2-40B4-BE49-F238E27FC236}">
-                <a16:creationId xmlns="" xmlns:a16="http://schemas.microsoft.com/office/drawing/2014/main" id="{5B5EB228-D146-4571-95D5-B59DAA7A4BBA}"/>
+                <a16:creationId xmlns:a16="http://schemas.microsoft.com/office/drawing/2014/main" xmlns="" id="{5B5EB228-D146-4571-95D5-B59DAA7A4BBA}"/>
               </a:ext>
             </a:extLst>
           </p:cNvPr>
@@ -6049,66 +6049,6 @@
       </p:sp>
       <p:sp>
         <p:nvSpPr>
-          <p:cNvPr id="3" name="Espace réservé du contenu 2"/>
-          <p:cNvSpPr>
-            <a:spLocks noGrp="1"/>
-          </p:cNvSpPr>
-          <p:nvPr>
-            <p:ph idx="1"/>
-          </p:nvPr>
-        </p:nvSpPr>
-        <p:spPr/>
-        <p:txBody>
-          <a:bodyPr/>
-          <a:lstStyle/>
-          <a:p>
-            <a:endParaRPr lang="fr-BE" dirty="0"/>
-          </a:p>
-        </p:txBody>
-      </p:sp>
-      <p:pic>
-        <p:nvPicPr>
-          <p:cNvPr id="4098" name="Picture 2" descr="https://scontent-vie1-1.xx.fbcdn.net/v/t1.15752-9/110250891_2389895934637943_3948743265641365441_n.png?_nc_cat=108&amp;_nc_sid=b96e70&amp;_nc_ohc=yCriYSCLdYcAX9sTpS9&amp;_nc_oc=AQm9n-8zcro1F6zlWESJWNg8WfAkJWJCLkne6Nlox_6xCdt_ADHxho0GjOTTTYcA6T-y9c1nc-EX0UqoXZ3B7WsF&amp;_nc_ht=scontent-vie1-1.xx&amp;oh=a92de1df03633bb16b28c02c6be017f4&amp;oe=5F3E5791"/>
-          <p:cNvPicPr>
-            <a:picLocks noChangeAspect="1" noChangeArrowheads="1"/>
-          </p:cNvPicPr>
-          <p:nvPr/>
-        </p:nvPicPr>
-        <p:blipFill>
-          <a:blip r:embed="rId2">
-            <a:extLst>
-              <a:ext uri="{28A0092B-C50C-407E-A947-70E740481C1C}">
-                <a14:useLocalDpi xmlns:a14="http://schemas.microsoft.com/office/drawing/2010/main" val="0"/>
-              </a:ext>
-            </a:extLst>
-          </a:blip>
-          <a:srcRect/>
-          <a:stretch>
-            <a:fillRect/>
-          </a:stretch>
-        </p:blipFill>
-        <p:spPr bwMode="auto">
-          <a:xfrm>
-            <a:off x="299954" y="465222"/>
-            <a:ext cx="11633846" cy="6144126"/>
-          </a:xfrm>
-          <a:prstGeom prst="rect">
-            <a:avLst/>
-          </a:prstGeom>
-          <a:noFill/>
-          <a:extLst>
-            <a:ext uri="{909E8E84-426E-40DD-AFC4-6F175D3DCCD1}">
-              <a14:hiddenFill xmlns:a14="http://schemas.microsoft.com/office/drawing/2010/main">
-                <a:solidFill>
-                  <a:srgbClr val="FFFFFF"/>
-                </a:solidFill>
-              </a14:hiddenFill>
-            </a:ext>
-          </a:extLst>
-        </p:spPr>
-      </p:pic>
-      <p:sp>
-        <p:nvSpPr>
           <p:cNvPr id="4" name="ZoneTexte 3"/>
           <p:cNvSpPr txBox="1"/>
           <p:nvPr/>
@@ -6133,34 +6073,40 @@
               <a:rPr lang="fr-BE" sz="1600" dirty="0" err="1" smtClean="0"/>
               <a:t>Overview</a:t>
             </a:r>
-            <a:r>
-              <a:rPr lang="fr-BE" sz="1600" dirty="0" smtClean="0"/>
-              <a:t> of the </a:t>
-            </a:r>
-            <a:r>
-              <a:rPr lang="fr-BE" sz="1600" dirty="0" err="1" smtClean="0"/>
-              <a:t>resources</a:t>
-            </a:r>
-            <a:r>
-              <a:rPr lang="fr-BE" sz="1600" dirty="0" smtClean="0"/>
-              <a:t> </a:t>
-            </a:r>
-            <a:r>
-              <a:rPr lang="fr-BE" sz="1600" dirty="0" err="1" smtClean="0"/>
-              <a:t>being</a:t>
-            </a:r>
-            <a:r>
-              <a:rPr lang="fr-BE" sz="1600" dirty="0" smtClean="0"/>
-              <a:t> </a:t>
-            </a:r>
-            <a:r>
-              <a:rPr lang="fr-BE" sz="1600" dirty="0" err="1" smtClean="0"/>
-              <a:t>deployed</a:t>
-            </a:r>
             <a:endParaRPr lang="fr-BE" sz="1600" dirty="0"/>
           </a:p>
         </p:txBody>
       </p:sp>
+      <p:pic>
+        <p:nvPicPr>
+          <p:cNvPr id="5" name="Image 4"/>
+          <p:cNvPicPr>
+            <a:picLocks noChangeAspect="1"/>
+          </p:cNvPicPr>
+          <p:nvPr/>
+        </p:nvPicPr>
+        <p:blipFill>
+          <a:blip r:embed="rId2">
+            <a:extLst>
+              <a:ext uri="{28A0092B-C50C-407E-A947-70E740481C1C}">
+                <a14:useLocalDpi xmlns:a14="http://schemas.microsoft.com/office/drawing/2010/main" val="0"/>
+              </a:ext>
+            </a:extLst>
+          </a:blip>
+          <a:stretch>
+            <a:fillRect/>
+          </a:stretch>
+        </p:blipFill>
+        <p:spPr>
+          <a:xfrm>
+            <a:off x="642427" y="465222"/>
+            <a:ext cx="10844723" cy="6079832"/>
+          </a:xfrm>
+          <a:prstGeom prst="rect">
+            <a:avLst/>
+          </a:prstGeom>
+        </p:spPr>
+      </p:pic>
     </p:spTree>
     <p:extLst>
       <p:ext uri="{BB962C8B-B14F-4D97-AF65-F5344CB8AC3E}">
@@ -6191,47 +6137,6 @@
           <a:chExt cx="0" cy="0"/>
         </a:xfrm>
       </p:grpSpPr>
-      <p:pic>
-        <p:nvPicPr>
-          <p:cNvPr id="3074" name="Picture 2" descr="https://scontent-vie1-1.xx.fbcdn.net/v/t1.15752-9/110571762_953636138415219_2542772441101462574_n.jpg?_nc_cat=108&amp;_nc_sid=b96e70&amp;_nc_ohc=50AdPO1_CKQAX81QvUv&amp;_nc_ht=scontent-vie1-1.xx&amp;oh=0c2ba391498e0bf5229b48a4843bb02e&amp;oe=5F3F63B8"/>
-          <p:cNvPicPr>
-            <a:picLocks noChangeAspect="1" noChangeArrowheads="1"/>
-          </p:cNvPicPr>
-          <p:nvPr/>
-        </p:nvPicPr>
-        <p:blipFill>
-          <a:blip r:embed="rId2">
-            <a:extLst>
-              <a:ext uri="{28A0092B-C50C-407E-A947-70E740481C1C}">
-                <a14:useLocalDpi xmlns:a14="http://schemas.microsoft.com/office/drawing/2010/main" val="0"/>
-              </a:ext>
-            </a:extLst>
-          </a:blip>
-          <a:srcRect/>
-          <a:stretch>
-            <a:fillRect/>
-          </a:stretch>
-        </p:blipFill>
-        <p:spPr bwMode="auto">
-          <a:xfrm>
-            <a:off x="2144430" y="365125"/>
-            <a:ext cx="6523517" cy="6374020"/>
-          </a:xfrm>
-          <a:prstGeom prst="rect">
-            <a:avLst/>
-          </a:prstGeom>
-          <a:noFill/>
-          <a:extLst>
-            <a:ext uri="{909E8E84-426E-40DD-AFC4-6F175D3DCCD1}">
-              <a14:hiddenFill xmlns:a14="http://schemas.microsoft.com/office/drawing/2010/main">
-                <a:solidFill>
-                  <a:srgbClr val="FFFFFF"/>
-                </a:solidFill>
-              </a14:hiddenFill>
-            </a:ext>
-          </a:extLst>
-        </p:spPr>
-      </p:pic>
       <p:sp>
         <p:nvSpPr>
           <p:cNvPr id="7" name="ZoneTexte 6"/>
@@ -6241,7 +6146,7 @@
         <p:spPr>
           <a:xfrm>
             <a:off x="8855242" y="0"/>
-            <a:ext cx="2390273" cy="338554"/>
+            <a:ext cx="2703346" cy="338554"/>
           </a:xfrm>
           <a:prstGeom prst="rect">
             <a:avLst/>
@@ -6255,17 +6160,55 @@
           <a:lstStyle/>
           <a:p>
             <a:r>
+              <a:rPr lang="fr-BE" sz="1600" dirty="0" smtClean="0"/>
+              <a:t>Service </a:t>
+            </a:r>
+            <a:r>
               <a:rPr lang="fr-BE" sz="1600" dirty="0" err="1" smtClean="0"/>
-              <a:t>Overview</a:t>
+              <a:t>principals</a:t>
             </a:r>
             <a:r>
               <a:rPr lang="fr-BE" sz="1600" dirty="0" smtClean="0"/>
-              <a:t> of the ????</a:t>
+              <a:t> </a:t>
+            </a:r>
+            <a:r>
+              <a:rPr lang="fr-BE" sz="1600" dirty="0" err="1" smtClean="0"/>
+              <a:t>overview</a:t>
             </a:r>
             <a:endParaRPr lang="fr-BE" sz="1600" dirty="0"/>
           </a:p>
         </p:txBody>
       </p:sp>
+      <p:pic>
+        <p:nvPicPr>
+          <p:cNvPr id="2" name="Image 1"/>
+          <p:cNvPicPr>
+            <a:picLocks noChangeAspect="1"/>
+          </p:cNvPicPr>
+          <p:nvPr/>
+        </p:nvPicPr>
+        <p:blipFill>
+          <a:blip r:embed="rId2">
+            <a:extLst>
+              <a:ext uri="{28A0092B-C50C-407E-A947-70E740481C1C}">
+                <a14:useLocalDpi xmlns:a14="http://schemas.microsoft.com/office/drawing/2010/main" val="0"/>
+              </a:ext>
+            </a:extLst>
+          </a:blip>
+          <a:stretch>
+            <a:fillRect/>
+          </a:stretch>
+        </p:blipFill>
+        <p:spPr>
+          <a:xfrm>
+            <a:off x="1523569" y="338554"/>
+            <a:ext cx="9220631" cy="6189975"/>
+          </a:xfrm>
+          <a:prstGeom prst="rect">
+            <a:avLst/>
+          </a:prstGeom>
+        </p:spPr>
+      </p:pic>
     </p:spTree>
     <p:extLst>
       <p:ext uri="{BB962C8B-B14F-4D97-AF65-F5344CB8AC3E}">
@@ -6354,7 +6297,7 @@
         </p:nvSpPr>
         <p:spPr>
           <a:xfrm>
-            <a:off x="6962273" y="0"/>
+            <a:off x="6919410" y="0"/>
             <a:ext cx="6031831" cy="338554"/>
           </a:xfrm>
           <a:prstGeom prst="rect">
@@ -6369,16 +6312,12 @@
           <a:lstStyle/>
           <a:p>
             <a:r>
+              <a:rPr lang="fr-BE" sz="1600" dirty="0" smtClean="0"/>
+              <a:t>deploy-aks-k8s-cluster.sh script </a:t>
+            </a:r>
+            <a:r>
               <a:rPr lang="fr-BE" sz="1600" dirty="0" err="1" smtClean="0"/>
-              <a:t>Overview</a:t>
-            </a:r>
-            <a:r>
-              <a:rPr lang="fr-BE" sz="1600" dirty="0" smtClean="0"/>
-              <a:t> of the deloy-aks-k8s-cluster.sh script </a:t>
-            </a:r>
-            <a:r>
-              <a:rPr lang="fr-BE" sz="1600" dirty="0" err="1" smtClean="0"/>
-              <a:t>deployment</a:t>
+              <a:t>overview</a:t>
             </a:r>
             <a:endParaRPr lang="fr-BE" sz="1600" dirty="0"/>
           </a:p>
@@ -6434,7 +6373,7 @@
           <p:cNvPr id="11" name="Rectangle 10">
             <a:extLst>
               <a:ext uri="{FF2B5EF4-FFF2-40B4-BE49-F238E27FC236}">
-                <a16:creationId xmlns="" xmlns:a16="http://schemas.microsoft.com/office/drawing/2014/main" id="{8E37464E-1F18-46E8-9EAB-F4DDF41C0215}"/>
+                <a16:creationId xmlns:a16="http://schemas.microsoft.com/office/drawing/2014/main" xmlns="" id="{8E37464E-1F18-46E8-9EAB-F4DDF41C0215}"/>
               </a:ext>
             </a:extLst>
           </p:cNvPr>
@@ -6489,7 +6428,7 @@
           <p:cNvPr id="2" name="Picture 1" descr="A close up of a logo&#10;&#10;Description automatically generated">
             <a:extLst>
               <a:ext uri="{FF2B5EF4-FFF2-40B4-BE49-F238E27FC236}">
-                <a16:creationId xmlns="" xmlns:a16="http://schemas.microsoft.com/office/drawing/2014/main" id="{148A4CA5-114C-44CD-B175-E3231477B3CA}"/>
+                <a16:creationId xmlns:a16="http://schemas.microsoft.com/office/drawing/2014/main" xmlns="" id="{148A4CA5-114C-44CD-B175-E3231477B3CA}"/>
               </a:ext>
             </a:extLst>
           </p:cNvPr>
@@ -6525,7 +6464,7 @@
           <p:cNvPr id="9" name="TextBox 8">
             <a:extLst>
               <a:ext uri="{FF2B5EF4-FFF2-40B4-BE49-F238E27FC236}">
-                <a16:creationId xmlns="" xmlns:a16="http://schemas.microsoft.com/office/drawing/2014/main" id="{6C686B13-417B-4E43-BBDD-FB6063357088}"/>
+                <a16:creationId xmlns:a16="http://schemas.microsoft.com/office/drawing/2014/main" xmlns="" id="{6C686B13-417B-4E43-BBDD-FB6063357088}"/>
               </a:ext>
             </a:extLst>
           </p:cNvPr>
@@ -6575,7 +6514,7 @@
           <p:cNvPr id="10" name="TextBox 9">
             <a:extLst>
               <a:ext uri="{FF2B5EF4-FFF2-40B4-BE49-F238E27FC236}">
-                <a16:creationId xmlns="" xmlns:a16="http://schemas.microsoft.com/office/drawing/2014/main" id="{333451D4-49B8-4671-9C08-03ECD5B7BC3B}"/>
+                <a16:creationId xmlns:a16="http://schemas.microsoft.com/office/drawing/2014/main" xmlns="" id="{333451D4-49B8-4671-9C08-03ECD5B7BC3B}"/>
               </a:ext>
             </a:extLst>
           </p:cNvPr>
@@ -7252,6 +7191,15 @@
 </file>
 
 <file path=customXml/item2.xml><?xml version="1.0" encoding="utf-8"?>
+<?mso-contentType ?>
+<FormTemplates xmlns="http://schemas.microsoft.com/sharepoint/v3/contenttype/forms">
+  <Display>DocumentLibraryForm</Display>
+  <Edit>DocumentLibraryForm</Edit>
+  <New>DocumentLibraryForm</New>
+</FormTemplates>
+</file>
+
+<file path=customXml/item3.xml><?xml version="1.0" encoding="utf-8"?>
 <ct:contentTypeSchema xmlns:ct="http://schemas.microsoft.com/office/2006/metadata/contentType" xmlns:ma="http://schemas.microsoft.com/office/2006/metadata/properties/metaAttributes" ct:_="" ma:_="" ma:contentTypeName="Document" ma:contentTypeID="0x010100A38A89811ECC7341A43A19B6FB48F7E1" ma:contentTypeVersion="14" ma:contentTypeDescription="Create a new document." ma:contentTypeScope="" ma:versionID="53b12876a9dc171e6841db7c2f415704">
   <xsd:schema xmlns:xsd="http://www.w3.org/2001/XMLSchema" xmlns:xs="http://www.w3.org/2001/XMLSchema" xmlns:p="http://schemas.microsoft.com/office/2006/metadata/properties" xmlns:ns1="http://schemas.microsoft.com/sharepoint/v3" xmlns:ns2="bc487258-c1c0-43c6-bf00-584470d0bede" xmlns:ns3="9bf0e6da-88fd-4ecb-9c2a-ff466c48006f" targetNamespace="http://schemas.microsoft.com/office/2006/metadata/properties" ma:root="true" ma:fieldsID="bdea3c0a5e56144fb6d8b3d4b4a1aeab" ns1:_="" ns2:_="" ns3:_="">
     <xsd:import namespace="http://schemas.microsoft.com/sharepoint/v3"/>
@@ -7485,15 +7433,6 @@
 </ct:contentTypeSchema>
 </file>
 
-<file path=customXml/item3.xml><?xml version="1.0" encoding="utf-8"?>
-<?mso-contentType ?>
-<FormTemplates xmlns="http://schemas.microsoft.com/sharepoint/v3/contenttype/forms">
-  <Display>DocumentLibraryForm</Display>
-  <Edit>DocumentLibraryForm</Edit>
-  <New>DocumentLibraryForm</New>
-</FormTemplates>
-</file>
-
 <file path=customXml/itemProps1.xml><?xml version="1.0" encoding="utf-8"?>
 <ds:datastoreItem xmlns:ds="http://schemas.openxmlformats.org/officeDocument/2006/customXml" ds:itemID="{B760C080-9903-4ED1-A019-F8AF78E3F920}">
   <ds:schemaRefs>
@@ -7513,6 +7452,14 @@
 </file>
 
 <file path=customXml/itemProps2.xml><?xml version="1.0" encoding="utf-8"?>
+<ds:datastoreItem xmlns:ds="http://schemas.openxmlformats.org/officeDocument/2006/customXml" ds:itemID="{49844BAE-3143-4DDE-A131-826557FF8F35}">
+  <ds:schemaRefs>
+    <ds:schemaRef ds:uri="http://schemas.microsoft.com/sharepoint/v3/contenttype/forms"/>
+  </ds:schemaRefs>
+</ds:datastoreItem>
+</file>
+
+<file path=customXml/itemProps3.xml><?xml version="1.0" encoding="utf-8"?>
 <ds:datastoreItem xmlns:ds="http://schemas.openxmlformats.org/officeDocument/2006/customXml" ds:itemID="{6A53AB11-3D5E-4B2C-92FF-7CE4F252F705}">
   <ds:schemaRefs>
     <ds:schemaRef ds:uri="http://schemas.microsoft.com/office/2006/metadata/contentType"/>
@@ -7530,12 +7477,4 @@
     <ds:schemaRef ds:uri="http://schemas.microsoft.com/internal/obd"/>
   </ds:schemaRefs>
 </ds:datastoreItem>
-</file>
-
-<file path=customXml/itemProps3.xml><?xml version="1.0" encoding="utf-8"?>
-<ds:datastoreItem xmlns:ds="http://schemas.openxmlformats.org/officeDocument/2006/customXml" ds:itemID="{49844BAE-3143-4DDE-A131-826557FF8F35}">
-  <ds:schemaRefs>
-    <ds:schemaRef ds:uri="http://schemas.microsoft.com/sharepoint/v3/contenttype/forms"/>
-  </ds:schemaRefs>
-</ds:datastoreItem>
 </file>
--- a/presentation.pptx
+++ b/presentation.pptx
@@ -744,7 +744,7 @@
           <a:p>
             <a:fld id="{8D45066D-9EB7-4AAA-B766-743B976AC38B}" type="slidenum">
               <a:rPr lang="en-US" smtClean="0"/>
-              <a:t>‹N°›</a:t>
+              <a:t>‹#›</a:t>
             </a:fld>
             <a:endParaRPr lang="en-US"/>
           </a:p>
@@ -1043,7 +1043,7 @@
           <p:cNvPr id="2" name="Title 1">
             <a:extLst>
               <a:ext uri="{FF2B5EF4-FFF2-40B4-BE49-F238E27FC236}">
-                <a16:creationId xmlns:a16="http://schemas.microsoft.com/office/drawing/2014/main" xmlns="" id="{74CB3B42-34FE-4F89-AF42-20D84E8F645D}"/>
+                <a16:creationId xmlns:a16="http://schemas.microsoft.com/office/drawing/2014/main" id="{74CB3B42-34FE-4F89-AF42-20D84E8F645D}"/>
               </a:ext>
             </a:extLst>
           </p:cNvPr>
@@ -1080,7 +1080,7 @@
           <p:cNvPr id="3" name="Subtitle 2">
             <a:extLst>
               <a:ext uri="{FF2B5EF4-FFF2-40B4-BE49-F238E27FC236}">
-                <a16:creationId xmlns:a16="http://schemas.microsoft.com/office/drawing/2014/main" xmlns="" id="{BAAEADC8-C044-475D-964E-3518AF29F740}"/>
+                <a16:creationId xmlns:a16="http://schemas.microsoft.com/office/drawing/2014/main" id="{BAAEADC8-C044-475D-964E-3518AF29F740}"/>
               </a:ext>
             </a:extLst>
           </p:cNvPr>
@@ -1150,7 +1150,7 @@
           <p:cNvPr id="4" name="Date Placeholder 3">
             <a:extLst>
               <a:ext uri="{FF2B5EF4-FFF2-40B4-BE49-F238E27FC236}">
-                <a16:creationId xmlns:a16="http://schemas.microsoft.com/office/drawing/2014/main" xmlns="" id="{8CA9461F-540C-4F0D-8A2F-79046F34CE20}"/>
+                <a16:creationId xmlns:a16="http://schemas.microsoft.com/office/drawing/2014/main" id="{8CA9461F-540C-4F0D-8A2F-79046F34CE20}"/>
               </a:ext>
             </a:extLst>
           </p:cNvPr>
@@ -1179,7 +1179,7 @@
           <p:cNvPr id="5" name="Footer Placeholder 4">
             <a:extLst>
               <a:ext uri="{FF2B5EF4-FFF2-40B4-BE49-F238E27FC236}">
-                <a16:creationId xmlns:a16="http://schemas.microsoft.com/office/drawing/2014/main" xmlns="" id="{BCB5ACD2-9CC9-4425-A5CB-5419C890EAA2}"/>
+                <a16:creationId xmlns:a16="http://schemas.microsoft.com/office/drawing/2014/main" id="{BCB5ACD2-9CC9-4425-A5CB-5419C890EAA2}"/>
               </a:ext>
             </a:extLst>
           </p:cNvPr>
@@ -1204,7 +1204,7 @@
           <p:cNvPr id="6" name="Slide Number Placeholder 5">
             <a:extLst>
               <a:ext uri="{FF2B5EF4-FFF2-40B4-BE49-F238E27FC236}">
-                <a16:creationId xmlns:a16="http://schemas.microsoft.com/office/drawing/2014/main" xmlns="" id="{0F78A4CF-2079-499D-8C5A-763CAE67D1A6}"/>
+                <a16:creationId xmlns:a16="http://schemas.microsoft.com/office/drawing/2014/main" id="{0F78A4CF-2079-499D-8C5A-763CAE67D1A6}"/>
               </a:ext>
             </a:extLst>
           </p:cNvPr>
@@ -1222,7 +1222,7 @@
           <a:p>
             <a:fld id="{E90B4EE6-832A-4455-A0E8-256062B7E61D}" type="slidenum">
               <a:rPr lang="en-US" smtClean="0"/>
-              <a:t>‹N°›</a:t>
+              <a:t>‹#›</a:t>
             </a:fld>
             <a:endParaRPr lang="en-US"/>
           </a:p>
@@ -1263,7 +1263,7 @@
           <p:cNvPr id="2" name="Title 1">
             <a:extLst>
               <a:ext uri="{FF2B5EF4-FFF2-40B4-BE49-F238E27FC236}">
-                <a16:creationId xmlns:a16="http://schemas.microsoft.com/office/drawing/2014/main" xmlns="" id="{94D83A22-0EB9-4B3F-B578-25F5853E64A8}"/>
+                <a16:creationId xmlns:a16="http://schemas.microsoft.com/office/drawing/2014/main" id="{94D83A22-0EB9-4B3F-B578-25F5853E64A8}"/>
               </a:ext>
             </a:extLst>
           </p:cNvPr>
@@ -1291,7 +1291,7 @@
           <p:cNvPr id="3" name="Vertical Text Placeholder 2">
             <a:extLst>
               <a:ext uri="{FF2B5EF4-FFF2-40B4-BE49-F238E27FC236}">
-                <a16:creationId xmlns:a16="http://schemas.microsoft.com/office/drawing/2014/main" xmlns="" id="{222F2EB6-7C39-46D6-A9BB-4FE726D0E0EE}"/>
+                <a16:creationId xmlns:a16="http://schemas.microsoft.com/office/drawing/2014/main" id="{222F2EB6-7C39-46D6-A9BB-4FE726D0E0EE}"/>
               </a:ext>
             </a:extLst>
           </p:cNvPr>
@@ -1348,7 +1348,7 @@
           <p:cNvPr id="4" name="Date Placeholder 3">
             <a:extLst>
               <a:ext uri="{FF2B5EF4-FFF2-40B4-BE49-F238E27FC236}">
-                <a16:creationId xmlns:a16="http://schemas.microsoft.com/office/drawing/2014/main" xmlns="" id="{35361AC5-9CC3-4ACD-B628-0CB5377B7DB3}"/>
+                <a16:creationId xmlns:a16="http://schemas.microsoft.com/office/drawing/2014/main" id="{35361AC5-9CC3-4ACD-B628-0CB5377B7DB3}"/>
               </a:ext>
             </a:extLst>
           </p:cNvPr>
@@ -1377,7 +1377,7 @@
           <p:cNvPr id="5" name="Footer Placeholder 4">
             <a:extLst>
               <a:ext uri="{FF2B5EF4-FFF2-40B4-BE49-F238E27FC236}">
-                <a16:creationId xmlns:a16="http://schemas.microsoft.com/office/drawing/2014/main" xmlns="" id="{18105882-F008-4ABB-B2CC-F6A24DA7A283}"/>
+                <a16:creationId xmlns:a16="http://schemas.microsoft.com/office/drawing/2014/main" id="{18105882-F008-4ABB-B2CC-F6A24DA7A283}"/>
               </a:ext>
             </a:extLst>
           </p:cNvPr>
@@ -1402,7 +1402,7 @@
           <p:cNvPr id="6" name="Slide Number Placeholder 5">
             <a:extLst>
               <a:ext uri="{FF2B5EF4-FFF2-40B4-BE49-F238E27FC236}">
-                <a16:creationId xmlns:a16="http://schemas.microsoft.com/office/drawing/2014/main" xmlns="" id="{87C90FF4-37A4-4B07-9C64-13CBD7BA4BBE}"/>
+                <a16:creationId xmlns:a16="http://schemas.microsoft.com/office/drawing/2014/main" id="{87C90FF4-37A4-4B07-9C64-13CBD7BA4BBE}"/>
               </a:ext>
             </a:extLst>
           </p:cNvPr>
@@ -1420,7 +1420,7 @@
           <a:p>
             <a:fld id="{E90B4EE6-832A-4455-A0E8-256062B7E61D}" type="slidenum">
               <a:rPr lang="en-US" smtClean="0"/>
-              <a:t>‹N°›</a:t>
+              <a:t>‹#›</a:t>
             </a:fld>
             <a:endParaRPr lang="en-US"/>
           </a:p>
@@ -1461,7 +1461,7 @@
           <p:cNvPr id="2" name="Vertical Title 1">
             <a:extLst>
               <a:ext uri="{FF2B5EF4-FFF2-40B4-BE49-F238E27FC236}">
-                <a16:creationId xmlns:a16="http://schemas.microsoft.com/office/drawing/2014/main" xmlns="" id="{D4CFFC75-FB04-4070-ACF3-17B74E1E49A0}"/>
+                <a16:creationId xmlns:a16="http://schemas.microsoft.com/office/drawing/2014/main" id="{D4CFFC75-FB04-4070-ACF3-17B74E1E49A0}"/>
               </a:ext>
             </a:extLst>
           </p:cNvPr>
@@ -1494,7 +1494,7 @@
           <p:cNvPr id="3" name="Vertical Text Placeholder 2">
             <a:extLst>
               <a:ext uri="{FF2B5EF4-FFF2-40B4-BE49-F238E27FC236}">
-                <a16:creationId xmlns:a16="http://schemas.microsoft.com/office/drawing/2014/main" xmlns="" id="{E8DC022A-F28A-42FE-B136-97D2DB44E1CD}"/>
+                <a16:creationId xmlns:a16="http://schemas.microsoft.com/office/drawing/2014/main" id="{E8DC022A-F28A-42FE-B136-97D2DB44E1CD}"/>
               </a:ext>
             </a:extLst>
           </p:cNvPr>
@@ -1556,7 +1556,7 @@
           <p:cNvPr id="4" name="Date Placeholder 3">
             <a:extLst>
               <a:ext uri="{FF2B5EF4-FFF2-40B4-BE49-F238E27FC236}">
-                <a16:creationId xmlns:a16="http://schemas.microsoft.com/office/drawing/2014/main" xmlns="" id="{E5436E70-3209-4B1D-8141-7D7A8CB50EB0}"/>
+                <a16:creationId xmlns:a16="http://schemas.microsoft.com/office/drawing/2014/main" id="{E5436E70-3209-4B1D-8141-7D7A8CB50EB0}"/>
               </a:ext>
             </a:extLst>
           </p:cNvPr>
@@ -1585,7 +1585,7 @@
           <p:cNvPr id="5" name="Footer Placeholder 4">
             <a:extLst>
               <a:ext uri="{FF2B5EF4-FFF2-40B4-BE49-F238E27FC236}">
-                <a16:creationId xmlns:a16="http://schemas.microsoft.com/office/drawing/2014/main" xmlns="" id="{0CCEEE92-3BC7-4251-9BA8-4DB85DFDCE30}"/>
+                <a16:creationId xmlns:a16="http://schemas.microsoft.com/office/drawing/2014/main" id="{0CCEEE92-3BC7-4251-9BA8-4DB85DFDCE30}"/>
               </a:ext>
             </a:extLst>
           </p:cNvPr>
@@ -1610,7 +1610,7 @@
           <p:cNvPr id="6" name="Slide Number Placeholder 5">
             <a:extLst>
               <a:ext uri="{FF2B5EF4-FFF2-40B4-BE49-F238E27FC236}">
-                <a16:creationId xmlns:a16="http://schemas.microsoft.com/office/drawing/2014/main" xmlns="" id="{20BFE1BB-FF5B-4BC1-8FB0-68000A99BC49}"/>
+                <a16:creationId xmlns:a16="http://schemas.microsoft.com/office/drawing/2014/main" id="{20BFE1BB-FF5B-4BC1-8FB0-68000A99BC49}"/>
               </a:ext>
             </a:extLst>
           </p:cNvPr>
@@ -1628,7 +1628,7 @@
           <a:p>
             <a:fld id="{E90B4EE6-832A-4455-A0E8-256062B7E61D}" type="slidenum">
               <a:rPr lang="en-US" smtClean="0"/>
-              <a:t>‹N°›</a:t>
+              <a:t>‹#›</a:t>
             </a:fld>
             <a:endParaRPr lang="en-US"/>
           </a:p>
@@ -1669,7 +1669,7 @@
           <p:cNvPr id="2" name="Title 1">
             <a:extLst>
               <a:ext uri="{FF2B5EF4-FFF2-40B4-BE49-F238E27FC236}">
-                <a16:creationId xmlns:a16="http://schemas.microsoft.com/office/drawing/2014/main" xmlns="" id="{EFE1E8BF-1E87-4CD1-AF63-7672EB209355}"/>
+                <a16:creationId xmlns:a16="http://schemas.microsoft.com/office/drawing/2014/main" id="{EFE1E8BF-1E87-4CD1-AF63-7672EB209355}"/>
               </a:ext>
             </a:extLst>
           </p:cNvPr>
@@ -1697,7 +1697,7 @@
           <p:cNvPr id="3" name="Content Placeholder 2">
             <a:extLst>
               <a:ext uri="{FF2B5EF4-FFF2-40B4-BE49-F238E27FC236}">
-                <a16:creationId xmlns:a16="http://schemas.microsoft.com/office/drawing/2014/main" xmlns="" id="{19C10D01-C8D3-4852-95DB-8784F9DA536F}"/>
+                <a16:creationId xmlns:a16="http://schemas.microsoft.com/office/drawing/2014/main" id="{19C10D01-C8D3-4852-95DB-8784F9DA536F}"/>
               </a:ext>
             </a:extLst>
           </p:cNvPr>
@@ -1754,7 +1754,7 @@
           <p:cNvPr id="4" name="Date Placeholder 3">
             <a:extLst>
               <a:ext uri="{FF2B5EF4-FFF2-40B4-BE49-F238E27FC236}">
-                <a16:creationId xmlns:a16="http://schemas.microsoft.com/office/drawing/2014/main" xmlns="" id="{E32E90B2-5259-47FC-B041-7AD0037CD92E}"/>
+                <a16:creationId xmlns:a16="http://schemas.microsoft.com/office/drawing/2014/main" id="{E32E90B2-5259-47FC-B041-7AD0037CD92E}"/>
               </a:ext>
             </a:extLst>
           </p:cNvPr>
@@ -1783,7 +1783,7 @@
           <p:cNvPr id="5" name="Footer Placeholder 4">
             <a:extLst>
               <a:ext uri="{FF2B5EF4-FFF2-40B4-BE49-F238E27FC236}">
-                <a16:creationId xmlns:a16="http://schemas.microsoft.com/office/drawing/2014/main" xmlns="" id="{D9986EA6-9A4D-453A-A7E1-15CED315CCAD}"/>
+                <a16:creationId xmlns:a16="http://schemas.microsoft.com/office/drawing/2014/main" id="{D9986EA6-9A4D-453A-A7E1-15CED315CCAD}"/>
               </a:ext>
             </a:extLst>
           </p:cNvPr>
@@ -1808,7 +1808,7 @@
           <p:cNvPr id="6" name="Slide Number Placeholder 5">
             <a:extLst>
               <a:ext uri="{FF2B5EF4-FFF2-40B4-BE49-F238E27FC236}">
-                <a16:creationId xmlns:a16="http://schemas.microsoft.com/office/drawing/2014/main" xmlns="" id="{E97CAF34-35AB-4550-8C0C-9B86C12F644B}"/>
+                <a16:creationId xmlns:a16="http://schemas.microsoft.com/office/drawing/2014/main" id="{E97CAF34-35AB-4550-8C0C-9B86C12F644B}"/>
               </a:ext>
             </a:extLst>
           </p:cNvPr>
@@ -1826,7 +1826,7 @@
           <a:p>
             <a:fld id="{E90B4EE6-832A-4455-A0E8-256062B7E61D}" type="slidenum">
               <a:rPr lang="en-US" smtClean="0"/>
-              <a:t>‹N°›</a:t>
+              <a:t>‹#›</a:t>
             </a:fld>
             <a:endParaRPr lang="en-US"/>
           </a:p>
@@ -1867,7 +1867,7 @@
           <p:cNvPr id="2" name="Title 1">
             <a:extLst>
               <a:ext uri="{FF2B5EF4-FFF2-40B4-BE49-F238E27FC236}">
-                <a16:creationId xmlns:a16="http://schemas.microsoft.com/office/drawing/2014/main" xmlns="" id="{BB916C6A-A086-417B-9D9B-D1DE4E55ED82}"/>
+                <a16:creationId xmlns:a16="http://schemas.microsoft.com/office/drawing/2014/main" id="{BB916C6A-A086-417B-9D9B-D1DE4E55ED82}"/>
               </a:ext>
             </a:extLst>
           </p:cNvPr>
@@ -1904,7 +1904,7 @@
           <p:cNvPr id="3" name="Text Placeholder 2">
             <a:extLst>
               <a:ext uri="{FF2B5EF4-FFF2-40B4-BE49-F238E27FC236}">
-                <a16:creationId xmlns:a16="http://schemas.microsoft.com/office/drawing/2014/main" xmlns="" id="{70C29A8C-B4CF-469F-A48A-C287A37DF087}"/>
+                <a16:creationId xmlns:a16="http://schemas.microsoft.com/office/drawing/2014/main" id="{70C29A8C-B4CF-469F-A48A-C287A37DF087}"/>
               </a:ext>
             </a:extLst>
           </p:cNvPr>
@@ -2029,7 +2029,7 @@
           <p:cNvPr id="4" name="Date Placeholder 3">
             <a:extLst>
               <a:ext uri="{FF2B5EF4-FFF2-40B4-BE49-F238E27FC236}">
-                <a16:creationId xmlns:a16="http://schemas.microsoft.com/office/drawing/2014/main" xmlns="" id="{5179447B-29EC-4F00-9705-09AB61AEF67D}"/>
+                <a16:creationId xmlns:a16="http://schemas.microsoft.com/office/drawing/2014/main" id="{5179447B-29EC-4F00-9705-09AB61AEF67D}"/>
               </a:ext>
             </a:extLst>
           </p:cNvPr>
@@ -2058,7 +2058,7 @@
           <p:cNvPr id="5" name="Footer Placeholder 4">
             <a:extLst>
               <a:ext uri="{FF2B5EF4-FFF2-40B4-BE49-F238E27FC236}">
-                <a16:creationId xmlns:a16="http://schemas.microsoft.com/office/drawing/2014/main" xmlns="" id="{FD5E7B0A-AE37-4B5B-9E1F-8DD5ED94C003}"/>
+                <a16:creationId xmlns:a16="http://schemas.microsoft.com/office/drawing/2014/main" id="{FD5E7B0A-AE37-4B5B-9E1F-8DD5ED94C003}"/>
               </a:ext>
             </a:extLst>
           </p:cNvPr>
@@ -2083,7 +2083,7 @@
           <p:cNvPr id="6" name="Slide Number Placeholder 5">
             <a:extLst>
               <a:ext uri="{FF2B5EF4-FFF2-40B4-BE49-F238E27FC236}">
-                <a16:creationId xmlns:a16="http://schemas.microsoft.com/office/drawing/2014/main" xmlns="" id="{712A98C8-FA62-477F-AA35-E74917AD28FE}"/>
+                <a16:creationId xmlns:a16="http://schemas.microsoft.com/office/drawing/2014/main" id="{712A98C8-FA62-477F-AA35-E74917AD28FE}"/>
               </a:ext>
             </a:extLst>
           </p:cNvPr>
@@ -2101,7 +2101,7 @@
           <a:p>
             <a:fld id="{E90B4EE6-832A-4455-A0E8-256062B7E61D}" type="slidenum">
               <a:rPr lang="en-US" smtClean="0"/>
-              <a:t>‹N°›</a:t>
+              <a:t>‹#›</a:t>
             </a:fld>
             <a:endParaRPr lang="en-US"/>
           </a:p>
@@ -2142,7 +2142,7 @@
           <p:cNvPr id="2" name="Title 1">
             <a:extLst>
               <a:ext uri="{FF2B5EF4-FFF2-40B4-BE49-F238E27FC236}">
-                <a16:creationId xmlns:a16="http://schemas.microsoft.com/office/drawing/2014/main" xmlns="" id="{B744062A-C751-4B41-B996-7641A7BF9A1A}"/>
+                <a16:creationId xmlns:a16="http://schemas.microsoft.com/office/drawing/2014/main" id="{B744062A-C751-4B41-B996-7641A7BF9A1A}"/>
               </a:ext>
             </a:extLst>
           </p:cNvPr>
@@ -2170,7 +2170,7 @@
           <p:cNvPr id="3" name="Content Placeholder 2">
             <a:extLst>
               <a:ext uri="{FF2B5EF4-FFF2-40B4-BE49-F238E27FC236}">
-                <a16:creationId xmlns:a16="http://schemas.microsoft.com/office/drawing/2014/main" xmlns="" id="{324A939A-0038-464A-881F-3122AA68A0C1}"/>
+                <a16:creationId xmlns:a16="http://schemas.microsoft.com/office/drawing/2014/main" id="{324A939A-0038-464A-881F-3122AA68A0C1}"/>
               </a:ext>
             </a:extLst>
           </p:cNvPr>
@@ -2232,7 +2232,7 @@
           <p:cNvPr id="4" name="Content Placeholder 3">
             <a:extLst>
               <a:ext uri="{FF2B5EF4-FFF2-40B4-BE49-F238E27FC236}">
-                <a16:creationId xmlns:a16="http://schemas.microsoft.com/office/drawing/2014/main" xmlns="" id="{70555C23-EE74-41FE-A783-27210EC8D40E}"/>
+                <a16:creationId xmlns:a16="http://schemas.microsoft.com/office/drawing/2014/main" id="{70555C23-EE74-41FE-A783-27210EC8D40E}"/>
               </a:ext>
             </a:extLst>
           </p:cNvPr>
@@ -2294,7 +2294,7 @@
           <p:cNvPr id="5" name="Date Placeholder 4">
             <a:extLst>
               <a:ext uri="{FF2B5EF4-FFF2-40B4-BE49-F238E27FC236}">
-                <a16:creationId xmlns:a16="http://schemas.microsoft.com/office/drawing/2014/main" xmlns="" id="{D2432B00-FF5E-4908-A880-E0296BFE23D9}"/>
+                <a16:creationId xmlns:a16="http://schemas.microsoft.com/office/drawing/2014/main" id="{D2432B00-FF5E-4908-A880-E0296BFE23D9}"/>
               </a:ext>
             </a:extLst>
           </p:cNvPr>
@@ -2323,7 +2323,7 @@
           <p:cNvPr id="6" name="Footer Placeholder 5">
             <a:extLst>
               <a:ext uri="{FF2B5EF4-FFF2-40B4-BE49-F238E27FC236}">
-                <a16:creationId xmlns:a16="http://schemas.microsoft.com/office/drawing/2014/main" xmlns="" id="{DC5020A8-9B6A-4A99-A454-571B0A925DDA}"/>
+                <a16:creationId xmlns:a16="http://schemas.microsoft.com/office/drawing/2014/main" id="{DC5020A8-9B6A-4A99-A454-571B0A925DDA}"/>
               </a:ext>
             </a:extLst>
           </p:cNvPr>
@@ -2348,7 +2348,7 @@
           <p:cNvPr id="7" name="Slide Number Placeholder 6">
             <a:extLst>
               <a:ext uri="{FF2B5EF4-FFF2-40B4-BE49-F238E27FC236}">
-                <a16:creationId xmlns:a16="http://schemas.microsoft.com/office/drawing/2014/main" xmlns="" id="{3C03881E-EE40-41D8-877B-BFD1EA2C24A4}"/>
+                <a16:creationId xmlns:a16="http://schemas.microsoft.com/office/drawing/2014/main" id="{3C03881E-EE40-41D8-877B-BFD1EA2C24A4}"/>
               </a:ext>
             </a:extLst>
           </p:cNvPr>
@@ -2366,7 +2366,7 @@
           <a:p>
             <a:fld id="{E90B4EE6-832A-4455-A0E8-256062B7E61D}" type="slidenum">
               <a:rPr lang="en-US" smtClean="0"/>
-              <a:t>‹N°›</a:t>
+              <a:t>‹#›</a:t>
             </a:fld>
             <a:endParaRPr lang="en-US"/>
           </a:p>
@@ -2407,7 +2407,7 @@
           <p:cNvPr id="2" name="Title 1">
             <a:extLst>
               <a:ext uri="{FF2B5EF4-FFF2-40B4-BE49-F238E27FC236}">
-                <a16:creationId xmlns:a16="http://schemas.microsoft.com/office/drawing/2014/main" xmlns="" id="{3B0E92CF-6255-484F-A37C-173192789EA9}"/>
+                <a16:creationId xmlns:a16="http://schemas.microsoft.com/office/drawing/2014/main" id="{3B0E92CF-6255-484F-A37C-173192789EA9}"/>
               </a:ext>
             </a:extLst>
           </p:cNvPr>
@@ -2440,7 +2440,7 @@
           <p:cNvPr id="3" name="Text Placeholder 2">
             <a:extLst>
               <a:ext uri="{FF2B5EF4-FFF2-40B4-BE49-F238E27FC236}">
-                <a16:creationId xmlns:a16="http://schemas.microsoft.com/office/drawing/2014/main" xmlns="" id="{201695D2-4040-455D-AD38-1A19CA283522}"/>
+                <a16:creationId xmlns:a16="http://schemas.microsoft.com/office/drawing/2014/main" id="{201695D2-4040-455D-AD38-1A19CA283522}"/>
               </a:ext>
             </a:extLst>
           </p:cNvPr>
@@ -2511,7 +2511,7 @@
           <p:cNvPr id="4" name="Content Placeholder 3">
             <a:extLst>
               <a:ext uri="{FF2B5EF4-FFF2-40B4-BE49-F238E27FC236}">
-                <a16:creationId xmlns:a16="http://schemas.microsoft.com/office/drawing/2014/main" xmlns="" id="{0FF017E3-D5C8-4E64-8992-82BCC54FF0E8}"/>
+                <a16:creationId xmlns:a16="http://schemas.microsoft.com/office/drawing/2014/main" id="{0FF017E3-D5C8-4E64-8992-82BCC54FF0E8}"/>
               </a:ext>
             </a:extLst>
           </p:cNvPr>
@@ -2573,7 +2573,7 @@
           <p:cNvPr id="5" name="Text Placeholder 4">
             <a:extLst>
               <a:ext uri="{FF2B5EF4-FFF2-40B4-BE49-F238E27FC236}">
-                <a16:creationId xmlns:a16="http://schemas.microsoft.com/office/drawing/2014/main" xmlns="" id="{19D22FD8-455C-4E40-BF0A-2C055C37DD90}"/>
+                <a16:creationId xmlns:a16="http://schemas.microsoft.com/office/drawing/2014/main" id="{19D22FD8-455C-4E40-BF0A-2C055C37DD90}"/>
               </a:ext>
             </a:extLst>
           </p:cNvPr>
@@ -2644,7 +2644,7 @@
           <p:cNvPr id="6" name="Content Placeholder 5">
             <a:extLst>
               <a:ext uri="{FF2B5EF4-FFF2-40B4-BE49-F238E27FC236}">
-                <a16:creationId xmlns:a16="http://schemas.microsoft.com/office/drawing/2014/main" xmlns="" id="{5DA918F5-8458-4261-A81C-D7792017416B}"/>
+                <a16:creationId xmlns:a16="http://schemas.microsoft.com/office/drawing/2014/main" id="{5DA918F5-8458-4261-A81C-D7792017416B}"/>
               </a:ext>
             </a:extLst>
           </p:cNvPr>
@@ -2706,7 +2706,7 @@
           <p:cNvPr id="7" name="Date Placeholder 6">
             <a:extLst>
               <a:ext uri="{FF2B5EF4-FFF2-40B4-BE49-F238E27FC236}">
-                <a16:creationId xmlns:a16="http://schemas.microsoft.com/office/drawing/2014/main" xmlns="" id="{A29768BE-081C-4D7B-84DA-258D1BD21702}"/>
+                <a16:creationId xmlns:a16="http://schemas.microsoft.com/office/drawing/2014/main" id="{A29768BE-081C-4D7B-84DA-258D1BD21702}"/>
               </a:ext>
             </a:extLst>
           </p:cNvPr>
@@ -2735,7 +2735,7 @@
           <p:cNvPr id="8" name="Footer Placeholder 7">
             <a:extLst>
               <a:ext uri="{FF2B5EF4-FFF2-40B4-BE49-F238E27FC236}">
-                <a16:creationId xmlns:a16="http://schemas.microsoft.com/office/drawing/2014/main" xmlns="" id="{772AF356-5822-4E2D-A40F-68942C63AB11}"/>
+                <a16:creationId xmlns:a16="http://schemas.microsoft.com/office/drawing/2014/main" id="{772AF356-5822-4E2D-A40F-68942C63AB11}"/>
               </a:ext>
             </a:extLst>
           </p:cNvPr>
@@ -2760,7 +2760,7 @@
           <p:cNvPr id="9" name="Slide Number Placeholder 8">
             <a:extLst>
               <a:ext uri="{FF2B5EF4-FFF2-40B4-BE49-F238E27FC236}">
-                <a16:creationId xmlns:a16="http://schemas.microsoft.com/office/drawing/2014/main" xmlns="" id="{CE2EAFCF-FE8A-4ADD-ACF3-C5E3A9B8FC90}"/>
+                <a16:creationId xmlns:a16="http://schemas.microsoft.com/office/drawing/2014/main" id="{CE2EAFCF-FE8A-4ADD-ACF3-C5E3A9B8FC90}"/>
               </a:ext>
             </a:extLst>
           </p:cNvPr>
@@ -2778,7 +2778,7 @@
           <a:p>
             <a:fld id="{E90B4EE6-832A-4455-A0E8-256062B7E61D}" type="slidenum">
               <a:rPr lang="en-US" smtClean="0"/>
-              <a:t>‹N°›</a:t>
+              <a:t>‹#›</a:t>
             </a:fld>
             <a:endParaRPr lang="en-US"/>
           </a:p>
@@ -2819,7 +2819,7 @@
           <p:cNvPr id="2" name="Title 1">
             <a:extLst>
               <a:ext uri="{FF2B5EF4-FFF2-40B4-BE49-F238E27FC236}">
-                <a16:creationId xmlns:a16="http://schemas.microsoft.com/office/drawing/2014/main" xmlns="" id="{8E624107-501F-45D7-A4B8-DEDC2A0852D7}"/>
+                <a16:creationId xmlns:a16="http://schemas.microsoft.com/office/drawing/2014/main" id="{8E624107-501F-45D7-A4B8-DEDC2A0852D7}"/>
               </a:ext>
             </a:extLst>
           </p:cNvPr>
@@ -2847,7 +2847,7 @@
           <p:cNvPr id="3" name="Date Placeholder 2">
             <a:extLst>
               <a:ext uri="{FF2B5EF4-FFF2-40B4-BE49-F238E27FC236}">
-                <a16:creationId xmlns:a16="http://schemas.microsoft.com/office/drawing/2014/main" xmlns="" id="{7A44E379-05D5-4408-90DA-6DA7EA1AB70F}"/>
+                <a16:creationId xmlns:a16="http://schemas.microsoft.com/office/drawing/2014/main" id="{7A44E379-05D5-4408-90DA-6DA7EA1AB70F}"/>
               </a:ext>
             </a:extLst>
           </p:cNvPr>
@@ -2876,7 +2876,7 @@
           <p:cNvPr id="4" name="Footer Placeholder 3">
             <a:extLst>
               <a:ext uri="{FF2B5EF4-FFF2-40B4-BE49-F238E27FC236}">
-                <a16:creationId xmlns:a16="http://schemas.microsoft.com/office/drawing/2014/main" xmlns="" id="{2E310503-419E-4308-8BB8-B705684BDD44}"/>
+                <a16:creationId xmlns:a16="http://schemas.microsoft.com/office/drawing/2014/main" id="{2E310503-419E-4308-8BB8-B705684BDD44}"/>
               </a:ext>
             </a:extLst>
           </p:cNvPr>
@@ -2901,7 +2901,7 @@
           <p:cNvPr id="5" name="Slide Number Placeholder 4">
             <a:extLst>
               <a:ext uri="{FF2B5EF4-FFF2-40B4-BE49-F238E27FC236}">
-                <a16:creationId xmlns:a16="http://schemas.microsoft.com/office/drawing/2014/main" xmlns="" id="{F41B98EC-28A6-4B82-9FEE-DE4851173E03}"/>
+                <a16:creationId xmlns:a16="http://schemas.microsoft.com/office/drawing/2014/main" id="{F41B98EC-28A6-4B82-9FEE-DE4851173E03}"/>
               </a:ext>
             </a:extLst>
           </p:cNvPr>
@@ -2919,7 +2919,7 @@
           <a:p>
             <a:fld id="{E90B4EE6-832A-4455-A0E8-256062B7E61D}" type="slidenum">
               <a:rPr lang="en-US" smtClean="0"/>
-              <a:t>‹N°›</a:t>
+              <a:t>‹#›</a:t>
             </a:fld>
             <a:endParaRPr lang="en-US"/>
           </a:p>
@@ -2960,7 +2960,7 @@
           <p:cNvPr id="2" name="Date Placeholder 1">
             <a:extLst>
               <a:ext uri="{FF2B5EF4-FFF2-40B4-BE49-F238E27FC236}">
-                <a16:creationId xmlns:a16="http://schemas.microsoft.com/office/drawing/2014/main" xmlns="" id="{728D7F1C-FA4D-420E-A817-8EF8AAFB30E7}"/>
+                <a16:creationId xmlns:a16="http://schemas.microsoft.com/office/drawing/2014/main" id="{728D7F1C-FA4D-420E-A817-8EF8AAFB30E7}"/>
               </a:ext>
             </a:extLst>
           </p:cNvPr>
@@ -2989,7 +2989,7 @@
           <p:cNvPr id="3" name="Footer Placeholder 2">
             <a:extLst>
               <a:ext uri="{FF2B5EF4-FFF2-40B4-BE49-F238E27FC236}">
-                <a16:creationId xmlns:a16="http://schemas.microsoft.com/office/drawing/2014/main" xmlns="" id="{96D21050-7DE7-405B-B576-E7C8CD9B36F8}"/>
+                <a16:creationId xmlns:a16="http://schemas.microsoft.com/office/drawing/2014/main" id="{96D21050-7DE7-405B-B576-E7C8CD9B36F8}"/>
               </a:ext>
             </a:extLst>
           </p:cNvPr>
@@ -3014,7 +3014,7 @@
           <p:cNvPr id="4" name="Slide Number Placeholder 3">
             <a:extLst>
               <a:ext uri="{FF2B5EF4-FFF2-40B4-BE49-F238E27FC236}">
-                <a16:creationId xmlns:a16="http://schemas.microsoft.com/office/drawing/2014/main" xmlns="" id="{656605F2-35DB-4B9A-BE0E-452FAAEA2088}"/>
+                <a16:creationId xmlns:a16="http://schemas.microsoft.com/office/drawing/2014/main" id="{656605F2-35DB-4B9A-BE0E-452FAAEA2088}"/>
               </a:ext>
             </a:extLst>
           </p:cNvPr>
@@ -3032,7 +3032,7 @@
           <a:p>
             <a:fld id="{E90B4EE6-832A-4455-A0E8-256062B7E61D}" type="slidenum">
               <a:rPr lang="en-US" smtClean="0"/>
-              <a:t>‹N°›</a:t>
+              <a:t>‹#›</a:t>
             </a:fld>
             <a:endParaRPr lang="en-US"/>
           </a:p>
@@ -3073,7 +3073,7 @@
           <p:cNvPr id="2" name="Title 1">
             <a:extLst>
               <a:ext uri="{FF2B5EF4-FFF2-40B4-BE49-F238E27FC236}">
-                <a16:creationId xmlns:a16="http://schemas.microsoft.com/office/drawing/2014/main" xmlns="" id="{1153D1AA-88FE-4F17-95D7-C4CA99E0E475}"/>
+                <a16:creationId xmlns:a16="http://schemas.microsoft.com/office/drawing/2014/main" id="{1153D1AA-88FE-4F17-95D7-C4CA99E0E475}"/>
               </a:ext>
             </a:extLst>
           </p:cNvPr>
@@ -3110,7 +3110,7 @@
           <p:cNvPr id="3" name="Content Placeholder 2">
             <a:extLst>
               <a:ext uri="{FF2B5EF4-FFF2-40B4-BE49-F238E27FC236}">
-                <a16:creationId xmlns:a16="http://schemas.microsoft.com/office/drawing/2014/main" xmlns="" id="{B3CA30D2-F010-4582-963F-C5A2305FBB1D}"/>
+                <a16:creationId xmlns:a16="http://schemas.microsoft.com/office/drawing/2014/main" id="{B3CA30D2-F010-4582-963F-C5A2305FBB1D}"/>
               </a:ext>
             </a:extLst>
           </p:cNvPr>
@@ -3200,7 +3200,7 @@
           <p:cNvPr id="4" name="Text Placeholder 3">
             <a:extLst>
               <a:ext uri="{FF2B5EF4-FFF2-40B4-BE49-F238E27FC236}">
-                <a16:creationId xmlns:a16="http://schemas.microsoft.com/office/drawing/2014/main" xmlns="" id="{E2CBA6F8-6D19-4DDA-A3B5-F4CA8C531E84}"/>
+                <a16:creationId xmlns:a16="http://schemas.microsoft.com/office/drawing/2014/main" id="{E2CBA6F8-6D19-4DDA-A3B5-F4CA8C531E84}"/>
               </a:ext>
             </a:extLst>
           </p:cNvPr>
@@ -3271,7 +3271,7 @@
           <p:cNvPr id="5" name="Date Placeholder 4">
             <a:extLst>
               <a:ext uri="{FF2B5EF4-FFF2-40B4-BE49-F238E27FC236}">
-                <a16:creationId xmlns:a16="http://schemas.microsoft.com/office/drawing/2014/main" xmlns="" id="{8595EA55-A261-4955-A940-CA2E1EB4ADEF}"/>
+                <a16:creationId xmlns:a16="http://schemas.microsoft.com/office/drawing/2014/main" id="{8595EA55-A261-4955-A940-CA2E1EB4ADEF}"/>
               </a:ext>
             </a:extLst>
           </p:cNvPr>
@@ -3300,7 +3300,7 @@
           <p:cNvPr id="6" name="Footer Placeholder 5">
             <a:extLst>
               <a:ext uri="{FF2B5EF4-FFF2-40B4-BE49-F238E27FC236}">
-                <a16:creationId xmlns:a16="http://schemas.microsoft.com/office/drawing/2014/main" xmlns="" id="{DEFB2E61-F0ED-4E9A-92DE-1D821AFEA816}"/>
+                <a16:creationId xmlns:a16="http://schemas.microsoft.com/office/drawing/2014/main" id="{DEFB2E61-F0ED-4E9A-92DE-1D821AFEA816}"/>
               </a:ext>
             </a:extLst>
           </p:cNvPr>
@@ -3325,7 +3325,7 @@
           <p:cNvPr id="7" name="Slide Number Placeholder 6">
             <a:extLst>
               <a:ext uri="{FF2B5EF4-FFF2-40B4-BE49-F238E27FC236}">
-                <a16:creationId xmlns:a16="http://schemas.microsoft.com/office/drawing/2014/main" xmlns="" id="{AF011083-B1E6-4F06-A0B3-AA1109E118D2}"/>
+                <a16:creationId xmlns:a16="http://schemas.microsoft.com/office/drawing/2014/main" id="{AF011083-B1E6-4F06-A0B3-AA1109E118D2}"/>
               </a:ext>
             </a:extLst>
           </p:cNvPr>
@@ -3343,7 +3343,7 @@
           <a:p>
             <a:fld id="{E90B4EE6-832A-4455-A0E8-256062B7E61D}" type="slidenum">
               <a:rPr lang="en-US" smtClean="0"/>
-              <a:t>‹N°›</a:t>
+              <a:t>‹#›</a:t>
             </a:fld>
             <a:endParaRPr lang="en-US"/>
           </a:p>
@@ -3384,7 +3384,7 @@
           <p:cNvPr id="2" name="Title 1">
             <a:extLst>
               <a:ext uri="{FF2B5EF4-FFF2-40B4-BE49-F238E27FC236}">
-                <a16:creationId xmlns:a16="http://schemas.microsoft.com/office/drawing/2014/main" xmlns="" id="{7ECE586C-B5DA-4611-BD4B-6DA0960072AD}"/>
+                <a16:creationId xmlns:a16="http://schemas.microsoft.com/office/drawing/2014/main" id="{7ECE586C-B5DA-4611-BD4B-6DA0960072AD}"/>
               </a:ext>
             </a:extLst>
           </p:cNvPr>
@@ -3421,7 +3421,7 @@
           <p:cNvPr id="3" name="Picture Placeholder 2">
             <a:extLst>
               <a:ext uri="{FF2B5EF4-FFF2-40B4-BE49-F238E27FC236}">
-                <a16:creationId xmlns:a16="http://schemas.microsoft.com/office/drawing/2014/main" xmlns="" id="{9A3DC055-F1DF-4AFF-9414-BB450BE32FC9}"/>
+                <a16:creationId xmlns:a16="http://schemas.microsoft.com/office/drawing/2014/main" id="{9A3DC055-F1DF-4AFF-9414-BB450BE32FC9}"/>
               </a:ext>
             </a:extLst>
           </p:cNvPr>
@@ -3488,7 +3488,7 @@
           <p:cNvPr id="4" name="Text Placeholder 3">
             <a:extLst>
               <a:ext uri="{FF2B5EF4-FFF2-40B4-BE49-F238E27FC236}">
-                <a16:creationId xmlns:a16="http://schemas.microsoft.com/office/drawing/2014/main" xmlns="" id="{E80069AA-1402-4E00-B82A-28C4C698AAB0}"/>
+                <a16:creationId xmlns:a16="http://schemas.microsoft.com/office/drawing/2014/main" id="{E80069AA-1402-4E00-B82A-28C4C698AAB0}"/>
               </a:ext>
             </a:extLst>
           </p:cNvPr>
@@ -3559,7 +3559,7 @@
           <p:cNvPr id="5" name="Date Placeholder 4">
             <a:extLst>
               <a:ext uri="{FF2B5EF4-FFF2-40B4-BE49-F238E27FC236}">
-                <a16:creationId xmlns:a16="http://schemas.microsoft.com/office/drawing/2014/main" xmlns="" id="{B1728C35-25A5-47A9-A8D0-0E1D77338D61}"/>
+                <a16:creationId xmlns:a16="http://schemas.microsoft.com/office/drawing/2014/main" id="{B1728C35-25A5-47A9-A8D0-0E1D77338D61}"/>
               </a:ext>
             </a:extLst>
           </p:cNvPr>
@@ -3588,7 +3588,7 @@
           <p:cNvPr id="6" name="Footer Placeholder 5">
             <a:extLst>
               <a:ext uri="{FF2B5EF4-FFF2-40B4-BE49-F238E27FC236}">
-                <a16:creationId xmlns:a16="http://schemas.microsoft.com/office/drawing/2014/main" xmlns="" id="{C4FD86A7-6C34-4A91-B9C7-81B7B12D819D}"/>
+                <a16:creationId xmlns:a16="http://schemas.microsoft.com/office/drawing/2014/main" id="{C4FD86A7-6C34-4A91-B9C7-81B7B12D819D}"/>
               </a:ext>
             </a:extLst>
           </p:cNvPr>
@@ -3613,7 +3613,7 @@
           <p:cNvPr id="7" name="Slide Number Placeholder 6">
             <a:extLst>
               <a:ext uri="{FF2B5EF4-FFF2-40B4-BE49-F238E27FC236}">
-                <a16:creationId xmlns:a16="http://schemas.microsoft.com/office/drawing/2014/main" xmlns="" id="{38B27316-0CF5-4999-9B89-9F2F005954B9}"/>
+                <a16:creationId xmlns:a16="http://schemas.microsoft.com/office/drawing/2014/main" id="{38B27316-0CF5-4999-9B89-9F2F005954B9}"/>
               </a:ext>
             </a:extLst>
           </p:cNvPr>
@@ -3631,7 +3631,7 @@
           <a:p>
             <a:fld id="{E90B4EE6-832A-4455-A0E8-256062B7E61D}" type="slidenum">
               <a:rPr lang="en-US" smtClean="0"/>
-              <a:t>‹N°›</a:t>
+              <a:t>‹#›</a:t>
             </a:fld>
             <a:endParaRPr lang="en-US"/>
           </a:p>
@@ -3677,7 +3677,7 @@
           <p:cNvPr id="2" name="Title Placeholder 1">
             <a:extLst>
               <a:ext uri="{FF2B5EF4-FFF2-40B4-BE49-F238E27FC236}">
-                <a16:creationId xmlns:a16="http://schemas.microsoft.com/office/drawing/2014/main" xmlns="" id="{9DE62B2E-65B8-4903-BEA2-D5F93D68B41C}"/>
+                <a16:creationId xmlns:a16="http://schemas.microsoft.com/office/drawing/2014/main" id="{9DE62B2E-65B8-4903-BEA2-D5F93D68B41C}"/>
               </a:ext>
             </a:extLst>
           </p:cNvPr>
@@ -3715,7 +3715,7 @@
           <p:cNvPr id="3" name="Text Placeholder 2">
             <a:extLst>
               <a:ext uri="{FF2B5EF4-FFF2-40B4-BE49-F238E27FC236}">
-                <a16:creationId xmlns:a16="http://schemas.microsoft.com/office/drawing/2014/main" xmlns="" id="{924C27DE-3C34-4851-8A03-790BC224042F}"/>
+                <a16:creationId xmlns:a16="http://schemas.microsoft.com/office/drawing/2014/main" id="{924C27DE-3C34-4851-8A03-790BC224042F}"/>
               </a:ext>
             </a:extLst>
           </p:cNvPr>
@@ -3782,7 +3782,7 @@
           <p:cNvPr id="4" name="Date Placeholder 3">
             <a:extLst>
               <a:ext uri="{FF2B5EF4-FFF2-40B4-BE49-F238E27FC236}">
-                <a16:creationId xmlns:a16="http://schemas.microsoft.com/office/drawing/2014/main" xmlns="" id="{56755826-7D96-4B2B-B335-D170E4D2ADCB}"/>
+                <a16:creationId xmlns:a16="http://schemas.microsoft.com/office/drawing/2014/main" id="{56755826-7D96-4B2B-B335-D170E4D2ADCB}"/>
               </a:ext>
             </a:extLst>
           </p:cNvPr>
@@ -3829,7 +3829,7 @@
           <p:cNvPr id="5" name="Footer Placeholder 4">
             <a:extLst>
               <a:ext uri="{FF2B5EF4-FFF2-40B4-BE49-F238E27FC236}">
-                <a16:creationId xmlns:a16="http://schemas.microsoft.com/office/drawing/2014/main" xmlns="" id="{EE424111-E5A1-4D26-98F6-4E1404CCB4F6}"/>
+                <a16:creationId xmlns:a16="http://schemas.microsoft.com/office/drawing/2014/main" id="{EE424111-E5A1-4D26-98F6-4E1404CCB4F6}"/>
               </a:ext>
             </a:extLst>
           </p:cNvPr>
@@ -3872,7 +3872,7 @@
           <p:cNvPr id="6" name="Slide Number Placeholder 5">
             <a:extLst>
               <a:ext uri="{FF2B5EF4-FFF2-40B4-BE49-F238E27FC236}">
-                <a16:creationId xmlns:a16="http://schemas.microsoft.com/office/drawing/2014/main" xmlns="" id="{703F543F-736F-4992-B07A-26CD75B8F42A}"/>
+                <a16:creationId xmlns:a16="http://schemas.microsoft.com/office/drawing/2014/main" id="{703F543F-736F-4992-B07A-26CD75B8F42A}"/>
               </a:ext>
             </a:extLst>
           </p:cNvPr>
@@ -3908,7 +3908,7 @@
           <a:p>
             <a:fld id="{E90B4EE6-832A-4455-A0E8-256062B7E61D}" type="slidenum">
               <a:rPr lang="en-US" smtClean="0"/>
-              <a:t>‹N°›</a:t>
+              <a:t>‹#›</a:t>
             </a:fld>
             <a:endParaRPr lang="en-US"/>
           </a:p>
@@ -4248,7 +4248,7 @@
           <p:cNvPr id="2061" name="Picture 2060" descr="A picture containing computer, sitting, dark, computer&#10;&#10;Description automatically generated">
             <a:extLst>
               <a:ext uri="{FF2B5EF4-FFF2-40B4-BE49-F238E27FC236}">
-                <a16:creationId xmlns:a16="http://schemas.microsoft.com/office/drawing/2014/main" xmlns="" id="{D5D0632C-9966-4876-8358-E443D87A54E6}"/>
+                <a16:creationId xmlns:a16="http://schemas.microsoft.com/office/drawing/2014/main" id="{D5D0632C-9966-4876-8358-E443D87A54E6}"/>
               </a:ext>
             </a:extLst>
           </p:cNvPr>
@@ -4284,7 +4284,7 @@
           <p:cNvPr id="22" name="Rectangle 21">
             <a:extLst>
               <a:ext uri="{FF2B5EF4-FFF2-40B4-BE49-F238E27FC236}">
-                <a16:creationId xmlns:a16="http://schemas.microsoft.com/office/drawing/2014/main" xmlns="" id="{DA00872A-024C-4AA7-9351-5188D1F15D86}"/>
+                <a16:creationId xmlns:a16="http://schemas.microsoft.com/office/drawing/2014/main" id="{DA00872A-024C-4AA7-9351-5188D1F15D86}"/>
               </a:ext>
             </a:extLst>
           </p:cNvPr>
@@ -4339,7 +4339,7 @@
           <p:cNvPr id="3" name="Rectangle 2">
             <a:extLst>
               <a:ext uri="{FF2B5EF4-FFF2-40B4-BE49-F238E27FC236}">
-                <a16:creationId xmlns:a16="http://schemas.microsoft.com/office/drawing/2014/main" xmlns="" id="{44758A41-D956-4A9D-86D3-27DC35014B55}"/>
+                <a16:creationId xmlns:a16="http://schemas.microsoft.com/office/drawing/2014/main" id="{44758A41-D956-4A9D-86D3-27DC35014B55}"/>
               </a:ext>
             </a:extLst>
           </p:cNvPr>
@@ -4391,7 +4391,7 @@
           <p:cNvPr id="2" name="Picture 1" descr="A close up of a logo&#10;&#10;Description automatically generated">
             <a:extLst>
               <a:ext uri="{FF2B5EF4-FFF2-40B4-BE49-F238E27FC236}">
-                <a16:creationId xmlns:a16="http://schemas.microsoft.com/office/drawing/2014/main" xmlns="" id="{148A4CA5-114C-44CD-B175-E3231477B3CA}"/>
+                <a16:creationId xmlns:a16="http://schemas.microsoft.com/office/drawing/2014/main" id="{148A4CA5-114C-44CD-B175-E3231477B3CA}"/>
               </a:ext>
             </a:extLst>
           </p:cNvPr>
@@ -4427,7 +4427,7 @@
           <p:cNvPr id="18" name="Graphic 17">
             <a:extLst>
               <a:ext uri="{FF2B5EF4-FFF2-40B4-BE49-F238E27FC236}">
-                <a16:creationId xmlns:a16="http://schemas.microsoft.com/office/drawing/2014/main" xmlns="" id="{B294849B-3AA5-41A8-8E0E-31C068B40E0D}"/>
+                <a16:creationId xmlns:a16="http://schemas.microsoft.com/office/drawing/2014/main" id="{B294849B-3AA5-41A8-8E0E-31C068B40E0D}"/>
               </a:ext>
             </a:extLst>
           </p:cNvPr>
@@ -4443,7 +4443,7 @@
                 <a14:useLocalDpi xmlns:a14="http://schemas.microsoft.com/office/drawing/2010/main" val="0"/>
               </a:ext>
               <a:ext uri="{96DAC541-7B7A-43D3-8B79-37D633B846F1}">
-                <asvg:svgBlip xmlns:asvg="http://schemas.microsoft.com/office/drawing/2016/SVG/main" xmlns="" r:embed="rId6"/>
+                <asvg:svgBlip xmlns:asvg="http://schemas.microsoft.com/office/drawing/2016/SVG/main" r:embed="rId6"/>
               </a:ext>
             </a:extLst>
           </a:blip>
@@ -4465,7 +4465,7 @@
           <p:cNvPr id="19" name="Picture 18" descr="A close up of a logo&#10;&#10;Description automatically generated">
             <a:extLst>
               <a:ext uri="{FF2B5EF4-FFF2-40B4-BE49-F238E27FC236}">
-                <a16:creationId xmlns:a16="http://schemas.microsoft.com/office/drawing/2014/main" xmlns="" id="{DE310AFD-E005-4F0F-A7A3-651347DEB364}"/>
+                <a16:creationId xmlns:a16="http://schemas.microsoft.com/office/drawing/2014/main" id="{DE310AFD-E005-4F0F-A7A3-651347DEB364}"/>
               </a:ext>
             </a:extLst>
           </p:cNvPr>
@@ -4501,7 +4501,7 @@
           <p:cNvPr id="20" name="Picture 19" descr="A close up of a logo&#10;&#10;Description automatically generated">
             <a:extLst>
               <a:ext uri="{FF2B5EF4-FFF2-40B4-BE49-F238E27FC236}">
-                <a16:creationId xmlns:a16="http://schemas.microsoft.com/office/drawing/2014/main" xmlns="" id="{3FE3DF3C-BD29-4CC6-9323-58564DFA2D0D}"/>
+                <a16:creationId xmlns:a16="http://schemas.microsoft.com/office/drawing/2014/main" id="{3FE3DF3C-BD29-4CC6-9323-58564DFA2D0D}"/>
               </a:ext>
             </a:extLst>
           </p:cNvPr>
@@ -4537,7 +4537,7 @@
           <p:cNvPr id="21" name="TextBox 20">
             <a:extLst>
               <a:ext uri="{FF2B5EF4-FFF2-40B4-BE49-F238E27FC236}">
-                <a16:creationId xmlns:a16="http://schemas.microsoft.com/office/drawing/2014/main" xmlns="" id="{373B7BFB-9EC9-45C0-B162-FC63EB14F34D}"/>
+                <a16:creationId xmlns:a16="http://schemas.microsoft.com/office/drawing/2014/main" id="{373B7BFB-9EC9-45C0-B162-FC63EB14F34D}"/>
               </a:ext>
             </a:extLst>
           </p:cNvPr>
@@ -4582,7 +4582,7 @@
           <p:cNvPr id="5" name="Rectangle 4">
             <a:extLst>
               <a:ext uri="{FF2B5EF4-FFF2-40B4-BE49-F238E27FC236}">
-                <a16:creationId xmlns:a16="http://schemas.microsoft.com/office/drawing/2014/main" xmlns="" id="{73F3983B-D723-43BC-9674-C4F5FC89EDA4}"/>
+                <a16:creationId xmlns:a16="http://schemas.microsoft.com/office/drawing/2014/main" id="{73F3983B-D723-43BC-9674-C4F5FC89EDA4}"/>
               </a:ext>
             </a:extLst>
           </p:cNvPr>
@@ -4634,7 +4634,7 @@
           <p:cNvPr id="6" name="TextBox 5">
             <a:extLst>
               <a:ext uri="{FF2B5EF4-FFF2-40B4-BE49-F238E27FC236}">
-                <a16:creationId xmlns:a16="http://schemas.microsoft.com/office/drawing/2014/main" xmlns="" id="{FC488D3B-6AAE-4AE0-8EC5-8137E4372930}"/>
+                <a16:creationId xmlns:a16="http://schemas.microsoft.com/office/drawing/2014/main" id="{FC488D3B-6AAE-4AE0-8EC5-8137E4372930}"/>
               </a:ext>
             </a:extLst>
           </p:cNvPr>
@@ -4721,7 +4721,7 @@
           <p:cNvPr id="53" name="TextBox 52">
             <a:extLst>
               <a:ext uri="{FF2B5EF4-FFF2-40B4-BE49-F238E27FC236}">
-                <a16:creationId xmlns:a16="http://schemas.microsoft.com/office/drawing/2014/main" xmlns="" id="{689D7BB0-D4C0-4982-A37D-1738AD6C6BDD}"/>
+                <a16:creationId xmlns:a16="http://schemas.microsoft.com/office/drawing/2014/main" id="{689D7BB0-D4C0-4982-A37D-1738AD6C6BDD}"/>
               </a:ext>
             </a:extLst>
           </p:cNvPr>
@@ -4762,7 +4762,7 @@
           <p:cNvPr id="4" name="Rectangle 3">
             <a:extLst>
               <a:ext uri="{FF2B5EF4-FFF2-40B4-BE49-F238E27FC236}">
-                <a16:creationId xmlns:a16="http://schemas.microsoft.com/office/drawing/2014/main" xmlns="" id="{0B493696-939F-4054-9AFA-41717E6486DF}"/>
+                <a16:creationId xmlns:a16="http://schemas.microsoft.com/office/drawing/2014/main" id="{0B493696-939F-4054-9AFA-41717E6486DF}"/>
               </a:ext>
             </a:extLst>
           </p:cNvPr>
@@ -4816,7 +4816,7 @@
           <p:cNvPr id="8" name="TextBox 7">
             <a:extLst>
               <a:ext uri="{FF2B5EF4-FFF2-40B4-BE49-F238E27FC236}">
-                <a16:creationId xmlns:a16="http://schemas.microsoft.com/office/drawing/2014/main" xmlns="" id="{B3428249-9057-4654-AF55-51618D5019AD}"/>
+                <a16:creationId xmlns:a16="http://schemas.microsoft.com/office/drawing/2014/main" id="{B3428249-9057-4654-AF55-51618D5019AD}"/>
               </a:ext>
             </a:extLst>
           </p:cNvPr>
@@ -4921,7 +4921,7 @@
           <p:cNvPr id="12" name="Shape 5020">
             <a:extLst>
               <a:ext uri="{FF2B5EF4-FFF2-40B4-BE49-F238E27FC236}">
-                <a16:creationId xmlns:a16="http://schemas.microsoft.com/office/drawing/2014/main" xmlns="" id="{FF8FD453-26E4-49E6-8B8C-BB54335C53E8}"/>
+                <a16:creationId xmlns:a16="http://schemas.microsoft.com/office/drawing/2014/main" id="{FF8FD453-26E4-49E6-8B8C-BB54335C53E8}"/>
               </a:ext>
             </a:extLst>
           </p:cNvPr>
@@ -5198,7 +5198,7 @@
           <p:cNvPr id="14" name="Freeform 18">
             <a:extLst>
               <a:ext uri="{FF2B5EF4-FFF2-40B4-BE49-F238E27FC236}">
-                <a16:creationId xmlns:a16="http://schemas.microsoft.com/office/drawing/2014/main" xmlns="" id="{5B5EB228-D146-4571-95D5-B59DAA7A4BBA}"/>
+                <a16:creationId xmlns:a16="http://schemas.microsoft.com/office/drawing/2014/main" id="{5B5EB228-D146-4571-95D5-B59DAA7A4BBA}"/>
               </a:ext>
             </a:extLst>
           </p:cNvPr>
@@ -5563,7 +5563,12 @@
             <p:ph idx="1"/>
           </p:nvPr>
         </p:nvSpPr>
-        <p:spPr/>
+        <p:spPr>
+          <a:xfrm>
+            <a:off x="442546" y="2203694"/>
+            <a:ext cx="10515600" cy="4351338"/>
+          </a:xfrm>
+        </p:spPr>
         <p:txBody>
           <a:bodyPr/>
           <a:lstStyle/>
@@ -5571,48 +5576,84 @@
             <a:pPr marL="0" indent="0">
               <a:buNone/>
             </a:pPr>
-            <a:endParaRPr lang="fr-BE" dirty="0" smtClean="0"/>
+            <a:endParaRPr lang="fr-BE" dirty="0"/>
           </a:p>
           <a:p>
             <a:pPr marL="0" indent="0">
               <a:buNone/>
             </a:pPr>
             <a:r>
-              <a:rPr lang="fr-BE" dirty="0" smtClean="0">
+              <a:rPr lang="fr-BE" dirty="0" err="1">
                 <a:latin typeface="Raleway"/>
               </a:rPr>
-              <a:t>- </a:t>
-            </a:r>
-            <a:r>
-              <a:rPr lang="fr-BE" dirty="0" err="1" smtClean="0">
+              <a:t>Presentation</a:t>
+            </a:r>
+            <a:r>
+              <a:rPr lang="fr-BE" dirty="0">
                 <a:latin typeface="Raleway"/>
               </a:rPr>
-              <a:t>Add</a:t>
-            </a:r>
-            <a:r>
-              <a:rPr lang="fr-BE" dirty="0" smtClean="0">
+              <a:t> Content:</a:t>
+            </a:r>
+          </a:p>
+          <a:p>
+            <a:pPr marL="0" indent="0">
+              <a:buNone/>
+            </a:pPr>
+            <a:r>
+              <a:rPr lang="fr-BE" sz="1400" dirty="0">
+                <a:latin typeface="Raleway"/>
+                <a:hlinkClick r:id="rId2"/>
+              </a:rPr>
+              <a:t>https://github.com/starkfell/iam-conf-2020-aks-practical-yaml</a:t>
+            </a:r>
+            <a:endParaRPr lang="fr-BE" sz="1400" dirty="0">
+              <a:latin typeface="Raleway"/>
+            </a:endParaRPr>
+          </a:p>
+          <a:p>
+            <a:pPr marL="0" indent="0">
+              <a:buNone/>
+            </a:pPr>
+            <a:endParaRPr lang="fr-BE" dirty="0">
+              <a:latin typeface="Raleway"/>
+            </a:endParaRPr>
+          </a:p>
+          <a:p>
+            <a:pPr marL="0" indent="0">
+              <a:buNone/>
+            </a:pPr>
+            <a:r>
+              <a:rPr lang="fr-BE" dirty="0" err="1">
                 <a:latin typeface="Raleway"/>
               </a:rPr>
-              <a:t> </a:t>
-            </a:r>
-            <a:r>
-              <a:rPr lang="fr-BE" dirty="0" err="1" smtClean="0">
+              <a:t>Additional</a:t>
+            </a:r>
+            <a:r>
+              <a:rPr lang="fr-BE" dirty="0">
                 <a:latin typeface="Raleway"/>
               </a:rPr>
-              <a:t>stuff</a:t>
-            </a:r>
-            <a:r>
-              <a:rPr lang="fr-BE" dirty="0" smtClean="0">
+              <a:t> Link(s):</a:t>
+            </a:r>
+          </a:p>
+          <a:p>
+            <a:pPr marL="0" indent="0">
+              <a:buNone/>
+            </a:pPr>
+            <a:r>
+              <a:rPr lang="fr-BE" sz="1400" dirty="0">
                 <a:latin typeface="Raleway"/>
+                <a:hlinkClick r:id="rId3"/>
               </a:rPr>
-              <a:t> </a:t>
-            </a:r>
-            <a:r>
-              <a:rPr lang="fr-BE" dirty="0" err="1" smtClean="0">
-                <a:latin typeface="Raleway"/>
-              </a:rPr>
-              <a:t>here</a:t>
-            </a:r>
+              <a:t>https://github.com/starkfell/100DaysOfIaC/blob/master/articles/day.59.one.service.principal.to.rule.them.all.md</a:t>
+            </a:r>
+            <a:endParaRPr lang="fr-BE" sz="1400" dirty="0">
+              <a:latin typeface="Raleway"/>
+            </a:endParaRPr>
+          </a:p>
+          <a:p>
+            <a:pPr marL="0" indent="0">
+              <a:buNone/>
+            </a:pPr>
             <a:endParaRPr lang="fr-BE" dirty="0">
               <a:latin typeface="Raleway"/>
             </a:endParaRPr>
@@ -5675,29 +5716,23 @@
               <a:buNone/>
             </a:pPr>
             <a:r>
-              <a:rPr lang="fr-BE" sz="3200" dirty="0" smtClean="0">
+              <a:rPr lang="fr-BE" sz="3200" dirty="0">
                 <a:latin typeface="Raleway"/>
               </a:rPr>
               <a:t>Ryan </a:t>
             </a:r>
             <a:r>
-              <a:rPr lang="fr-BE" sz="3200" dirty="0" err="1" smtClean="0">
+              <a:rPr lang="fr-BE" sz="3200" dirty="0" err="1">
                 <a:latin typeface="Raleway"/>
               </a:rPr>
               <a:t>Irujo</a:t>
             </a:r>
-            <a:r>
-              <a:rPr lang="fr-BE" sz="3200" dirty="0" smtClean="0">
-                <a:latin typeface="Raleway"/>
-              </a:rPr>
-              <a:t/>
-            </a:r>
             <a:br>
-              <a:rPr lang="fr-BE" sz="3200" dirty="0" smtClean="0">
+              <a:rPr lang="fr-BE" sz="3200" dirty="0">
                 <a:latin typeface="Raleway"/>
               </a:rPr>
             </a:br>
-            <a:endParaRPr lang="fr-BE" sz="3200" dirty="0" smtClean="0">
+            <a:endParaRPr lang="fr-BE" sz="3200" dirty="0">
               <a:latin typeface="Raleway"/>
             </a:endParaRPr>
           </a:p>
@@ -5708,19 +5743,19 @@
               <a:buChar char="§"/>
             </a:pPr>
             <a:r>
-              <a:rPr lang="fr-BE" sz="2400" dirty="0" smtClean="0">
+              <a:rPr lang="fr-BE" sz="2400" dirty="0">
                 <a:latin typeface="Raleway"/>
               </a:rPr>
               <a:t>Principal consultant at </a:t>
             </a:r>
             <a:r>
-              <a:rPr lang="fr-BE" sz="2400" dirty="0" err="1" smtClean="0">
+              <a:rPr lang="fr-BE" sz="2400" dirty="0" err="1">
                 <a:latin typeface="Raleway"/>
               </a:rPr>
               <a:t>Innofactor</a:t>
             </a:r>
             <a:r>
-              <a:rPr lang="fr-BE" sz="2400" dirty="0" smtClean="0">
+              <a:rPr lang="fr-BE" sz="2400" dirty="0">
                 <a:latin typeface="Raleway"/>
               </a:rPr>
               <a:t> Norge</a:t>
@@ -5736,30 +5771,58 @@
               <a:rPr lang="en-US" sz="2400" dirty="0">
                 <a:latin typeface="Raleway"/>
               </a:rPr>
-              <a:t>Specialize in Deploying and Configuring Solutions in the </a:t>
-            </a:r>
-            <a:endParaRPr lang="en-US" sz="2400" dirty="0" smtClean="0">
-              <a:latin typeface="Raleway"/>
-            </a:endParaRPr>
-          </a:p>
-          <a:p>
-            <a:pPr marL="0" indent="0">
-              <a:buSzPct val="90000"/>
-              <a:buNone/>
-            </a:pPr>
-            <a:r>
-              <a:rPr lang="en-US" sz="2400" dirty="0" smtClean="0">
-                <a:latin typeface="Raleway"/>
-              </a:rPr>
-              <a:t>   Microsoft </a:t>
-            </a:r>
-            <a:r>
+              <a:t>Specializes in Architecting and deploying customized </a:t>
+            </a:r>
+            <a:br>
               <a:rPr lang="en-US" sz="2400" dirty="0">
                 <a:latin typeface="Raleway"/>
               </a:rPr>
-              <a:t>Azure Cloud using ARM and Azure Automation</a:t>
-            </a:r>
-            <a:endParaRPr lang="fr-BE" sz="2400" dirty="0" smtClean="0">
+            </a:br>
+            <a:r>
+              <a:rPr lang="en-US" sz="2400" dirty="0">
+                <a:latin typeface="Raleway"/>
+              </a:rPr>
+              <a:t>solutions in the Azure Cloud, with particular focus on </a:t>
+            </a:r>
+            <a:br>
+              <a:rPr lang="en-US" sz="2400" dirty="0">
+                <a:latin typeface="Raleway"/>
+              </a:rPr>
+            </a:br>
+            <a:r>
+              <a:rPr lang="en-US" sz="2400" dirty="0">
+                <a:latin typeface="Raleway"/>
+              </a:rPr>
+              <a:t>Automation and Kubernetes</a:t>
+            </a:r>
+            <a:endParaRPr lang="fr-BE" sz="2400" dirty="0">
+              <a:latin typeface="Raleway"/>
+            </a:endParaRPr>
+          </a:p>
+          <a:p>
+            <a:pPr marL="0" indent="0">
+              <a:buNone/>
+            </a:pPr>
+            <a:endParaRPr lang="fr-BE" dirty="0">
+              <a:latin typeface="Raleway"/>
+            </a:endParaRPr>
+          </a:p>
+          <a:p>
+            <a:pPr marL="0" indent="0">
+              <a:buNone/>
+            </a:pPr>
+            <a:r>
+              <a:rPr lang="fr-BE" sz="3200" dirty="0">
+                <a:latin typeface="Raleway"/>
+              </a:rPr>
+              <a:t>Marie Yerna</a:t>
+            </a:r>
+          </a:p>
+          <a:p>
+            <a:pPr marL="0" indent="0">
+              <a:buNone/>
+            </a:pPr>
+            <a:endParaRPr lang="fr-BE" sz="3200" dirty="0">
               <a:latin typeface="Raleway"/>
             </a:endParaRPr>
           </a:p>
@@ -5770,50 +5833,23 @@
               <a:buChar char="§"/>
             </a:pPr>
             <a:r>
-              <a:rPr lang="fr-BE" sz="2400" dirty="0" smtClean="0">
+              <a:rPr lang="fr-BE" sz="2400" dirty="0">
                 <a:latin typeface="Raleway"/>
               </a:rPr>
-              <a:t>Focus on automation and </a:t>
-            </a:r>
-            <a:r>
-              <a:rPr lang="fr-BE" sz="2400" dirty="0" err="1" smtClean="0">
+              <a:t>Junior Consultant at </a:t>
+            </a:r>
+            <a:r>
+              <a:rPr lang="fr-BE" sz="2400" dirty="0" err="1">
                 <a:latin typeface="Raleway"/>
               </a:rPr>
-              <a:t>Kubernetes</a:t>
-            </a:r>
-            <a:r>
-              <a:rPr lang="fr-BE" sz="2400" dirty="0" smtClean="0">
+              <a:t>Innofactor</a:t>
+            </a:r>
+            <a:r>
+              <a:rPr lang="fr-BE" sz="2400" dirty="0">
                 <a:latin typeface="Raleway"/>
               </a:rPr>
-              <a:t> in Azure</a:t>
-            </a:r>
-          </a:p>
-          <a:p>
-            <a:pPr marL="0" indent="0">
-              <a:buNone/>
-            </a:pPr>
-            <a:endParaRPr lang="fr-BE" dirty="0">
-              <a:latin typeface="Raleway"/>
-            </a:endParaRPr>
-          </a:p>
-          <a:p>
-            <a:pPr marL="0" indent="0">
-              <a:buNone/>
-            </a:pPr>
-            <a:r>
-              <a:rPr lang="fr-BE" sz="3200" dirty="0" smtClean="0">
-                <a:latin typeface="Raleway"/>
-              </a:rPr>
-              <a:t>Marie Yerna</a:t>
-            </a:r>
-          </a:p>
-          <a:p>
-            <a:pPr marL="0" indent="0">
-              <a:buNone/>
-            </a:pPr>
-            <a:endParaRPr lang="fr-BE" sz="3200" dirty="0" smtClean="0">
-              <a:latin typeface="Raleway"/>
-            </a:endParaRPr>
+              <a:t> Norge</a:t>
+            </a:r>
           </a:p>
           <a:p>
             <a:pPr>
@@ -5822,73 +5858,42 @@
               <a:buChar char="§"/>
             </a:pPr>
             <a:r>
-              <a:rPr lang="fr-BE" sz="2400" dirty="0" smtClean="0">
-                <a:latin typeface="Raleway"/>
-              </a:rPr>
-              <a:t>Junior IT </a:t>
-            </a:r>
-            <a:r>
-              <a:rPr lang="fr-BE" sz="2400" dirty="0" err="1" smtClean="0">
-                <a:latin typeface="Raleway"/>
-              </a:rPr>
-              <a:t>Administrator</a:t>
-            </a:r>
-            <a:r>
-              <a:rPr lang="fr-BE" sz="2400" dirty="0" smtClean="0">
-                <a:latin typeface="Raleway"/>
-              </a:rPr>
-              <a:t> at </a:t>
-            </a:r>
-            <a:r>
-              <a:rPr lang="fr-BE" sz="2400" dirty="0" err="1" smtClean="0">
-                <a:latin typeface="Raleway"/>
-              </a:rPr>
-              <a:t>Innofactor</a:t>
-            </a:r>
-            <a:r>
-              <a:rPr lang="fr-BE" sz="2400" dirty="0" smtClean="0">
-                <a:latin typeface="Raleway"/>
-              </a:rPr>
-              <a:t> Norge</a:t>
-            </a:r>
-          </a:p>
-          <a:p>
-            <a:pPr>
-              <a:buSzPct val="90000"/>
-              <a:buFont typeface="Wingdings" panose="05000000000000000000" pitchFamily="2" charset="2"/>
-              <a:buChar char="§"/>
-            </a:pPr>
-            <a:r>
-              <a:rPr lang="fr-BE" dirty="0" smtClean="0">
+              <a:rPr lang="fr-BE" dirty="0">
                 <a:latin typeface="Raleway"/>
               </a:rPr>
               <a:t> </a:t>
             </a:r>
             <a:r>
-              <a:rPr lang="fr-BE" sz="2400" dirty="0" smtClean="0">
+              <a:rPr lang="fr-BE" sz="2400" dirty="0">
                 <a:latin typeface="Raleway"/>
               </a:rPr>
-              <a:t>Focus on documentation, automation and </a:t>
-            </a:r>
-            <a:r>
-              <a:rPr lang="fr-BE" sz="2400" dirty="0" err="1" smtClean="0">
+              <a:t>Focus on </a:t>
+            </a:r>
+            <a:r>
+              <a:rPr lang="fr-BE" sz="2400" dirty="0" err="1">
+                <a:latin typeface="Raleway"/>
+              </a:rPr>
+              <a:t>technical</a:t>
+            </a:r>
+            <a:r>
+              <a:rPr lang="fr-BE" sz="2400" dirty="0">
+                <a:latin typeface="Raleway"/>
+              </a:rPr>
+              <a:t> documentation, automation and </a:t>
+            </a:r>
+            <a:br>
+              <a:rPr lang="fr-BE" sz="2400" dirty="0">
+                <a:latin typeface="Raleway"/>
+              </a:rPr>
+            </a:br>
+            <a:r>
+              <a:rPr lang="fr-BE" sz="2400" dirty="0" err="1">
                 <a:latin typeface="Raleway"/>
               </a:rPr>
               <a:t>Kubernetes</a:t>
             </a:r>
             <a:r>
-              <a:rPr lang="fr-BE" sz="2400" dirty="0" smtClean="0">
-                <a:latin typeface="Raleway"/>
-              </a:rPr>
-              <a:t> </a:t>
-            </a:r>
-            <a:br>
-              <a:rPr lang="fr-BE" sz="2400" dirty="0" smtClean="0">
-                <a:latin typeface="Raleway"/>
-              </a:rPr>
-            </a:br>
-            <a:r>
-              <a:rPr lang="fr-BE" sz="2400" dirty="0" smtClean="0">
+              <a:rPr lang="fr-BE" sz="2400" dirty="0">
                 <a:latin typeface="Raleway"/>
               </a:rPr>
               <a:t> in Azure</a:t>
@@ -5899,7 +5904,7 @@
               <a:buSzPct val="90000"/>
               <a:buNone/>
             </a:pPr>
-            <a:endParaRPr lang="fr-BE" dirty="0" smtClean="0">
+            <a:endParaRPr lang="fr-BE" dirty="0">
               <a:latin typeface="Raleway"/>
             </a:endParaRPr>
           </a:p>
@@ -5982,13 +5987,6 @@
   <p:clrMapOvr>
     <a:masterClrMapping/>
   </p:clrMapOvr>
-  <p:timing>
-    <p:tnLst>
-      <p:par>
-        <p:cTn id="1" dur="indefinite" restart="never" nodeType="tmRoot"/>
-      </p:par>
-    </p:tnLst>
-  </p:timing>
 </p:sld>
 </file>
 
@@ -6032,18 +6030,13 @@
           <a:lstStyle/>
           <a:p>
             <a:r>
-              <a:rPr lang="fr-BE" dirty="0" smtClean="0">
+              <a:rPr lang="fr-BE" dirty="0">
                 <a:solidFill>
                   <a:schemeClr val="bg1"/>
                 </a:solidFill>
               </a:rPr>
               <a:t>.</a:t>
             </a:r>
-            <a:endParaRPr lang="fr-BE" dirty="0">
-              <a:solidFill>
-                <a:schemeClr val="bg1"/>
-              </a:solidFill>
-            </a:endParaRPr>
           </a:p>
         </p:txBody>
       </p:sp>
@@ -6070,7 +6063,7 @@
           <a:lstStyle/>
           <a:p>
             <a:r>
-              <a:rPr lang="fr-BE" sz="1600" dirty="0" err="1" smtClean="0"/>
+              <a:rPr lang="fr-BE" sz="1600" dirty="0" err="1"/>
               <a:t>Overview</a:t>
             </a:r>
             <a:endParaRPr lang="fr-BE" sz="1600" dirty="0"/>
@@ -6160,19 +6153,19 @@
           <a:lstStyle/>
           <a:p>
             <a:r>
-              <a:rPr lang="fr-BE" sz="1600" dirty="0" smtClean="0"/>
+              <a:rPr lang="fr-BE" sz="1600" dirty="0"/>
               <a:t>Service </a:t>
             </a:r>
             <a:r>
-              <a:rPr lang="fr-BE" sz="1600" dirty="0" err="1" smtClean="0"/>
+              <a:rPr lang="fr-BE" sz="1600" dirty="0" err="1"/>
               <a:t>principals</a:t>
             </a:r>
             <a:r>
-              <a:rPr lang="fr-BE" sz="1600" dirty="0" smtClean="0"/>
+              <a:rPr lang="fr-BE" sz="1600" dirty="0"/>
               <a:t> </a:t>
             </a:r>
             <a:r>
-              <a:rPr lang="fr-BE" sz="1600" dirty="0" err="1" smtClean="0"/>
+              <a:rPr lang="fr-BE" sz="1600" dirty="0" err="1"/>
               <a:t>overview</a:t>
             </a:r>
             <a:endParaRPr lang="fr-BE" sz="1600" dirty="0"/>
@@ -6219,13 +6212,6 @@
   <p:clrMapOvr>
     <a:masterClrMapping/>
   </p:clrMapOvr>
-  <p:timing>
-    <p:tnLst>
-      <p:par>
-        <p:cTn id="1" dur="indefinite" restart="never" nodeType="tmRoot"/>
-      </p:par>
-    </p:tnLst>
-  </p:timing>
 </p:sld>
 </file>
 
@@ -6312,11 +6298,11 @@
           <a:lstStyle/>
           <a:p>
             <a:r>
-              <a:rPr lang="fr-BE" sz="1600" dirty="0" smtClean="0"/>
+              <a:rPr lang="fr-BE" sz="1600" dirty="0"/>
               <a:t>deploy-aks-k8s-cluster.sh script </a:t>
             </a:r>
             <a:r>
-              <a:rPr lang="fr-BE" sz="1600" dirty="0" err="1" smtClean="0"/>
+              <a:rPr lang="fr-BE" sz="1600" dirty="0" err="1"/>
               <a:t>overview</a:t>
             </a:r>
             <a:endParaRPr lang="fr-BE" sz="1600" dirty="0"/>
@@ -6333,13 +6319,6 @@
   <p:clrMapOvr>
     <a:masterClrMapping/>
   </p:clrMapOvr>
-  <p:timing>
-    <p:tnLst>
-      <p:par>
-        <p:cTn id="1" dur="indefinite" restart="never" nodeType="tmRoot"/>
-      </p:par>
-    </p:tnLst>
-  </p:timing>
 </p:sld>
 </file>
 
@@ -6373,7 +6352,7 @@
           <p:cNvPr id="11" name="Rectangle 10">
             <a:extLst>
               <a:ext uri="{FF2B5EF4-FFF2-40B4-BE49-F238E27FC236}">
-                <a16:creationId xmlns:a16="http://schemas.microsoft.com/office/drawing/2014/main" xmlns="" id="{8E37464E-1F18-46E8-9EAB-F4DDF41C0215}"/>
+                <a16:creationId xmlns:a16="http://schemas.microsoft.com/office/drawing/2014/main" id="{8E37464E-1F18-46E8-9EAB-F4DDF41C0215}"/>
               </a:ext>
             </a:extLst>
           </p:cNvPr>
@@ -6428,7 +6407,7 @@
           <p:cNvPr id="2" name="Picture 1" descr="A close up of a logo&#10;&#10;Description automatically generated">
             <a:extLst>
               <a:ext uri="{FF2B5EF4-FFF2-40B4-BE49-F238E27FC236}">
-                <a16:creationId xmlns:a16="http://schemas.microsoft.com/office/drawing/2014/main" xmlns="" id="{148A4CA5-114C-44CD-B175-E3231477B3CA}"/>
+                <a16:creationId xmlns:a16="http://schemas.microsoft.com/office/drawing/2014/main" id="{148A4CA5-114C-44CD-B175-E3231477B3CA}"/>
               </a:ext>
             </a:extLst>
           </p:cNvPr>
@@ -6464,7 +6443,7 @@
           <p:cNvPr id="9" name="TextBox 8">
             <a:extLst>
               <a:ext uri="{FF2B5EF4-FFF2-40B4-BE49-F238E27FC236}">
-                <a16:creationId xmlns:a16="http://schemas.microsoft.com/office/drawing/2014/main" xmlns="" id="{6C686B13-417B-4E43-BBDD-FB6063357088}"/>
+                <a16:creationId xmlns:a16="http://schemas.microsoft.com/office/drawing/2014/main" id="{6C686B13-417B-4E43-BBDD-FB6063357088}"/>
               </a:ext>
             </a:extLst>
           </p:cNvPr>
@@ -6514,7 +6493,7 @@
           <p:cNvPr id="10" name="TextBox 9">
             <a:extLst>
               <a:ext uri="{FF2B5EF4-FFF2-40B4-BE49-F238E27FC236}">
-                <a16:creationId xmlns:a16="http://schemas.microsoft.com/office/drawing/2014/main" xmlns="" id="{333451D4-49B8-4671-9C08-03ECD5B7BC3B}"/>
+                <a16:creationId xmlns:a16="http://schemas.microsoft.com/office/drawing/2014/main" id="{333451D4-49B8-4671-9C08-03ECD5B7BC3B}"/>
               </a:ext>
             </a:extLst>
           </p:cNvPr>
@@ -6581,13 +6560,6 @@
   <p:clrMapOvr>
     <a:masterClrMapping/>
   </p:clrMapOvr>
-  <p:timing>
-    <p:tnLst>
-      <p:par>
-        <p:cTn id="1" dur="indefinite" restart="never" nodeType="tmRoot"/>
-      </p:par>
-    </p:tnLst>
-  </p:timing>
 </p:sld>
 </file>
 
@@ -7182,24 +7154,6 @@
 </file>
 
 <file path=customXml/item1.xml><?xml version="1.0" encoding="utf-8"?>
-<p:properties xmlns:p="http://schemas.microsoft.com/office/2006/metadata/properties" xmlns:xsi="http://www.w3.org/2001/XMLSchema-instance" xmlns:pc="http://schemas.microsoft.com/office/infopath/2007/PartnerControls">
-  <documentManagement>
-    <_ip_UnifiedCompliancePolicyUIAction xmlns="http://schemas.microsoft.com/sharepoint/v3" xsi:nil="true"/>
-    <_ip_UnifiedCompliancePolicyProperties xmlns="http://schemas.microsoft.com/sharepoint/v3" xsi:nil="true"/>
-  </documentManagement>
-</p:properties>
-</file>
-
-<file path=customXml/item2.xml><?xml version="1.0" encoding="utf-8"?>
-<?mso-contentType ?>
-<FormTemplates xmlns="http://schemas.microsoft.com/sharepoint/v3/contenttype/forms">
-  <Display>DocumentLibraryForm</Display>
-  <Edit>DocumentLibraryForm</Edit>
-  <New>DocumentLibraryForm</New>
-</FormTemplates>
-</file>
-
-<file path=customXml/item3.xml><?xml version="1.0" encoding="utf-8"?>
 <ct:contentTypeSchema xmlns:ct="http://schemas.microsoft.com/office/2006/metadata/contentType" xmlns:ma="http://schemas.microsoft.com/office/2006/metadata/properties/metaAttributes" ct:_="" ma:_="" ma:contentTypeName="Document" ma:contentTypeID="0x010100A38A89811ECC7341A43A19B6FB48F7E1" ma:contentTypeVersion="14" ma:contentTypeDescription="Create a new document." ma:contentTypeScope="" ma:versionID="53b12876a9dc171e6841db7c2f415704">
   <xsd:schema xmlns:xsd="http://www.w3.org/2001/XMLSchema" xmlns:xs="http://www.w3.org/2001/XMLSchema" xmlns:p="http://schemas.microsoft.com/office/2006/metadata/properties" xmlns:ns1="http://schemas.microsoft.com/sharepoint/v3" xmlns:ns2="bc487258-c1c0-43c6-bf00-584470d0bede" xmlns:ns3="9bf0e6da-88fd-4ecb-9c2a-ff466c48006f" targetNamespace="http://schemas.microsoft.com/office/2006/metadata/properties" ma:root="true" ma:fieldsID="bdea3c0a5e56144fb6d8b3d4b4a1aeab" ns1:_="" ns2:_="" ns3:_="">
     <xsd:import namespace="http://schemas.microsoft.com/sharepoint/v3"/>
@@ -7433,33 +7387,25 @@
 </ct:contentTypeSchema>
 </file>
 
-<file path=customXml/itemProps1.xml><?xml version="1.0" encoding="utf-8"?>
-<ds:datastoreItem xmlns:ds="http://schemas.openxmlformats.org/officeDocument/2006/customXml" ds:itemID="{B760C080-9903-4ED1-A019-F8AF78E3F920}">
-  <ds:schemaRefs>
-    <ds:schemaRef ds:uri="http://purl.org/dc/terms/"/>
-    <ds:schemaRef ds:uri="http://schemas.microsoft.com/office/2006/documentManagement/types"/>
-    <ds:schemaRef ds:uri="http://purl.org/dc/elements/1.1/"/>
-    <ds:schemaRef ds:uri="9bf0e6da-88fd-4ecb-9c2a-ff466c48006f"/>
-    <ds:schemaRef ds:uri="http://schemas.openxmlformats.org/package/2006/metadata/core-properties"/>
-    <ds:schemaRef ds:uri="bc487258-c1c0-43c6-bf00-584470d0bede"/>
-    <ds:schemaRef ds:uri="http://schemas.microsoft.com/sharepoint/v3"/>
-    <ds:schemaRef ds:uri="http://schemas.microsoft.com/office/infopath/2007/PartnerControls"/>
-    <ds:schemaRef ds:uri="http://schemas.microsoft.com/office/2006/metadata/properties"/>
-    <ds:schemaRef ds:uri="http://www.w3.org/XML/1998/namespace"/>
-    <ds:schemaRef ds:uri="http://purl.org/dc/dcmitype/"/>
-  </ds:schemaRefs>
-</ds:datastoreItem>
+<file path=customXml/item2.xml><?xml version="1.0" encoding="utf-8"?>
+<?mso-contentType ?>
+<FormTemplates xmlns="http://schemas.microsoft.com/sharepoint/v3/contenttype/forms">
+  <Display>DocumentLibraryForm</Display>
+  <Edit>DocumentLibraryForm</Edit>
+  <New>DocumentLibraryForm</New>
+</FormTemplates>
 </file>
 
-<file path=customXml/itemProps2.xml><?xml version="1.0" encoding="utf-8"?>
-<ds:datastoreItem xmlns:ds="http://schemas.openxmlformats.org/officeDocument/2006/customXml" ds:itemID="{49844BAE-3143-4DDE-A131-826557FF8F35}">
-  <ds:schemaRefs>
-    <ds:schemaRef ds:uri="http://schemas.microsoft.com/sharepoint/v3/contenttype/forms"/>
-  </ds:schemaRefs>
-</ds:datastoreItem>
+<file path=customXml/item3.xml><?xml version="1.0" encoding="utf-8"?>
+<p:properties xmlns:p="http://schemas.microsoft.com/office/2006/metadata/properties" xmlns:xsi="http://www.w3.org/2001/XMLSchema-instance" xmlns:pc="http://schemas.microsoft.com/office/infopath/2007/PartnerControls">
+  <documentManagement>
+    <_ip_UnifiedCompliancePolicyUIAction xmlns="http://schemas.microsoft.com/sharepoint/v3" xsi:nil="true"/>
+    <_ip_UnifiedCompliancePolicyProperties xmlns="http://schemas.microsoft.com/sharepoint/v3" xsi:nil="true"/>
+  </documentManagement>
+</p:properties>
 </file>
 
-<file path=customXml/itemProps3.xml><?xml version="1.0" encoding="utf-8"?>
+<file path=customXml/itemProps1.xml><?xml version="1.0" encoding="utf-8"?>
 <ds:datastoreItem xmlns:ds="http://schemas.openxmlformats.org/officeDocument/2006/customXml" ds:itemID="{6A53AB11-3D5E-4B2C-92FF-7CE4F252F705}">
   <ds:schemaRefs>
     <ds:schemaRef ds:uri="http://schemas.microsoft.com/office/2006/metadata/contentType"/>
@@ -7477,4 +7423,30 @@
     <ds:schemaRef ds:uri="http://schemas.microsoft.com/internal/obd"/>
   </ds:schemaRefs>
 </ds:datastoreItem>
+</file>
+
+<file path=customXml/itemProps2.xml><?xml version="1.0" encoding="utf-8"?>
+<ds:datastoreItem xmlns:ds="http://schemas.openxmlformats.org/officeDocument/2006/customXml" ds:itemID="{49844BAE-3143-4DDE-A131-826557FF8F35}">
+  <ds:schemaRefs>
+    <ds:schemaRef ds:uri="http://schemas.microsoft.com/sharepoint/v3/contenttype/forms"/>
+  </ds:schemaRefs>
+</ds:datastoreItem>
+</file>
+
+<file path=customXml/itemProps3.xml><?xml version="1.0" encoding="utf-8"?>
+<ds:datastoreItem xmlns:ds="http://schemas.openxmlformats.org/officeDocument/2006/customXml" ds:itemID="{B760C080-9903-4ED1-A019-F8AF78E3F920}">
+  <ds:schemaRefs>
+    <ds:schemaRef ds:uri="http://purl.org/dc/terms/"/>
+    <ds:schemaRef ds:uri="http://schemas.microsoft.com/office/2006/documentManagement/types"/>
+    <ds:schemaRef ds:uri="http://purl.org/dc/elements/1.1/"/>
+    <ds:schemaRef ds:uri="9bf0e6da-88fd-4ecb-9c2a-ff466c48006f"/>
+    <ds:schemaRef ds:uri="http://schemas.openxmlformats.org/package/2006/metadata/core-properties"/>
+    <ds:schemaRef ds:uri="bc487258-c1c0-43c6-bf00-584470d0bede"/>
+    <ds:schemaRef ds:uri="http://schemas.microsoft.com/sharepoint/v3"/>
+    <ds:schemaRef ds:uri="http://schemas.microsoft.com/office/infopath/2007/PartnerControls"/>
+    <ds:schemaRef ds:uri="http://schemas.microsoft.com/office/2006/metadata/properties"/>
+    <ds:schemaRef ds:uri="http://www.w3.org/XML/1998/namespace"/>
+    <ds:schemaRef ds:uri="http://purl.org/dc/dcmitype/"/>
+  </ds:schemaRefs>
+</ds:datastoreItem>
 </file>
--- a/presentation.pptx
+++ b/presentation.pptx
@@ -5,16 +5,20 @@
     <p:sldMasterId id="2147483648" r:id="rId4"/>
   </p:sldMasterIdLst>
   <p:notesMasterIdLst>
-    <p:notesMasterId r:id="rId12"/>
+    <p:notesMasterId r:id="rId16"/>
   </p:notesMasterIdLst>
   <p:sldIdLst>
     <p:sldId id="282" r:id="rId5"/>
-    <p:sldId id="284" r:id="rId6"/>
+    <p:sldId id="291" r:id="rId6"/>
     <p:sldId id="285" r:id="rId7"/>
-    <p:sldId id="288" r:id="rId8"/>
-    <p:sldId id="287" r:id="rId9"/>
-    <p:sldId id="286" r:id="rId10"/>
-    <p:sldId id="283" r:id="rId11"/>
+    <p:sldId id="284" r:id="rId8"/>
+    <p:sldId id="289" r:id="rId9"/>
+    <p:sldId id="290" r:id="rId10"/>
+    <p:sldId id="292" r:id="rId11"/>
+    <p:sldId id="288" r:id="rId12"/>
+    <p:sldId id="287" r:id="rId13"/>
+    <p:sldId id="286" r:id="rId14"/>
+    <p:sldId id="283" r:id="rId15"/>
   </p:sldIdLst>
   <p:sldSz cx="12192000" cy="6858000"/>
   <p:notesSz cx="6858000" cy="9144000"/>
@@ -744,7 +748,7 @@
           <a:p>
             <a:fld id="{8D45066D-9EB7-4AAA-B766-743B976AC38B}" type="slidenum">
               <a:rPr lang="en-US" smtClean="0"/>
-              <a:t>‹#›</a:t>
+              <a:t>‹N°›</a:t>
             </a:fld>
             <a:endParaRPr lang="en-US"/>
           </a:p>
@@ -1002,7 +1006,7 @@
           <a:p>
             <a:fld id="{8D45066D-9EB7-4AAA-B766-743B976AC38B}" type="slidenum">
               <a:rPr lang="en-US" smtClean="0"/>
-              <a:t>7</a:t>
+              <a:t>11</a:t>
             </a:fld>
             <a:endParaRPr lang="en-US"/>
           </a:p>
@@ -1043,7 +1047,7 @@
           <p:cNvPr id="2" name="Title 1">
             <a:extLst>
               <a:ext uri="{FF2B5EF4-FFF2-40B4-BE49-F238E27FC236}">
-                <a16:creationId xmlns:a16="http://schemas.microsoft.com/office/drawing/2014/main" id="{74CB3B42-34FE-4F89-AF42-20D84E8F645D}"/>
+                <a16:creationId xmlns:a16="http://schemas.microsoft.com/office/drawing/2014/main" xmlns="" id="{74CB3B42-34FE-4F89-AF42-20D84E8F645D}"/>
               </a:ext>
             </a:extLst>
           </p:cNvPr>
@@ -1080,7 +1084,7 @@
           <p:cNvPr id="3" name="Subtitle 2">
             <a:extLst>
               <a:ext uri="{FF2B5EF4-FFF2-40B4-BE49-F238E27FC236}">
-                <a16:creationId xmlns:a16="http://schemas.microsoft.com/office/drawing/2014/main" id="{BAAEADC8-C044-475D-964E-3518AF29F740}"/>
+                <a16:creationId xmlns:a16="http://schemas.microsoft.com/office/drawing/2014/main" xmlns="" id="{BAAEADC8-C044-475D-964E-3518AF29F740}"/>
               </a:ext>
             </a:extLst>
           </p:cNvPr>
@@ -1150,7 +1154,7 @@
           <p:cNvPr id="4" name="Date Placeholder 3">
             <a:extLst>
               <a:ext uri="{FF2B5EF4-FFF2-40B4-BE49-F238E27FC236}">
-                <a16:creationId xmlns:a16="http://schemas.microsoft.com/office/drawing/2014/main" id="{8CA9461F-540C-4F0D-8A2F-79046F34CE20}"/>
+                <a16:creationId xmlns:a16="http://schemas.microsoft.com/office/drawing/2014/main" xmlns="" id="{8CA9461F-540C-4F0D-8A2F-79046F34CE20}"/>
               </a:ext>
             </a:extLst>
           </p:cNvPr>
@@ -1179,7 +1183,7 @@
           <p:cNvPr id="5" name="Footer Placeholder 4">
             <a:extLst>
               <a:ext uri="{FF2B5EF4-FFF2-40B4-BE49-F238E27FC236}">
-                <a16:creationId xmlns:a16="http://schemas.microsoft.com/office/drawing/2014/main" id="{BCB5ACD2-9CC9-4425-A5CB-5419C890EAA2}"/>
+                <a16:creationId xmlns:a16="http://schemas.microsoft.com/office/drawing/2014/main" xmlns="" id="{BCB5ACD2-9CC9-4425-A5CB-5419C890EAA2}"/>
               </a:ext>
             </a:extLst>
           </p:cNvPr>
@@ -1204,7 +1208,7 @@
           <p:cNvPr id="6" name="Slide Number Placeholder 5">
             <a:extLst>
               <a:ext uri="{FF2B5EF4-FFF2-40B4-BE49-F238E27FC236}">
-                <a16:creationId xmlns:a16="http://schemas.microsoft.com/office/drawing/2014/main" id="{0F78A4CF-2079-499D-8C5A-763CAE67D1A6}"/>
+                <a16:creationId xmlns:a16="http://schemas.microsoft.com/office/drawing/2014/main" xmlns="" id="{0F78A4CF-2079-499D-8C5A-763CAE67D1A6}"/>
               </a:ext>
             </a:extLst>
           </p:cNvPr>
@@ -1222,7 +1226,7 @@
           <a:p>
             <a:fld id="{E90B4EE6-832A-4455-A0E8-256062B7E61D}" type="slidenum">
               <a:rPr lang="en-US" smtClean="0"/>
-              <a:t>‹#›</a:t>
+              <a:t>‹N°›</a:t>
             </a:fld>
             <a:endParaRPr lang="en-US"/>
           </a:p>
@@ -1263,7 +1267,7 @@
           <p:cNvPr id="2" name="Title 1">
             <a:extLst>
               <a:ext uri="{FF2B5EF4-FFF2-40B4-BE49-F238E27FC236}">
-                <a16:creationId xmlns:a16="http://schemas.microsoft.com/office/drawing/2014/main" id="{94D83A22-0EB9-4B3F-B578-25F5853E64A8}"/>
+                <a16:creationId xmlns:a16="http://schemas.microsoft.com/office/drawing/2014/main" xmlns="" id="{94D83A22-0EB9-4B3F-B578-25F5853E64A8}"/>
               </a:ext>
             </a:extLst>
           </p:cNvPr>
@@ -1291,7 +1295,7 @@
           <p:cNvPr id="3" name="Vertical Text Placeholder 2">
             <a:extLst>
               <a:ext uri="{FF2B5EF4-FFF2-40B4-BE49-F238E27FC236}">
-                <a16:creationId xmlns:a16="http://schemas.microsoft.com/office/drawing/2014/main" id="{222F2EB6-7C39-46D6-A9BB-4FE726D0E0EE}"/>
+                <a16:creationId xmlns:a16="http://schemas.microsoft.com/office/drawing/2014/main" xmlns="" id="{222F2EB6-7C39-46D6-A9BB-4FE726D0E0EE}"/>
               </a:ext>
             </a:extLst>
           </p:cNvPr>
@@ -1348,7 +1352,7 @@
           <p:cNvPr id="4" name="Date Placeholder 3">
             <a:extLst>
               <a:ext uri="{FF2B5EF4-FFF2-40B4-BE49-F238E27FC236}">
-                <a16:creationId xmlns:a16="http://schemas.microsoft.com/office/drawing/2014/main" id="{35361AC5-9CC3-4ACD-B628-0CB5377B7DB3}"/>
+                <a16:creationId xmlns:a16="http://schemas.microsoft.com/office/drawing/2014/main" xmlns="" id="{35361AC5-9CC3-4ACD-B628-0CB5377B7DB3}"/>
               </a:ext>
             </a:extLst>
           </p:cNvPr>
@@ -1377,7 +1381,7 @@
           <p:cNvPr id="5" name="Footer Placeholder 4">
             <a:extLst>
               <a:ext uri="{FF2B5EF4-FFF2-40B4-BE49-F238E27FC236}">
-                <a16:creationId xmlns:a16="http://schemas.microsoft.com/office/drawing/2014/main" id="{18105882-F008-4ABB-B2CC-F6A24DA7A283}"/>
+                <a16:creationId xmlns:a16="http://schemas.microsoft.com/office/drawing/2014/main" xmlns="" id="{18105882-F008-4ABB-B2CC-F6A24DA7A283}"/>
               </a:ext>
             </a:extLst>
           </p:cNvPr>
@@ -1402,7 +1406,7 @@
           <p:cNvPr id="6" name="Slide Number Placeholder 5">
             <a:extLst>
               <a:ext uri="{FF2B5EF4-FFF2-40B4-BE49-F238E27FC236}">
-                <a16:creationId xmlns:a16="http://schemas.microsoft.com/office/drawing/2014/main" id="{87C90FF4-37A4-4B07-9C64-13CBD7BA4BBE}"/>
+                <a16:creationId xmlns:a16="http://schemas.microsoft.com/office/drawing/2014/main" xmlns="" id="{87C90FF4-37A4-4B07-9C64-13CBD7BA4BBE}"/>
               </a:ext>
             </a:extLst>
           </p:cNvPr>
@@ -1420,7 +1424,7 @@
           <a:p>
             <a:fld id="{E90B4EE6-832A-4455-A0E8-256062B7E61D}" type="slidenum">
               <a:rPr lang="en-US" smtClean="0"/>
-              <a:t>‹#›</a:t>
+              <a:t>‹N°›</a:t>
             </a:fld>
             <a:endParaRPr lang="en-US"/>
           </a:p>
@@ -1461,7 +1465,7 @@
           <p:cNvPr id="2" name="Vertical Title 1">
             <a:extLst>
               <a:ext uri="{FF2B5EF4-FFF2-40B4-BE49-F238E27FC236}">
-                <a16:creationId xmlns:a16="http://schemas.microsoft.com/office/drawing/2014/main" id="{D4CFFC75-FB04-4070-ACF3-17B74E1E49A0}"/>
+                <a16:creationId xmlns:a16="http://schemas.microsoft.com/office/drawing/2014/main" xmlns="" id="{D4CFFC75-FB04-4070-ACF3-17B74E1E49A0}"/>
               </a:ext>
             </a:extLst>
           </p:cNvPr>
@@ -1494,7 +1498,7 @@
           <p:cNvPr id="3" name="Vertical Text Placeholder 2">
             <a:extLst>
               <a:ext uri="{FF2B5EF4-FFF2-40B4-BE49-F238E27FC236}">
-                <a16:creationId xmlns:a16="http://schemas.microsoft.com/office/drawing/2014/main" id="{E8DC022A-F28A-42FE-B136-97D2DB44E1CD}"/>
+                <a16:creationId xmlns:a16="http://schemas.microsoft.com/office/drawing/2014/main" xmlns="" id="{E8DC022A-F28A-42FE-B136-97D2DB44E1CD}"/>
               </a:ext>
             </a:extLst>
           </p:cNvPr>
@@ -1556,7 +1560,7 @@
           <p:cNvPr id="4" name="Date Placeholder 3">
             <a:extLst>
               <a:ext uri="{FF2B5EF4-FFF2-40B4-BE49-F238E27FC236}">
-                <a16:creationId xmlns:a16="http://schemas.microsoft.com/office/drawing/2014/main" id="{E5436E70-3209-4B1D-8141-7D7A8CB50EB0}"/>
+                <a16:creationId xmlns:a16="http://schemas.microsoft.com/office/drawing/2014/main" xmlns="" id="{E5436E70-3209-4B1D-8141-7D7A8CB50EB0}"/>
               </a:ext>
             </a:extLst>
           </p:cNvPr>
@@ -1585,7 +1589,7 @@
           <p:cNvPr id="5" name="Footer Placeholder 4">
             <a:extLst>
               <a:ext uri="{FF2B5EF4-FFF2-40B4-BE49-F238E27FC236}">
-                <a16:creationId xmlns:a16="http://schemas.microsoft.com/office/drawing/2014/main" id="{0CCEEE92-3BC7-4251-9BA8-4DB85DFDCE30}"/>
+                <a16:creationId xmlns:a16="http://schemas.microsoft.com/office/drawing/2014/main" xmlns="" id="{0CCEEE92-3BC7-4251-9BA8-4DB85DFDCE30}"/>
               </a:ext>
             </a:extLst>
           </p:cNvPr>
@@ -1610,7 +1614,7 @@
           <p:cNvPr id="6" name="Slide Number Placeholder 5">
             <a:extLst>
               <a:ext uri="{FF2B5EF4-FFF2-40B4-BE49-F238E27FC236}">
-                <a16:creationId xmlns:a16="http://schemas.microsoft.com/office/drawing/2014/main" id="{20BFE1BB-FF5B-4BC1-8FB0-68000A99BC49}"/>
+                <a16:creationId xmlns:a16="http://schemas.microsoft.com/office/drawing/2014/main" xmlns="" id="{20BFE1BB-FF5B-4BC1-8FB0-68000A99BC49}"/>
               </a:ext>
             </a:extLst>
           </p:cNvPr>
@@ -1628,7 +1632,7 @@
           <a:p>
             <a:fld id="{E90B4EE6-832A-4455-A0E8-256062B7E61D}" type="slidenum">
               <a:rPr lang="en-US" smtClean="0"/>
-              <a:t>‹#›</a:t>
+              <a:t>‹N°›</a:t>
             </a:fld>
             <a:endParaRPr lang="en-US"/>
           </a:p>
@@ -1669,7 +1673,7 @@
           <p:cNvPr id="2" name="Title 1">
             <a:extLst>
               <a:ext uri="{FF2B5EF4-FFF2-40B4-BE49-F238E27FC236}">
-                <a16:creationId xmlns:a16="http://schemas.microsoft.com/office/drawing/2014/main" id="{EFE1E8BF-1E87-4CD1-AF63-7672EB209355}"/>
+                <a16:creationId xmlns:a16="http://schemas.microsoft.com/office/drawing/2014/main" xmlns="" id="{EFE1E8BF-1E87-4CD1-AF63-7672EB209355}"/>
               </a:ext>
             </a:extLst>
           </p:cNvPr>
@@ -1697,7 +1701,7 @@
           <p:cNvPr id="3" name="Content Placeholder 2">
             <a:extLst>
               <a:ext uri="{FF2B5EF4-FFF2-40B4-BE49-F238E27FC236}">
-                <a16:creationId xmlns:a16="http://schemas.microsoft.com/office/drawing/2014/main" id="{19C10D01-C8D3-4852-95DB-8784F9DA536F}"/>
+                <a16:creationId xmlns:a16="http://schemas.microsoft.com/office/drawing/2014/main" xmlns="" id="{19C10D01-C8D3-4852-95DB-8784F9DA536F}"/>
               </a:ext>
             </a:extLst>
           </p:cNvPr>
@@ -1754,7 +1758,7 @@
           <p:cNvPr id="4" name="Date Placeholder 3">
             <a:extLst>
               <a:ext uri="{FF2B5EF4-FFF2-40B4-BE49-F238E27FC236}">
-                <a16:creationId xmlns:a16="http://schemas.microsoft.com/office/drawing/2014/main" id="{E32E90B2-5259-47FC-B041-7AD0037CD92E}"/>
+                <a16:creationId xmlns:a16="http://schemas.microsoft.com/office/drawing/2014/main" xmlns="" id="{E32E90B2-5259-47FC-B041-7AD0037CD92E}"/>
               </a:ext>
             </a:extLst>
           </p:cNvPr>
@@ -1783,7 +1787,7 @@
           <p:cNvPr id="5" name="Footer Placeholder 4">
             <a:extLst>
               <a:ext uri="{FF2B5EF4-FFF2-40B4-BE49-F238E27FC236}">
-                <a16:creationId xmlns:a16="http://schemas.microsoft.com/office/drawing/2014/main" id="{D9986EA6-9A4D-453A-A7E1-15CED315CCAD}"/>
+                <a16:creationId xmlns:a16="http://schemas.microsoft.com/office/drawing/2014/main" xmlns="" id="{D9986EA6-9A4D-453A-A7E1-15CED315CCAD}"/>
               </a:ext>
             </a:extLst>
           </p:cNvPr>
@@ -1808,7 +1812,7 @@
           <p:cNvPr id="6" name="Slide Number Placeholder 5">
             <a:extLst>
               <a:ext uri="{FF2B5EF4-FFF2-40B4-BE49-F238E27FC236}">
-                <a16:creationId xmlns:a16="http://schemas.microsoft.com/office/drawing/2014/main" id="{E97CAF34-35AB-4550-8C0C-9B86C12F644B}"/>
+                <a16:creationId xmlns:a16="http://schemas.microsoft.com/office/drawing/2014/main" xmlns="" id="{E97CAF34-35AB-4550-8C0C-9B86C12F644B}"/>
               </a:ext>
             </a:extLst>
           </p:cNvPr>
@@ -1826,7 +1830,7 @@
           <a:p>
             <a:fld id="{E90B4EE6-832A-4455-A0E8-256062B7E61D}" type="slidenum">
               <a:rPr lang="en-US" smtClean="0"/>
-              <a:t>‹#›</a:t>
+              <a:t>‹N°›</a:t>
             </a:fld>
             <a:endParaRPr lang="en-US"/>
           </a:p>
@@ -1867,7 +1871,7 @@
           <p:cNvPr id="2" name="Title 1">
             <a:extLst>
               <a:ext uri="{FF2B5EF4-FFF2-40B4-BE49-F238E27FC236}">
-                <a16:creationId xmlns:a16="http://schemas.microsoft.com/office/drawing/2014/main" id="{BB916C6A-A086-417B-9D9B-D1DE4E55ED82}"/>
+                <a16:creationId xmlns:a16="http://schemas.microsoft.com/office/drawing/2014/main" xmlns="" id="{BB916C6A-A086-417B-9D9B-D1DE4E55ED82}"/>
               </a:ext>
             </a:extLst>
           </p:cNvPr>
@@ -1904,7 +1908,7 @@
           <p:cNvPr id="3" name="Text Placeholder 2">
             <a:extLst>
               <a:ext uri="{FF2B5EF4-FFF2-40B4-BE49-F238E27FC236}">
-                <a16:creationId xmlns:a16="http://schemas.microsoft.com/office/drawing/2014/main" id="{70C29A8C-B4CF-469F-A48A-C287A37DF087}"/>
+                <a16:creationId xmlns:a16="http://schemas.microsoft.com/office/drawing/2014/main" xmlns="" id="{70C29A8C-B4CF-469F-A48A-C287A37DF087}"/>
               </a:ext>
             </a:extLst>
           </p:cNvPr>
@@ -2029,7 +2033,7 @@
           <p:cNvPr id="4" name="Date Placeholder 3">
             <a:extLst>
               <a:ext uri="{FF2B5EF4-FFF2-40B4-BE49-F238E27FC236}">
-                <a16:creationId xmlns:a16="http://schemas.microsoft.com/office/drawing/2014/main" id="{5179447B-29EC-4F00-9705-09AB61AEF67D}"/>
+                <a16:creationId xmlns:a16="http://schemas.microsoft.com/office/drawing/2014/main" xmlns="" id="{5179447B-29EC-4F00-9705-09AB61AEF67D}"/>
               </a:ext>
             </a:extLst>
           </p:cNvPr>
@@ -2058,7 +2062,7 @@
           <p:cNvPr id="5" name="Footer Placeholder 4">
             <a:extLst>
               <a:ext uri="{FF2B5EF4-FFF2-40B4-BE49-F238E27FC236}">
-                <a16:creationId xmlns:a16="http://schemas.microsoft.com/office/drawing/2014/main" id="{FD5E7B0A-AE37-4B5B-9E1F-8DD5ED94C003}"/>
+                <a16:creationId xmlns:a16="http://schemas.microsoft.com/office/drawing/2014/main" xmlns="" id="{FD5E7B0A-AE37-4B5B-9E1F-8DD5ED94C003}"/>
               </a:ext>
             </a:extLst>
           </p:cNvPr>
@@ -2083,7 +2087,7 @@
           <p:cNvPr id="6" name="Slide Number Placeholder 5">
             <a:extLst>
               <a:ext uri="{FF2B5EF4-FFF2-40B4-BE49-F238E27FC236}">
-                <a16:creationId xmlns:a16="http://schemas.microsoft.com/office/drawing/2014/main" id="{712A98C8-FA62-477F-AA35-E74917AD28FE}"/>
+                <a16:creationId xmlns:a16="http://schemas.microsoft.com/office/drawing/2014/main" xmlns="" id="{712A98C8-FA62-477F-AA35-E74917AD28FE}"/>
               </a:ext>
             </a:extLst>
           </p:cNvPr>
@@ -2101,7 +2105,7 @@
           <a:p>
             <a:fld id="{E90B4EE6-832A-4455-A0E8-256062B7E61D}" type="slidenum">
               <a:rPr lang="en-US" smtClean="0"/>
-              <a:t>‹#›</a:t>
+              <a:t>‹N°›</a:t>
             </a:fld>
             <a:endParaRPr lang="en-US"/>
           </a:p>
@@ -2142,7 +2146,7 @@
           <p:cNvPr id="2" name="Title 1">
             <a:extLst>
               <a:ext uri="{FF2B5EF4-FFF2-40B4-BE49-F238E27FC236}">
-                <a16:creationId xmlns:a16="http://schemas.microsoft.com/office/drawing/2014/main" id="{B744062A-C751-4B41-B996-7641A7BF9A1A}"/>
+                <a16:creationId xmlns:a16="http://schemas.microsoft.com/office/drawing/2014/main" xmlns="" id="{B744062A-C751-4B41-B996-7641A7BF9A1A}"/>
               </a:ext>
             </a:extLst>
           </p:cNvPr>
@@ -2170,7 +2174,7 @@
           <p:cNvPr id="3" name="Content Placeholder 2">
             <a:extLst>
               <a:ext uri="{FF2B5EF4-FFF2-40B4-BE49-F238E27FC236}">
-                <a16:creationId xmlns:a16="http://schemas.microsoft.com/office/drawing/2014/main" id="{324A939A-0038-464A-881F-3122AA68A0C1}"/>
+                <a16:creationId xmlns:a16="http://schemas.microsoft.com/office/drawing/2014/main" xmlns="" id="{324A939A-0038-464A-881F-3122AA68A0C1}"/>
               </a:ext>
             </a:extLst>
           </p:cNvPr>
@@ -2232,7 +2236,7 @@
           <p:cNvPr id="4" name="Content Placeholder 3">
             <a:extLst>
               <a:ext uri="{FF2B5EF4-FFF2-40B4-BE49-F238E27FC236}">
-                <a16:creationId xmlns:a16="http://schemas.microsoft.com/office/drawing/2014/main" id="{70555C23-EE74-41FE-A783-27210EC8D40E}"/>
+                <a16:creationId xmlns:a16="http://schemas.microsoft.com/office/drawing/2014/main" xmlns="" id="{70555C23-EE74-41FE-A783-27210EC8D40E}"/>
               </a:ext>
             </a:extLst>
           </p:cNvPr>
@@ -2294,7 +2298,7 @@
           <p:cNvPr id="5" name="Date Placeholder 4">
             <a:extLst>
               <a:ext uri="{FF2B5EF4-FFF2-40B4-BE49-F238E27FC236}">
-                <a16:creationId xmlns:a16="http://schemas.microsoft.com/office/drawing/2014/main" id="{D2432B00-FF5E-4908-A880-E0296BFE23D9}"/>
+                <a16:creationId xmlns:a16="http://schemas.microsoft.com/office/drawing/2014/main" xmlns="" id="{D2432B00-FF5E-4908-A880-E0296BFE23D9}"/>
               </a:ext>
             </a:extLst>
           </p:cNvPr>
@@ -2323,7 +2327,7 @@
           <p:cNvPr id="6" name="Footer Placeholder 5">
             <a:extLst>
               <a:ext uri="{FF2B5EF4-FFF2-40B4-BE49-F238E27FC236}">
-                <a16:creationId xmlns:a16="http://schemas.microsoft.com/office/drawing/2014/main" id="{DC5020A8-9B6A-4A99-A454-571B0A925DDA}"/>
+                <a16:creationId xmlns:a16="http://schemas.microsoft.com/office/drawing/2014/main" xmlns="" id="{DC5020A8-9B6A-4A99-A454-571B0A925DDA}"/>
               </a:ext>
             </a:extLst>
           </p:cNvPr>
@@ -2348,7 +2352,7 @@
           <p:cNvPr id="7" name="Slide Number Placeholder 6">
             <a:extLst>
               <a:ext uri="{FF2B5EF4-FFF2-40B4-BE49-F238E27FC236}">
-                <a16:creationId xmlns:a16="http://schemas.microsoft.com/office/drawing/2014/main" id="{3C03881E-EE40-41D8-877B-BFD1EA2C24A4}"/>
+                <a16:creationId xmlns:a16="http://schemas.microsoft.com/office/drawing/2014/main" xmlns="" id="{3C03881E-EE40-41D8-877B-BFD1EA2C24A4}"/>
               </a:ext>
             </a:extLst>
           </p:cNvPr>
@@ -2366,7 +2370,7 @@
           <a:p>
             <a:fld id="{E90B4EE6-832A-4455-A0E8-256062B7E61D}" type="slidenum">
               <a:rPr lang="en-US" smtClean="0"/>
-              <a:t>‹#›</a:t>
+              <a:t>‹N°›</a:t>
             </a:fld>
             <a:endParaRPr lang="en-US"/>
           </a:p>
@@ -2407,7 +2411,7 @@
           <p:cNvPr id="2" name="Title 1">
             <a:extLst>
               <a:ext uri="{FF2B5EF4-FFF2-40B4-BE49-F238E27FC236}">
-                <a16:creationId xmlns:a16="http://schemas.microsoft.com/office/drawing/2014/main" id="{3B0E92CF-6255-484F-A37C-173192789EA9}"/>
+                <a16:creationId xmlns:a16="http://schemas.microsoft.com/office/drawing/2014/main" xmlns="" id="{3B0E92CF-6255-484F-A37C-173192789EA9}"/>
               </a:ext>
             </a:extLst>
           </p:cNvPr>
@@ -2440,7 +2444,7 @@
           <p:cNvPr id="3" name="Text Placeholder 2">
             <a:extLst>
               <a:ext uri="{FF2B5EF4-FFF2-40B4-BE49-F238E27FC236}">
-                <a16:creationId xmlns:a16="http://schemas.microsoft.com/office/drawing/2014/main" id="{201695D2-4040-455D-AD38-1A19CA283522}"/>
+                <a16:creationId xmlns:a16="http://schemas.microsoft.com/office/drawing/2014/main" xmlns="" id="{201695D2-4040-455D-AD38-1A19CA283522}"/>
               </a:ext>
             </a:extLst>
           </p:cNvPr>
@@ -2511,7 +2515,7 @@
           <p:cNvPr id="4" name="Content Placeholder 3">
             <a:extLst>
               <a:ext uri="{FF2B5EF4-FFF2-40B4-BE49-F238E27FC236}">
-                <a16:creationId xmlns:a16="http://schemas.microsoft.com/office/drawing/2014/main" id="{0FF017E3-D5C8-4E64-8992-82BCC54FF0E8}"/>
+                <a16:creationId xmlns:a16="http://schemas.microsoft.com/office/drawing/2014/main" xmlns="" id="{0FF017E3-D5C8-4E64-8992-82BCC54FF0E8}"/>
               </a:ext>
             </a:extLst>
           </p:cNvPr>
@@ -2573,7 +2577,7 @@
           <p:cNvPr id="5" name="Text Placeholder 4">
             <a:extLst>
               <a:ext uri="{FF2B5EF4-FFF2-40B4-BE49-F238E27FC236}">
-                <a16:creationId xmlns:a16="http://schemas.microsoft.com/office/drawing/2014/main" id="{19D22FD8-455C-4E40-BF0A-2C055C37DD90}"/>
+                <a16:creationId xmlns:a16="http://schemas.microsoft.com/office/drawing/2014/main" xmlns="" id="{19D22FD8-455C-4E40-BF0A-2C055C37DD90}"/>
               </a:ext>
             </a:extLst>
           </p:cNvPr>
@@ -2644,7 +2648,7 @@
           <p:cNvPr id="6" name="Content Placeholder 5">
             <a:extLst>
               <a:ext uri="{FF2B5EF4-FFF2-40B4-BE49-F238E27FC236}">
-                <a16:creationId xmlns:a16="http://schemas.microsoft.com/office/drawing/2014/main" id="{5DA918F5-8458-4261-A81C-D7792017416B}"/>
+                <a16:creationId xmlns:a16="http://schemas.microsoft.com/office/drawing/2014/main" xmlns="" id="{5DA918F5-8458-4261-A81C-D7792017416B}"/>
               </a:ext>
             </a:extLst>
           </p:cNvPr>
@@ -2706,7 +2710,7 @@
           <p:cNvPr id="7" name="Date Placeholder 6">
             <a:extLst>
               <a:ext uri="{FF2B5EF4-FFF2-40B4-BE49-F238E27FC236}">
-                <a16:creationId xmlns:a16="http://schemas.microsoft.com/office/drawing/2014/main" id="{A29768BE-081C-4D7B-84DA-258D1BD21702}"/>
+                <a16:creationId xmlns:a16="http://schemas.microsoft.com/office/drawing/2014/main" xmlns="" id="{A29768BE-081C-4D7B-84DA-258D1BD21702}"/>
               </a:ext>
             </a:extLst>
           </p:cNvPr>
@@ -2735,7 +2739,7 @@
           <p:cNvPr id="8" name="Footer Placeholder 7">
             <a:extLst>
               <a:ext uri="{FF2B5EF4-FFF2-40B4-BE49-F238E27FC236}">
-                <a16:creationId xmlns:a16="http://schemas.microsoft.com/office/drawing/2014/main" id="{772AF356-5822-4E2D-A40F-68942C63AB11}"/>
+                <a16:creationId xmlns:a16="http://schemas.microsoft.com/office/drawing/2014/main" xmlns="" id="{772AF356-5822-4E2D-A40F-68942C63AB11}"/>
               </a:ext>
             </a:extLst>
           </p:cNvPr>
@@ -2760,7 +2764,7 @@
           <p:cNvPr id="9" name="Slide Number Placeholder 8">
             <a:extLst>
               <a:ext uri="{FF2B5EF4-FFF2-40B4-BE49-F238E27FC236}">
-                <a16:creationId xmlns:a16="http://schemas.microsoft.com/office/drawing/2014/main" id="{CE2EAFCF-FE8A-4ADD-ACF3-C5E3A9B8FC90}"/>
+                <a16:creationId xmlns:a16="http://schemas.microsoft.com/office/drawing/2014/main" xmlns="" id="{CE2EAFCF-FE8A-4ADD-ACF3-C5E3A9B8FC90}"/>
               </a:ext>
             </a:extLst>
           </p:cNvPr>
@@ -2778,7 +2782,7 @@
           <a:p>
             <a:fld id="{E90B4EE6-832A-4455-A0E8-256062B7E61D}" type="slidenum">
               <a:rPr lang="en-US" smtClean="0"/>
-              <a:t>‹#›</a:t>
+              <a:t>‹N°›</a:t>
             </a:fld>
             <a:endParaRPr lang="en-US"/>
           </a:p>
@@ -2819,7 +2823,7 @@
           <p:cNvPr id="2" name="Title 1">
             <a:extLst>
               <a:ext uri="{FF2B5EF4-FFF2-40B4-BE49-F238E27FC236}">
-                <a16:creationId xmlns:a16="http://schemas.microsoft.com/office/drawing/2014/main" id="{8E624107-501F-45D7-A4B8-DEDC2A0852D7}"/>
+                <a16:creationId xmlns:a16="http://schemas.microsoft.com/office/drawing/2014/main" xmlns="" id="{8E624107-501F-45D7-A4B8-DEDC2A0852D7}"/>
               </a:ext>
             </a:extLst>
           </p:cNvPr>
@@ -2847,7 +2851,7 @@
           <p:cNvPr id="3" name="Date Placeholder 2">
             <a:extLst>
               <a:ext uri="{FF2B5EF4-FFF2-40B4-BE49-F238E27FC236}">
-                <a16:creationId xmlns:a16="http://schemas.microsoft.com/office/drawing/2014/main" id="{7A44E379-05D5-4408-90DA-6DA7EA1AB70F}"/>
+                <a16:creationId xmlns:a16="http://schemas.microsoft.com/office/drawing/2014/main" xmlns="" id="{7A44E379-05D5-4408-90DA-6DA7EA1AB70F}"/>
               </a:ext>
             </a:extLst>
           </p:cNvPr>
@@ -2876,7 +2880,7 @@
           <p:cNvPr id="4" name="Footer Placeholder 3">
             <a:extLst>
               <a:ext uri="{FF2B5EF4-FFF2-40B4-BE49-F238E27FC236}">
-                <a16:creationId xmlns:a16="http://schemas.microsoft.com/office/drawing/2014/main" id="{2E310503-419E-4308-8BB8-B705684BDD44}"/>
+                <a16:creationId xmlns:a16="http://schemas.microsoft.com/office/drawing/2014/main" xmlns="" id="{2E310503-419E-4308-8BB8-B705684BDD44}"/>
               </a:ext>
             </a:extLst>
           </p:cNvPr>
@@ -2901,7 +2905,7 @@
           <p:cNvPr id="5" name="Slide Number Placeholder 4">
             <a:extLst>
               <a:ext uri="{FF2B5EF4-FFF2-40B4-BE49-F238E27FC236}">
-                <a16:creationId xmlns:a16="http://schemas.microsoft.com/office/drawing/2014/main" id="{F41B98EC-28A6-4B82-9FEE-DE4851173E03}"/>
+                <a16:creationId xmlns:a16="http://schemas.microsoft.com/office/drawing/2014/main" xmlns="" id="{F41B98EC-28A6-4B82-9FEE-DE4851173E03}"/>
               </a:ext>
             </a:extLst>
           </p:cNvPr>
@@ -2919,7 +2923,7 @@
           <a:p>
             <a:fld id="{E90B4EE6-832A-4455-A0E8-256062B7E61D}" type="slidenum">
               <a:rPr lang="en-US" smtClean="0"/>
-              <a:t>‹#›</a:t>
+              <a:t>‹N°›</a:t>
             </a:fld>
             <a:endParaRPr lang="en-US"/>
           </a:p>
@@ -2960,7 +2964,7 @@
           <p:cNvPr id="2" name="Date Placeholder 1">
             <a:extLst>
               <a:ext uri="{FF2B5EF4-FFF2-40B4-BE49-F238E27FC236}">
-                <a16:creationId xmlns:a16="http://schemas.microsoft.com/office/drawing/2014/main" id="{728D7F1C-FA4D-420E-A817-8EF8AAFB30E7}"/>
+                <a16:creationId xmlns:a16="http://schemas.microsoft.com/office/drawing/2014/main" xmlns="" id="{728D7F1C-FA4D-420E-A817-8EF8AAFB30E7}"/>
               </a:ext>
             </a:extLst>
           </p:cNvPr>
@@ -2989,7 +2993,7 @@
           <p:cNvPr id="3" name="Footer Placeholder 2">
             <a:extLst>
               <a:ext uri="{FF2B5EF4-FFF2-40B4-BE49-F238E27FC236}">
-                <a16:creationId xmlns:a16="http://schemas.microsoft.com/office/drawing/2014/main" id="{96D21050-7DE7-405B-B576-E7C8CD9B36F8}"/>
+                <a16:creationId xmlns:a16="http://schemas.microsoft.com/office/drawing/2014/main" xmlns="" id="{96D21050-7DE7-405B-B576-E7C8CD9B36F8}"/>
               </a:ext>
             </a:extLst>
           </p:cNvPr>
@@ -3014,7 +3018,7 @@
           <p:cNvPr id="4" name="Slide Number Placeholder 3">
             <a:extLst>
               <a:ext uri="{FF2B5EF4-FFF2-40B4-BE49-F238E27FC236}">
-                <a16:creationId xmlns:a16="http://schemas.microsoft.com/office/drawing/2014/main" id="{656605F2-35DB-4B9A-BE0E-452FAAEA2088}"/>
+                <a16:creationId xmlns:a16="http://schemas.microsoft.com/office/drawing/2014/main" xmlns="" id="{656605F2-35DB-4B9A-BE0E-452FAAEA2088}"/>
               </a:ext>
             </a:extLst>
           </p:cNvPr>
@@ -3032,7 +3036,7 @@
           <a:p>
             <a:fld id="{E90B4EE6-832A-4455-A0E8-256062B7E61D}" type="slidenum">
               <a:rPr lang="en-US" smtClean="0"/>
-              <a:t>‹#›</a:t>
+              <a:t>‹N°›</a:t>
             </a:fld>
             <a:endParaRPr lang="en-US"/>
           </a:p>
@@ -3073,7 +3077,7 @@
           <p:cNvPr id="2" name="Title 1">
             <a:extLst>
               <a:ext uri="{FF2B5EF4-FFF2-40B4-BE49-F238E27FC236}">
-                <a16:creationId xmlns:a16="http://schemas.microsoft.com/office/drawing/2014/main" id="{1153D1AA-88FE-4F17-95D7-C4CA99E0E475}"/>
+                <a16:creationId xmlns:a16="http://schemas.microsoft.com/office/drawing/2014/main" xmlns="" id="{1153D1AA-88FE-4F17-95D7-C4CA99E0E475}"/>
               </a:ext>
             </a:extLst>
           </p:cNvPr>
@@ -3110,7 +3114,7 @@
           <p:cNvPr id="3" name="Content Placeholder 2">
             <a:extLst>
               <a:ext uri="{FF2B5EF4-FFF2-40B4-BE49-F238E27FC236}">
-                <a16:creationId xmlns:a16="http://schemas.microsoft.com/office/drawing/2014/main" id="{B3CA30D2-F010-4582-963F-C5A2305FBB1D}"/>
+                <a16:creationId xmlns:a16="http://schemas.microsoft.com/office/drawing/2014/main" xmlns="" id="{B3CA30D2-F010-4582-963F-C5A2305FBB1D}"/>
               </a:ext>
             </a:extLst>
           </p:cNvPr>
@@ -3200,7 +3204,7 @@
           <p:cNvPr id="4" name="Text Placeholder 3">
             <a:extLst>
               <a:ext uri="{FF2B5EF4-FFF2-40B4-BE49-F238E27FC236}">
-                <a16:creationId xmlns:a16="http://schemas.microsoft.com/office/drawing/2014/main" id="{E2CBA6F8-6D19-4DDA-A3B5-F4CA8C531E84}"/>
+                <a16:creationId xmlns:a16="http://schemas.microsoft.com/office/drawing/2014/main" xmlns="" id="{E2CBA6F8-6D19-4DDA-A3B5-F4CA8C531E84}"/>
               </a:ext>
             </a:extLst>
           </p:cNvPr>
@@ -3271,7 +3275,7 @@
           <p:cNvPr id="5" name="Date Placeholder 4">
             <a:extLst>
               <a:ext uri="{FF2B5EF4-FFF2-40B4-BE49-F238E27FC236}">
-                <a16:creationId xmlns:a16="http://schemas.microsoft.com/office/drawing/2014/main" id="{8595EA55-A261-4955-A940-CA2E1EB4ADEF}"/>
+                <a16:creationId xmlns:a16="http://schemas.microsoft.com/office/drawing/2014/main" xmlns="" id="{8595EA55-A261-4955-A940-CA2E1EB4ADEF}"/>
               </a:ext>
             </a:extLst>
           </p:cNvPr>
@@ -3300,7 +3304,7 @@
           <p:cNvPr id="6" name="Footer Placeholder 5">
             <a:extLst>
               <a:ext uri="{FF2B5EF4-FFF2-40B4-BE49-F238E27FC236}">
-                <a16:creationId xmlns:a16="http://schemas.microsoft.com/office/drawing/2014/main" id="{DEFB2E61-F0ED-4E9A-92DE-1D821AFEA816}"/>
+                <a16:creationId xmlns:a16="http://schemas.microsoft.com/office/drawing/2014/main" xmlns="" id="{DEFB2E61-F0ED-4E9A-92DE-1D821AFEA816}"/>
               </a:ext>
             </a:extLst>
           </p:cNvPr>
@@ -3325,7 +3329,7 @@
           <p:cNvPr id="7" name="Slide Number Placeholder 6">
             <a:extLst>
               <a:ext uri="{FF2B5EF4-FFF2-40B4-BE49-F238E27FC236}">
-                <a16:creationId xmlns:a16="http://schemas.microsoft.com/office/drawing/2014/main" id="{AF011083-B1E6-4F06-A0B3-AA1109E118D2}"/>
+                <a16:creationId xmlns:a16="http://schemas.microsoft.com/office/drawing/2014/main" xmlns="" id="{AF011083-B1E6-4F06-A0B3-AA1109E118D2}"/>
               </a:ext>
             </a:extLst>
           </p:cNvPr>
@@ -3343,7 +3347,7 @@
           <a:p>
             <a:fld id="{E90B4EE6-832A-4455-A0E8-256062B7E61D}" type="slidenum">
               <a:rPr lang="en-US" smtClean="0"/>
-              <a:t>‹#›</a:t>
+              <a:t>‹N°›</a:t>
             </a:fld>
             <a:endParaRPr lang="en-US"/>
           </a:p>
@@ -3384,7 +3388,7 @@
           <p:cNvPr id="2" name="Title 1">
             <a:extLst>
               <a:ext uri="{FF2B5EF4-FFF2-40B4-BE49-F238E27FC236}">
-                <a16:creationId xmlns:a16="http://schemas.microsoft.com/office/drawing/2014/main" id="{7ECE586C-B5DA-4611-BD4B-6DA0960072AD}"/>
+                <a16:creationId xmlns:a16="http://schemas.microsoft.com/office/drawing/2014/main" xmlns="" id="{7ECE586C-B5DA-4611-BD4B-6DA0960072AD}"/>
               </a:ext>
             </a:extLst>
           </p:cNvPr>
@@ -3421,7 +3425,7 @@
           <p:cNvPr id="3" name="Picture Placeholder 2">
             <a:extLst>
               <a:ext uri="{FF2B5EF4-FFF2-40B4-BE49-F238E27FC236}">
-                <a16:creationId xmlns:a16="http://schemas.microsoft.com/office/drawing/2014/main" id="{9A3DC055-F1DF-4AFF-9414-BB450BE32FC9}"/>
+                <a16:creationId xmlns:a16="http://schemas.microsoft.com/office/drawing/2014/main" xmlns="" id="{9A3DC055-F1DF-4AFF-9414-BB450BE32FC9}"/>
               </a:ext>
             </a:extLst>
           </p:cNvPr>
@@ -3488,7 +3492,7 @@
           <p:cNvPr id="4" name="Text Placeholder 3">
             <a:extLst>
               <a:ext uri="{FF2B5EF4-FFF2-40B4-BE49-F238E27FC236}">
-                <a16:creationId xmlns:a16="http://schemas.microsoft.com/office/drawing/2014/main" id="{E80069AA-1402-4E00-B82A-28C4C698AAB0}"/>
+                <a16:creationId xmlns:a16="http://schemas.microsoft.com/office/drawing/2014/main" xmlns="" id="{E80069AA-1402-4E00-B82A-28C4C698AAB0}"/>
               </a:ext>
             </a:extLst>
           </p:cNvPr>
@@ -3559,7 +3563,7 @@
           <p:cNvPr id="5" name="Date Placeholder 4">
             <a:extLst>
               <a:ext uri="{FF2B5EF4-FFF2-40B4-BE49-F238E27FC236}">
-                <a16:creationId xmlns:a16="http://schemas.microsoft.com/office/drawing/2014/main" id="{B1728C35-25A5-47A9-A8D0-0E1D77338D61}"/>
+                <a16:creationId xmlns:a16="http://schemas.microsoft.com/office/drawing/2014/main" xmlns="" id="{B1728C35-25A5-47A9-A8D0-0E1D77338D61}"/>
               </a:ext>
             </a:extLst>
           </p:cNvPr>
@@ -3588,7 +3592,7 @@
           <p:cNvPr id="6" name="Footer Placeholder 5">
             <a:extLst>
               <a:ext uri="{FF2B5EF4-FFF2-40B4-BE49-F238E27FC236}">
-                <a16:creationId xmlns:a16="http://schemas.microsoft.com/office/drawing/2014/main" id="{C4FD86A7-6C34-4A91-B9C7-81B7B12D819D}"/>
+                <a16:creationId xmlns:a16="http://schemas.microsoft.com/office/drawing/2014/main" xmlns="" id="{C4FD86A7-6C34-4A91-B9C7-81B7B12D819D}"/>
               </a:ext>
             </a:extLst>
           </p:cNvPr>
@@ -3613,7 +3617,7 @@
           <p:cNvPr id="7" name="Slide Number Placeholder 6">
             <a:extLst>
               <a:ext uri="{FF2B5EF4-FFF2-40B4-BE49-F238E27FC236}">
-                <a16:creationId xmlns:a16="http://schemas.microsoft.com/office/drawing/2014/main" id="{38B27316-0CF5-4999-9B89-9F2F005954B9}"/>
+                <a16:creationId xmlns:a16="http://schemas.microsoft.com/office/drawing/2014/main" xmlns="" id="{38B27316-0CF5-4999-9B89-9F2F005954B9}"/>
               </a:ext>
             </a:extLst>
           </p:cNvPr>
@@ -3631,7 +3635,7 @@
           <a:p>
             <a:fld id="{E90B4EE6-832A-4455-A0E8-256062B7E61D}" type="slidenum">
               <a:rPr lang="en-US" smtClean="0"/>
-              <a:t>‹#›</a:t>
+              <a:t>‹N°›</a:t>
             </a:fld>
             <a:endParaRPr lang="en-US"/>
           </a:p>
@@ -3677,7 +3681,7 @@
           <p:cNvPr id="2" name="Title Placeholder 1">
             <a:extLst>
               <a:ext uri="{FF2B5EF4-FFF2-40B4-BE49-F238E27FC236}">
-                <a16:creationId xmlns:a16="http://schemas.microsoft.com/office/drawing/2014/main" id="{9DE62B2E-65B8-4903-BEA2-D5F93D68B41C}"/>
+                <a16:creationId xmlns:a16="http://schemas.microsoft.com/office/drawing/2014/main" xmlns="" id="{9DE62B2E-65B8-4903-BEA2-D5F93D68B41C}"/>
               </a:ext>
             </a:extLst>
           </p:cNvPr>
@@ -3715,7 +3719,7 @@
           <p:cNvPr id="3" name="Text Placeholder 2">
             <a:extLst>
               <a:ext uri="{FF2B5EF4-FFF2-40B4-BE49-F238E27FC236}">
-                <a16:creationId xmlns:a16="http://schemas.microsoft.com/office/drawing/2014/main" id="{924C27DE-3C34-4851-8A03-790BC224042F}"/>
+                <a16:creationId xmlns:a16="http://schemas.microsoft.com/office/drawing/2014/main" xmlns="" id="{924C27DE-3C34-4851-8A03-790BC224042F}"/>
               </a:ext>
             </a:extLst>
           </p:cNvPr>
@@ -3782,7 +3786,7 @@
           <p:cNvPr id="4" name="Date Placeholder 3">
             <a:extLst>
               <a:ext uri="{FF2B5EF4-FFF2-40B4-BE49-F238E27FC236}">
-                <a16:creationId xmlns:a16="http://schemas.microsoft.com/office/drawing/2014/main" id="{56755826-7D96-4B2B-B335-D170E4D2ADCB}"/>
+                <a16:creationId xmlns:a16="http://schemas.microsoft.com/office/drawing/2014/main" xmlns="" id="{56755826-7D96-4B2B-B335-D170E4D2ADCB}"/>
               </a:ext>
             </a:extLst>
           </p:cNvPr>
@@ -3829,7 +3833,7 @@
           <p:cNvPr id="5" name="Footer Placeholder 4">
             <a:extLst>
               <a:ext uri="{FF2B5EF4-FFF2-40B4-BE49-F238E27FC236}">
-                <a16:creationId xmlns:a16="http://schemas.microsoft.com/office/drawing/2014/main" id="{EE424111-E5A1-4D26-98F6-4E1404CCB4F6}"/>
+                <a16:creationId xmlns:a16="http://schemas.microsoft.com/office/drawing/2014/main" xmlns="" id="{EE424111-E5A1-4D26-98F6-4E1404CCB4F6}"/>
               </a:ext>
             </a:extLst>
           </p:cNvPr>
@@ -3872,7 +3876,7 @@
           <p:cNvPr id="6" name="Slide Number Placeholder 5">
             <a:extLst>
               <a:ext uri="{FF2B5EF4-FFF2-40B4-BE49-F238E27FC236}">
-                <a16:creationId xmlns:a16="http://schemas.microsoft.com/office/drawing/2014/main" id="{703F543F-736F-4992-B07A-26CD75B8F42A}"/>
+                <a16:creationId xmlns:a16="http://schemas.microsoft.com/office/drawing/2014/main" xmlns="" id="{703F543F-736F-4992-B07A-26CD75B8F42A}"/>
               </a:ext>
             </a:extLst>
           </p:cNvPr>
@@ -3908,7 +3912,7 @@
           <a:p>
             <a:fld id="{E90B4EE6-832A-4455-A0E8-256062B7E61D}" type="slidenum">
               <a:rPr lang="en-US" smtClean="0"/>
-              <a:t>‹#›</a:t>
+              <a:t>‹N°›</a:t>
             </a:fld>
             <a:endParaRPr lang="en-US"/>
           </a:p>
@@ -4248,7 +4252,7 @@
           <p:cNvPr id="2061" name="Picture 2060" descr="A picture containing computer, sitting, dark, computer&#10;&#10;Description automatically generated">
             <a:extLst>
               <a:ext uri="{FF2B5EF4-FFF2-40B4-BE49-F238E27FC236}">
-                <a16:creationId xmlns:a16="http://schemas.microsoft.com/office/drawing/2014/main" id="{D5D0632C-9966-4876-8358-E443D87A54E6}"/>
+                <a16:creationId xmlns:a16="http://schemas.microsoft.com/office/drawing/2014/main" xmlns="" id="{D5D0632C-9966-4876-8358-E443D87A54E6}"/>
               </a:ext>
             </a:extLst>
           </p:cNvPr>
@@ -4284,7 +4288,7 @@
           <p:cNvPr id="22" name="Rectangle 21">
             <a:extLst>
               <a:ext uri="{FF2B5EF4-FFF2-40B4-BE49-F238E27FC236}">
-                <a16:creationId xmlns:a16="http://schemas.microsoft.com/office/drawing/2014/main" id="{DA00872A-024C-4AA7-9351-5188D1F15D86}"/>
+                <a16:creationId xmlns:a16="http://schemas.microsoft.com/office/drawing/2014/main" xmlns="" id="{DA00872A-024C-4AA7-9351-5188D1F15D86}"/>
               </a:ext>
             </a:extLst>
           </p:cNvPr>
@@ -4339,7 +4343,7 @@
           <p:cNvPr id="3" name="Rectangle 2">
             <a:extLst>
               <a:ext uri="{FF2B5EF4-FFF2-40B4-BE49-F238E27FC236}">
-                <a16:creationId xmlns:a16="http://schemas.microsoft.com/office/drawing/2014/main" id="{44758A41-D956-4A9D-86D3-27DC35014B55}"/>
+                <a16:creationId xmlns:a16="http://schemas.microsoft.com/office/drawing/2014/main" xmlns="" id="{44758A41-D956-4A9D-86D3-27DC35014B55}"/>
               </a:ext>
             </a:extLst>
           </p:cNvPr>
@@ -4391,7 +4395,7 @@
           <p:cNvPr id="2" name="Picture 1" descr="A close up of a logo&#10;&#10;Description automatically generated">
             <a:extLst>
               <a:ext uri="{FF2B5EF4-FFF2-40B4-BE49-F238E27FC236}">
-                <a16:creationId xmlns:a16="http://schemas.microsoft.com/office/drawing/2014/main" id="{148A4CA5-114C-44CD-B175-E3231477B3CA}"/>
+                <a16:creationId xmlns:a16="http://schemas.microsoft.com/office/drawing/2014/main" xmlns="" id="{148A4CA5-114C-44CD-B175-E3231477B3CA}"/>
               </a:ext>
             </a:extLst>
           </p:cNvPr>
@@ -4427,7 +4431,7 @@
           <p:cNvPr id="18" name="Graphic 17">
             <a:extLst>
               <a:ext uri="{FF2B5EF4-FFF2-40B4-BE49-F238E27FC236}">
-                <a16:creationId xmlns:a16="http://schemas.microsoft.com/office/drawing/2014/main" id="{B294849B-3AA5-41A8-8E0E-31C068B40E0D}"/>
+                <a16:creationId xmlns:a16="http://schemas.microsoft.com/office/drawing/2014/main" xmlns="" id="{B294849B-3AA5-41A8-8E0E-31C068B40E0D}"/>
               </a:ext>
             </a:extLst>
           </p:cNvPr>
@@ -4443,7 +4447,7 @@
                 <a14:useLocalDpi xmlns:a14="http://schemas.microsoft.com/office/drawing/2010/main" val="0"/>
               </a:ext>
               <a:ext uri="{96DAC541-7B7A-43D3-8B79-37D633B846F1}">
-                <asvg:svgBlip xmlns:asvg="http://schemas.microsoft.com/office/drawing/2016/SVG/main" r:embed="rId6"/>
+                <asvg:svgBlip xmlns:asvg="http://schemas.microsoft.com/office/drawing/2016/SVG/main" xmlns="" r:embed="rId6"/>
               </a:ext>
             </a:extLst>
           </a:blip>
@@ -4465,7 +4469,7 @@
           <p:cNvPr id="19" name="Picture 18" descr="A close up of a logo&#10;&#10;Description automatically generated">
             <a:extLst>
               <a:ext uri="{FF2B5EF4-FFF2-40B4-BE49-F238E27FC236}">
-                <a16:creationId xmlns:a16="http://schemas.microsoft.com/office/drawing/2014/main" id="{DE310AFD-E005-4F0F-A7A3-651347DEB364}"/>
+                <a16:creationId xmlns:a16="http://schemas.microsoft.com/office/drawing/2014/main" xmlns="" id="{DE310AFD-E005-4F0F-A7A3-651347DEB364}"/>
               </a:ext>
             </a:extLst>
           </p:cNvPr>
@@ -4501,7 +4505,7 @@
           <p:cNvPr id="20" name="Picture 19" descr="A close up of a logo&#10;&#10;Description automatically generated">
             <a:extLst>
               <a:ext uri="{FF2B5EF4-FFF2-40B4-BE49-F238E27FC236}">
-                <a16:creationId xmlns:a16="http://schemas.microsoft.com/office/drawing/2014/main" id="{3FE3DF3C-BD29-4CC6-9323-58564DFA2D0D}"/>
+                <a16:creationId xmlns:a16="http://schemas.microsoft.com/office/drawing/2014/main" xmlns="" id="{3FE3DF3C-BD29-4CC6-9323-58564DFA2D0D}"/>
               </a:ext>
             </a:extLst>
           </p:cNvPr>
@@ -4537,7 +4541,7 @@
           <p:cNvPr id="21" name="TextBox 20">
             <a:extLst>
               <a:ext uri="{FF2B5EF4-FFF2-40B4-BE49-F238E27FC236}">
-                <a16:creationId xmlns:a16="http://schemas.microsoft.com/office/drawing/2014/main" id="{373B7BFB-9EC9-45C0-B162-FC63EB14F34D}"/>
+                <a16:creationId xmlns:a16="http://schemas.microsoft.com/office/drawing/2014/main" xmlns="" id="{373B7BFB-9EC9-45C0-B162-FC63EB14F34D}"/>
               </a:ext>
             </a:extLst>
           </p:cNvPr>
@@ -4582,7 +4586,7 @@
           <p:cNvPr id="5" name="Rectangle 4">
             <a:extLst>
               <a:ext uri="{FF2B5EF4-FFF2-40B4-BE49-F238E27FC236}">
-                <a16:creationId xmlns:a16="http://schemas.microsoft.com/office/drawing/2014/main" id="{73F3983B-D723-43BC-9674-C4F5FC89EDA4}"/>
+                <a16:creationId xmlns:a16="http://schemas.microsoft.com/office/drawing/2014/main" xmlns="" id="{73F3983B-D723-43BC-9674-C4F5FC89EDA4}"/>
               </a:ext>
             </a:extLst>
           </p:cNvPr>
@@ -4634,7 +4638,7 @@
           <p:cNvPr id="6" name="TextBox 5">
             <a:extLst>
               <a:ext uri="{FF2B5EF4-FFF2-40B4-BE49-F238E27FC236}">
-                <a16:creationId xmlns:a16="http://schemas.microsoft.com/office/drawing/2014/main" id="{FC488D3B-6AAE-4AE0-8EC5-8137E4372930}"/>
+                <a16:creationId xmlns:a16="http://schemas.microsoft.com/office/drawing/2014/main" xmlns="" id="{FC488D3B-6AAE-4AE0-8EC5-8137E4372930}"/>
               </a:ext>
             </a:extLst>
           </p:cNvPr>
@@ -4721,7 +4725,7 @@
           <p:cNvPr id="53" name="TextBox 52">
             <a:extLst>
               <a:ext uri="{FF2B5EF4-FFF2-40B4-BE49-F238E27FC236}">
-                <a16:creationId xmlns:a16="http://schemas.microsoft.com/office/drawing/2014/main" id="{689D7BB0-D4C0-4982-A37D-1738AD6C6BDD}"/>
+                <a16:creationId xmlns:a16="http://schemas.microsoft.com/office/drawing/2014/main" xmlns="" id="{689D7BB0-D4C0-4982-A37D-1738AD6C6BDD}"/>
               </a:ext>
             </a:extLst>
           </p:cNvPr>
@@ -4762,7 +4766,7 @@
           <p:cNvPr id="4" name="Rectangle 3">
             <a:extLst>
               <a:ext uri="{FF2B5EF4-FFF2-40B4-BE49-F238E27FC236}">
-                <a16:creationId xmlns:a16="http://schemas.microsoft.com/office/drawing/2014/main" id="{0B493696-939F-4054-9AFA-41717E6486DF}"/>
+                <a16:creationId xmlns:a16="http://schemas.microsoft.com/office/drawing/2014/main" xmlns="" id="{0B493696-939F-4054-9AFA-41717E6486DF}"/>
               </a:ext>
             </a:extLst>
           </p:cNvPr>
@@ -4816,7 +4820,7 @@
           <p:cNvPr id="8" name="TextBox 7">
             <a:extLst>
               <a:ext uri="{FF2B5EF4-FFF2-40B4-BE49-F238E27FC236}">
-                <a16:creationId xmlns:a16="http://schemas.microsoft.com/office/drawing/2014/main" id="{B3428249-9057-4654-AF55-51618D5019AD}"/>
+                <a16:creationId xmlns:a16="http://schemas.microsoft.com/office/drawing/2014/main" xmlns="" id="{B3428249-9057-4654-AF55-51618D5019AD}"/>
               </a:ext>
             </a:extLst>
           </p:cNvPr>
@@ -4921,7 +4925,7 @@
           <p:cNvPr id="12" name="Shape 5020">
             <a:extLst>
               <a:ext uri="{FF2B5EF4-FFF2-40B4-BE49-F238E27FC236}">
-                <a16:creationId xmlns:a16="http://schemas.microsoft.com/office/drawing/2014/main" id="{FF8FD453-26E4-49E6-8B8C-BB54335C53E8}"/>
+                <a16:creationId xmlns:a16="http://schemas.microsoft.com/office/drawing/2014/main" xmlns="" id="{FF8FD453-26E4-49E6-8B8C-BB54335C53E8}"/>
               </a:ext>
             </a:extLst>
           </p:cNvPr>
@@ -5198,7 +5202,7 @@
           <p:cNvPr id="14" name="Freeform 18">
             <a:extLst>
               <a:ext uri="{FF2B5EF4-FFF2-40B4-BE49-F238E27FC236}">
-                <a16:creationId xmlns:a16="http://schemas.microsoft.com/office/drawing/2014/main" id="{5B5EB228-D146-4571-95D5-B59DAA7A4BBA}"/>
+                <a16:creationId xmlns:a16="http://schemas.microsoft.com/office/drawing/2014/main" xmlns="" id="{5B5EB228-D146-4571-95D5-B59DAA7A4BBA}"/>
               </a:ext>
             </a:extLst>
           </p:cNvPr>
@@ -5500,722 +5504,7 @@
 </p:sld>
 </file>
 
-<file path=ppt/slides/slide2.xml><?xml version="1.0" encoding="utf-8"?>
-<p:sld xmlns:a="http://schemas.openxmlformats.org/drawingml/2006/main" xmlns:r="http://schemas.openxmlformats.org/officeDocument/2006/relationships" xmlns:p="http://schemas.openxmlformats.org/presentationml/2006/main">
-  <p:cSld>
-    <p:bg>
-      <p:bgPr>
-        <a:solidFill>
-          <a:schemeClr val="bg1"/>
-        </a:solidFill>
-        <a:effectLst/>
-      </p:bgPr>
-    </p:bg>
-    <p:spTree>
-      <p:nvGrpSpPr>
-        <p:cNvPr id="1" name=""/>
-        <p:cNvGrpSpPr/>
-        <p:nvPr/>
-      </p:nvGrpSpPr>
-      <p:grpSpPr>
-        <a:xfrm>
-          <a:off x="0" y="0"/>
-          <a:ext cx="0" cy="0"/>
-          <a:chOff x="0" y="0"/>
-          <a:chExt cx="0" cy="0"/>
-        </a:xfrm>
-      </p:grpSpPr>
-      <p:sp>
-        <p:nvSpPr>
-          <p:cNvPr id="2" name="Titre 1"/>
-          <p:cNvSpPr>
-            <a:spLocks noGrp="1"/>
-          </p:cNvSpPr>
-          <p:nvPr>
-            <p:ph type="title"/>
-          </p:nvPr>
-        </p:nvSpPr>
-        <p:spPr/>
-        <p:txBody>
-          <a:bodyPr/>
-          <a:lstStyle/>
-          <a:p>
-            <a:pPr algn="ctr"/>
-            <a:r>
-              <a:rPr lang="en-US" dirty="0">
-                <a:latin typeface="Raleway"/>
-              </a:rPr>
-              <a:t>Deploying a Practical YAML Build Pipeline for AKS</a:t>
-            </a:r>
-            <a:endParaRPr lang="fr-BE" dirty="0">
-              <a:latin typeface="Raleway"/>
-            </a:endParaRPr>
-          </a:p>
-        </p:txBody>
-      </p:sp>
-      <p:sp>
-        <p:nvSpPr>
-          <p:cNvPr id="3" name="Espace réservé du contenu 2"/>
-          <p:cNvSpPr>
-            <a:spLocks noGrp="1"/>
-          </p:cNvSpPr>
-          <p:nvPr>
-            <p:ph idx="1"/>
-          </p:nvPr>
-        </p:nvSpPr>
-        <p:spPr>
-          <a:xfrm>
-            <a:off x="442546" y="2203694"/>
-            <a:ext cx="10515600" cy="4351338"/>
-          </a:xfrm>
-        </p:spPr>
-        <p:txBody>
-          <a:bodyPr/>
-          <a:lstStyle/>
-          <a:p>
-            <a:pPr marL="0" indent="0">
-              <a:buNone/>
-            </a:pPr>
-            <a:endParaRPr lang="fr-BE" dirty="0"/>
-          </a:p>
-          <a:p>
-            <a:pPr marL="0" indent="0">
-              <a:buNone/>
-            </a:pPr>
-            <a:r>
-              <a:rPr lang="fr-BE" dirty="0" err="1">
-                <a:latin typeface="Raleway"/>
-              </a:rPr>
-              <a:t>Presentation</a:t>
-            </a:r>
-            <a:r>
-              <a:rPr lang="fr-BE" dirty="0">
-                <a:latin typeface="Raleway"/>
-              </a:rPr>
-              <a:t> Content:</a:t>
-            </a:r>
-          </a:p>
-          <a:p>
-            <a:pPr marL="0" indent="0">
-              <a:buNone/>
-            </a:pPr>
-            <a:r>
-              <a:rPr lang="fr-BE" sz="1400" dirty="0">
-                <a:latin typeface="Raleway"/>
-                <a:hlinkClick r:id="rId2"/>
-              </a:rPr>
-              <a:t>https://github.com/starkfell/iam-conf-2020-aks-practical-yaml</a:t>
-            </a:r>
-            <a:endParaRPr lang="fr-BE" sz="1400" dirty="0">
-              <a:latin typeface="Raleway"/>
-            </a:endParaRPr>
-          </a:p>
-          <a:p>
-            <a:pPr marL="0" indent="0">
-              <a:buNone/>
-            </a:pPr>
-            <a:endParaRPr lang="fr-BE" dirty="0">
-              <a:latin typeface="Raleway"/>
-            </a:endParaRPr>
-          </a:p>
-          <a:p>
-            <a:pPr marL="0" indent="0">
-              <a:buNone/>
-            </a:pPr>
-            <a:r>
-              <a:rPr lang="fr-BE" dirty="0" err="1">
-                <a:latin typeface="Raleway"/>
-              </a:rPr>
-              <a:t>Additional</a:t>
-            </a:r>
-            <a:r>
-              <a:rPr lang="fr-BE" dirty="0">
-                <a:latin typeface="Raleway"/>
-              </a:rPr>
-              <a:t> Link(s):</a:t>
-            </a:r>
-          </a:p>
-          <a:p>
-            <a:pPr marL="0" indent="0">
-              <a:buNone/>
-            </a:pPr>
-            <a:r>
-              <a:rPr lang="fr-BE" sz="1400" dirty="0">
-                <a:latin typeface="Raleway"/>
-                <a:hlinkClick r:id="rId3"/>
-              </a:rPr>
-              <a:t>https://github.com/starkfell/100DaysOfIaC/blob/master/articles/day.59.one.service.principal.to.rule.them.all.md</a:t>
-            </a:r>
-            <a:endParaRPr lang="fr-BE" sz="1400" dirty="0">
-              <a:latin typeface="Raleway"/>
-            </a:endParaRPr>
-          </a:p>
-          <a:p>
-            <a:pPr marL="0" indent="0">
-              <a:buNone/>
-            </a:pPr>
-            <a:endParaRPr lang="fr-BE" dirty="0">
-              <a:latin typeface="Raleway"/>
-            </a:endParaRPr>
-          </a:p>
-        </p:txBody>
-      </p:sp>
-    </p:spTree>
-    <p:extLst>
-      <p:ext uri="{BB962C8B-B14F-4D97-AF65-F5344CB8AC3E}">
-        <p14:creationId xmlns:p14="http://schemas.microsoft.com/office/powerpoint/2010/main" val="3642995535"/>
-      </p:ext>
-    </p:extLst>
-  </p:cSld>
-  <p:clrMapOvr>
-    <a:masterClrMapping/>
-  </p:clrMapOvr>
-</p:sld>
-</file>
-
-<file path=ppt/slides/slide3.xml><?xml version="1.0" encoding="utf-8"?>
-<p:sld xmlns:a="http://schemas.openxmlformats.org/drawingml/2006/main" xmlns:r="http://schemas.openxmlformats.org/officeDocument/2006/relationships" xmlns:p="http://schemas.openxmlformats.org/presentationml/2006/main">
-  <p:cSld>
-    <p:spTree>
-      <p:nvGrpSpPr>
-        <p:cNvPr id="1" name=""/>
-        <p:cNvGrpSpPr/>
-        <p:nvPr/>
-      </p:nvGrpSpPr>
-      <p:grpSpPr>
-        <a:xfrm>
-          <a:off x="0" y="0"/>
-          <a:ext cx="0" cy="0"/>
-          <a:chOff x="0" y="0"/>
-          <a:chExt cx="0" cy="0"/>
-        </a:xfrm>
-      </p:grpSpPr>
-      <p:sp>
-        <p:nvSpPr>
-          <p:cNvPr id="3" name="Espace réservé du contenu 2"/>
-          <p:cNvSpPr>
-            <a:spLocks noGrp="1"/>
-          </p:cNvSpPr>
-          <p:nvPr>
-            <p:ph idx="1"/>
-          </p:nvPr>
-        </p:nvSpPr>
-        <p:spPr>
-          <a:xfrm>
-            <a:off x="689811" y="765944"/>
-            <a:ext cx="10663989" cy="5411020"/>
-          </a:xfrm>
-        </p:spPr>
-        <p:txBody>
-          <a:bodyPr>
-            <a:normAutofit lnSpcReduction="10000"/>
-          </a:bodyPr>
-          <a:lstStyle/>
-          <a:p>
-            <a:pPr marL="0" indent="0">
-              <a:buNone/>
-            </a:pPr>
-            <a:r>
-              <a:rPr lang="fr-BE" sz="3200" dirty="0">
-                <a:latin typeface="Raleway"/>
-              </a:rPr>
-              <a:t>Ryan </a:t>
-            </a:r>
-            <a:r>
-              <a:rPr lang="fr-BE" sz="3200" dirty="0" err="1">
-                <a:latin typeface="Raleway"/>
-              </a:rPr>
-              <a:t>Irujo</a:t>
-            </a:r>
-            <a:br>
-              <a:rPr lang="fr-BE" sz="3200" dirty="0">
-                <a:latin typeface="Raleway"/>
-              </a:rPr>
-            </a:br>
-            <a:endParaRPr lang="fr-BE" sz="3200" dirty="0">
-              <a:latin typeface="Raleway"/>
-            </a:endParaRPr>
-          </a:p>
-          <a:p>
-            <a:pPr>
-              <a:buSzPct val="90000"/>
-              <a:buFont typeface="Wingdings" panose="05000000000000000000" pitchFamily="2" charset="2"/>
-              <a:buChar char="§"/>
-            </a:pPr>
-            <a:r>
-              <a:rPr lang="fr-BE" sz="2400" dirty="0">
-                <a:latin typeface="Raleway"/>
-              </a:rPr>
-              <a:t>Principal consultant at </a:t>
-            </a:r>
-            <a:r>
-              <a:rPr lang="fr-BE" sz="2400" dirty="0" err="1">
-                <a:latin typeface="Raleway"/>
-              </a:rPr>
-              <a:t>Innofactor</a:t>
-            </a:r>
-            <a:r>
-              <a:rPr lang="fr-BE" sz="2400" dirty="0">
-                <a:latin typeface="Raleway"/>
-              </a:rPr>
-              <a:t> Norge</a:t>
-            </a:r>
-          </a:p>
-          <a:p>
-            <a:pPr>
-              <a:buSzPct val="90000"/>
-              <a:buFont typeface="Wingdings" panose="05000000000000000000" pitchFamily="2" charset="2"/>
-              <a:buChar char="§"/>
-            </a:pPr>
-            <a:r>
-              <a:rPr lang="en-US" sz="2400" dirty="0">
-                <a:latin typeface="Raleway"/>
-              </a:rPr>
-              <a:t>Specializes in Architecting and deploying customized </a:t>
-            </a:r>
-            <a:br>
-              <a:rPr lang="en-US" sz="2400" dirty="0">
-                <a:latin typeface="Raleway"/>
-              </a:rPr>
-            </a:br>
-            <a:r>
-              <a:rPr lang="en-US" sz="2400" dirty="0">
-                <a:latin typeface="Raleway"/>
-              </a:rPr>
-              <a:t>solutions in the Azure Cloud, with particular focus on </a:t>
-            </a:r>
-            <a:br>
-              <a:rPr lang="en-US" sz="2400" dirty="0">
-                <a:latin typeface="Raleway"/>
-              </a:rPr>
-            </a:br>
-            <a:r>
-              <a:rPr lang="en-US" sz="2400" dirty="0">
-                <a:latin typeface="Raleway"/>
-              </a:rPr>
-              <a:t>Automation and Kubernetes</a:t>
-            </a:r>
-            <a:endParaRPr lang="fr-BE" sz="2400" dirty="0">
-              <a:latin typeface="Raleway"/>
-            </a:endParaRPr>
-          </a:p>
-          <a:p>
-            <a:pPr marL="0" indent="0">
-              <a:buNone/>
-            </a:pPr>
-            <a:endParaRPr lang="fr-BE" dirty="0">
-              <a:latin typeface="Raleway"/>
-            </a:endParaRPr>
-          </a:p>
-          <a:p>
-            <a:pPr marL="0" indent="0">
-              <a:buNone/>
-            </a:pPr>
-            <a:r>
-              <a:rPr lang="fr-BE" sz="3200" dirty="0">
-                <a:latin typeface="Raleway"/>
-              </a:rPr>
-              <a:t>Marie Yerna</a:t>
-            </a:r>
-          </a:p>
-          <a:p>
-            <a:pPr marL="0" indent="0">
-              <a:buNone/>
-            </a:pPr>
-            <a:endParaRPr lang="fr-BE" sz="3200" dirty="0">
-              <a:latin typeface="Raleway"/>
-            </a:endParaRPr>
-          </a:p>
-          <a:p>
-            <a:pPr>
-              <a:buSzPct val="90000"/>
-              <a:buFont typeface="Wingdings" panose="05000000000000000000" pitchFamily="2" charset="2"/>
-              <a:buChar char="§"/>
-            </a:pPr>
-            <a:r>
-              <a:rPr lang="fr-BE" sz="2400" dirty="0">
-                <a:latin typeface="Raleway"/>
-              </a:rPr>
-              <a:t>Junior Consultant at </a:t>
-            </a:r>
-            <a:r>
-              <a:rPr lang="fr-BE" sz="2400" dirty="0" err="1">
-                <a:latin typeface="Raleway"/>
-              </a:rPr>
-              <a:t>Innofactor</a:t>
-            </a:r>
-            <a:r>
-              <a:rPr lang="fr-BE" sz="2400" dirty="0">
-                <a:latin typeface="Raleway"/>
-              </a:rPr>
-              <a:t> Norge</a:t>
-            </a:r>
-          </a:p>
-          <a:p>
-            <a:pPr>
-              <a:buSzPct val="90000"/>
-              <a:buFont typeface="Wingdings" panose="05000000000000000000" pitchFamily="2" charset="2"/>
-              <a:buChar char="§"/>
-            </a:pPr>
-            <a:r>
-              <a:rPr lang="fr-BE" dirty="0">
-                <a:latin typeface="Raleway"/>
-              </a:rPr>
-              <a:t> </a:t>
-            </a:r>
-            <a:r>
-              <a:rPr lang="fr-BE" sz="2400" dirty="0">
-                <a:latin typeface="Raleway"/>
-              </a:rPr>
-              <a:t>Focus on </a:t>
-            </a:r>
-            <a:r>
-              <a:rPr lang="fr-BE" sz="2400" dirty="0" err="1">
-                <a:latin typeface="Raleway"/>
-              </a:rPr>
-              <a:t>technical</a:t>
-            </a:r>
-            <a:r>
-              <a:rPr lang="fr-BE" sz="2400" dirty="0">
-                <a:latin typeface="Raleway"/>
-              </a:rPr>
-              <a:t> documentation, automation and </a:t>
-            </a:r>
-            <a:br>
-              <a:rPr lang="fr-BE" sz="2400" dirty="0">
-                <a:latin typeface="Raleway"/>
-              </a:rPr>
-            </a:br>
-            <a:r>
-              <a:rPr lang="fr-BE" sz="2400" dirty="0" err="1">
-                <a:latin typeface="Raleway"/>
-              </a:rPr>
-              <a:t>Kubernetes</a:t>
-            </a:r>
-            <a:r>
-              <a:rPr lang="fr-BE" sz="2400" dirty="0">
-                <a:latin typeface="Raleway"/>
-              </a:rPr>
-              <a:t> in Azure</a:t>
-            </a:r>
-          </a:p>
-          <a:p>
-            <a:pPr marL="0" indent="0">
-              <a:buSzPct val="90000"/>
-              <a:buNone/>
-            </a:pPr>
-            <a:endParaRPr lang="fr-BE" dirty="0">
-              <a:latin typeface="Raleway"/>
-            </a:endParaRPr>
-          </a:p>
-          <a:p>
-            <a:pPr>
-              <a:buFont typeface="Wingdings" panose="05000000000000000000" pitchFamily="2" charset="2"/>
-              <a:buChar char="§"/>
-            </a:pPr>
-            <a:endParaRPr lang="fr-BE" dirty="0"/>
-          </a:p>
-        </p:txBody>
-      </p:sp>
-      <p:pic>
-        <p:nvPicPr>
-          <p:cNvPr id="7" name="Image 6"/>
-          <p:cNvPicPr>
-            <a:picLocks noChangeAspect="1"/>
-          </p:cNvPicPr>
-          <p:nvPr/>
-        </p:nvPicPr>
-        <p:blipFill>
-          <a:blip r:embed="rId2">
-            <a:extLst>
-              <a:ext uri="{28A0092B-C50C-407E-A947-70E740481C1C}">
-                <a14:useLocalDpi xmlns:a14="http://schemas.microsoft.com/office/drawing/2010/main" val="0"/>
-              </a:ext>
-            </a:extLst>
-          </a:blip>
-          <a:stretch>
-            <a:fillRect/>
-          </a:stretch>
-        </p:blipFill>
-        <p:spPr>
-          <a:xfrm>
-            <a:off x="9267620" y="3952568"/>
-            <a:ext cx="2339360" cy="2339360"/>
-          </a:xfrm>
-          <a:prstGeom prst="rect">
-            <a:avLst/>
-          </a:prstGeom>
-        </p:spPr>
-      </p:pic>
-      <p:pic>
-        <p:nvPicPr>
-          <p:cNvPr id="5" name="Image 4"/>
-          <p:cNvPicPr>
-            <a:picLocks noChangeAspect="1"/>
-          </p:cNvPicPr>
-          <p:nvPr/>
-        </p:nvPicPr>
-        <p:blipFill>
-          <a:blip r:embed="rId3">
-            <a:extLst>
-              <a:ext uri="{28A0092B-C50C-407E-A947-70E740481C1C}">
-                <a14:useLocalDpi xmlns:a14="http://schemas.microsoft.com/office/drawing/2010/main" val="0"/>
-              </a:ext>
-            </a:extLst>
-          </a:blip>
-          <a:stretch>
-            <a:fillRect/>
-          </a:stretch>
-        </p:blipFill>
-        <p:spPr>
-          <a:xfrm>
-            <a:off x="9411999" y="765943"/>
-            <a:ext cx="2339360" cy="2339360"/>
-          </a:xfrm>
-          <a:prstGeom prst="rect">
-            <a:avLst/>
-          </a:prstGeom>
-        </p:spPr>
-      </p:pic>
-    </p:spTree>
-    <p:extLst>
-      <p:ext uri="{BB962C8B-B14F-4D97-AF65-F5344CB8AC3E}">
-        <p14:creationId xmlns:p14="http://schemas.microsoft.com/office/powerpoint/2010/main" val="3690507955"/>
-      </p:ext>
-    </p:extLst>
-  </p:cSld>
-  <p:clrMapOvr>
-    <a:masterClrMapping/>
-  </p:clrMapOvr>
-</p:sld>
-</file>
-
-<file path=ppt/slides/slide4.xml><?xml version="1.0" encoding="utf-8"?>
-<p:sld xmlns:a="http://schemas.openxmlformats.org/drawingml/2006/main" xmlns:r="http://schemas.openxmlformats.org/officeDocument/2006/relationships" xmlns:p="http://schemas.openxmlformats.org/presentationml/2006/main">
-  <p:cSld>
-    <p:spTree>
-      <p:nvGrpSpPr>
-        <p:cNvPr id="1" name=""/>
-        <p:cNvGrpSpPr/>
-        <p:nvPr/>
-      </p:nvGrpSpPr>
-      <p:grpSpPr>
-        <a:xfrm>
-          <a:off x="0" y="0"/>
-          <a:ext cx="0" cy="0"/>
-          <a:chOff x="0" y="0"/>
-          <a:chExt cx="0" cy="0"/>
-        </a:xfrm>
-      </p:grpSpPr>
-      <p:sp>
-        <p:nvSpPr>
-          <p:cNvPr id="2" name="Titre 1"/>
-          <p:cNvSpPr>
-            <a:spLocks noGrp="1"/>
-          </p:cNvSpPr>
-          <p:nvPr>
-            <p:ph type="title"/>
-          </p:nvPr>
-        </p:nvSpPr>
-        <p:spPr>
-          <a:xfrm>
-            <a:off x="838200" y="365126"/>
-            <a:ext cx="156411" cy="100096"/>
-          </a:xfrm>
-        </p:spPr>
-        <p:txBody>
-          <a:bodyPr>
-            <a:normAutofit fontScale="90000"/>
-          </a:bodyPr>
-          <a:lstStyle/>
-          <a:p>
-            <a:r>
-              <a:rPr lang="fr-BE" dirty="0">
-                <a:solidFill>
-                  <a:schemeClr val="bg1"/>
-                </a:solidFill>
-              </a:rPr>
-              <a:t>.</a:t>
-            </a:r>
-          </a:p>
-        </p:txBody>
-      </p:sp>
-      <p:sp>
-        <p:nvSpPr>
-          <p:cNvPr id="4" name="ZoneTexte 3"/>
-          <p:cNvSpPr txBox="1"/>
-          <p:nvPr/>
-        </p:nvSpPr>
-        <p:spPr>
-          <a:xfrm>
-            <a:off x="8503842" y="0"/>
-            <a:ext cx="4105253" cy="338554"/>
-          </a:xfrm>
-          <a:prstGeom prst="rect">
-            <a:avLst/>
-          </a:prstGeom>
-          <a:noFill/>
-        </p:spPr>
-        <p:txBody>
-          <a:bodyPr wrap="square" rtlCol="0">
-            <a:spAutoFit/>
-          </a:bodyPr>
-          <a:lstStyle/>
-          <a:p>
-            <a:r>
-              <a:rPr lang="fr-BE" sz="1600" dirty="0" err="1"/>
-              <a:t>Overview</a:t>
-            </a:r>
-            <a:endParaRPr lang="fr-BE" sz="1600" dirty="0"/>
-          </a:p>
-        </p:txBody>
-      </p:sp>
-      <p:pic>
-        <p:nvPicPr>
-          <p:cNvPr id="5" name="Image 4"/>
-          <p:cNvPicPr>
-            <a:picLocks noChangeAspect="1"/>
-          </p:cNvPicPr>
-          <p:nvPr/>
-        </p:nvPicPr>
-        <p:blipFill>
-          <a:blip r:embed="rId2">
-            <a:extLst>
-              <a:ext uri="{28A0092B-C50C-407E-A947-70E740481C1C}">
-                <a14:useLocalDpi xmlns:a14="http://schemas.microsoft.com/office/drawing/2010/main" val="0"/>
-              </a:ext>
-            </a:extLst>
-          </a:blip>
-          <a:stretch>
-            <a:fillRect/>
-          </a:stretch>
-        </p:blipFill>
-        <p:spPr>
-          <a:xfrm>
-            <a:off x="642427" y="465222"/>
-            <a:ext cx="10844723" cy="6079832"/>
-          </a:xfrm>
-          <a:prstGeom prst="rect">
-            <a:avLst/>
-          </a:prstGeom>
-        </p:spPr>
-      </p:pic>
-    </p:spTree>
-    <p:extLst>
-      <p:ext uri="{BB962C8B-B14F-4D97-AF65-F5344CB8AC3E}">
-        <p14:creationId xmlns:p14="http://schemas.microsoft.com/office/powerpoint/2010/main" val="2964868850"/>
-      </p:ext>
-    </p:extLst>
-  </p:cSld>
-  <p:clrMapOvr>
-    <a:masterClrMapping/>
-  </p:clrMapOvr>
-</p:sld>
-</file>
-
-<file path=ppt/slides/slide5.xml><?xml version="1.0" encoding="utf-8"?>
-<p:sld xmlns:a="http://schemas.openxmlformats.org/drawingml/2006/main" xmlns:r="http://schemas.openxmlformats.org/officeDocument/2006/relationships" xmlns:p="http://schemas.openxmlformats.org/presentationml/2006/main">
-  <p:cSld>
-    <p:spTree>
-      <p:nvGrpSpPr>
-        <p:cNvPr id="1" name=""/>
-        <p:cNvGrpSpPr/>
-        <p:nvPr/>
-      </p:nvGrpSpPr>
-      <p:grpSpPr>
-        <a:xfrm>
-          <a:off x="0" y="0"/>
-          <a:ext cx="0" cy="0"/>
-          <a:chOff x="0" y="0"/>
-          <a:chExt cx="0" cy="0"/>
-        </a:xfrm>
-      </p:grpSpPr>
-      <p:sp>
-        <p:nvSpPr>
-          <p:cNvPr id="7" name="ZoneTexte 6"/>
-          <p:cNvSpPr txBox="1"/>
-          <p:nvPr/>
-        </p:nvSpPr>
-        <p:spPr>
-          <a:xfrm>
-            <a:off x="8855242" y="0"/>
-            <a:ext cx="2703346" cy="338554"/>
-          </a:xfrm>
-          <a:prstGeom prst="rect">
-            <a:avLst/>
-          </a:prstGeom>
-          <a:noFill/>
-        </p:spPr>
-        <p:txBody>
-          <a:bodyPr wrap="square" rtlCol="0">
-            <a:spAutoFit/>
-          </a:bodyPr>
-          <a:lstStyle/>
-          <a:p>
-            <a:r>
-              <a:rPr lang="fr-BE" sz="1600" dirty="0"/>
-              <a:t>Service </a:t>
-            </a:r>
-            <a:r>
-              <a:rPr lang="fr-BE" sz="1600" dirty="0" err="1"/>
-              <a:t>principals</a:t>
-            </a:r>
-            <a:r>
-              <a:rPr lang="fr-BE" sz="1600" dirty="0"/>
-              <a:t> </a:t>
-            </a:r>
-            <a:r>
-              <a:rPr lang="fr-BE" sz="1600" dirty="0" err="1"/>
-              <a:t>overview</a:t>
-            </a:r>
-            <a:endParaRPr lang="fr-BE" sz="1600" dirty="0"/>
-          </a:p>
-        </p:txBody>
-      </p:sp>
-      <p:pic>
-        <p:nvPicPr>
-          <p:cNvPr id="2" name="Image 1"/>
-          <p:cNvPicPr>
-            <a:picLocks noChangeAspect="1"/>
-          </p:cNvPicPr>
-          <p:nvPr/>
-        </p:nvPicPr>
-        <p:blipFill>
-          <a:blip r:embed="rId2">
-            <a:extLst>
-              <a:ext uri="{28A0092B-C50C-407E-A947-70E740481C1C}">
-                <a14:useLocalDpi xmlns:a14="http://schemas.microsoft.com/office/drawing/2010/main" val="0"/>
-              </a:ext>
-            </a:extLst>
-          </a:blip>
-          <a:stretch>
-            <a:fillRect/>
-          </a:stretch>
-        </p:blipFill>
-        <p:spPr>
-          <a:xfrm>
-            <a:off x="1523569" y="338554"/>
-            <a:ext cx="9220631" cy="6189975"/>
-          </a:xfrm>
-          <a:prstGeom prst="rect">
-            <a:avLst/>
-          </a:prstGeom>
-        </p:spPr>
-      </p:pic>
-    </p:spTree>
-    <p:extLst>
-      <p:ext uri="{BB962C8B-B14F-4D97-AF65-F5344CB8AC3E}">
-        <p14:creationId xmlns:p14="http://schemas.microsoft.com/office/powerpoint/2010/main" val="3949655327"/>
-      </p:ext>
-    </p:extLst>
-  </p:cSld>
-  <p:clrMapOvr>
-    <a:masterClrMapping/>
-  </p:clrMapOvr>
-</p:sld>
-</file>
-
-<file path=ppt/slides/slide6.xml><?xml version="1.0" encoding="utf-8"?>
+<file path=ppt/slides/slide10.xml><?xml version="1.0" encoding="utf-8"?>
 <p:sld xmlns:a="http://schemas.openxmlformats.org/drawingml/2006/main" xmlns:r="http://schemas.openxmlformats.org/officeDocument/2006/relationships" xmlns:p="http://schemas.openxmlformats.org/presentationml/2006/main">
   <p:cSld>
     <p:spTree>
@@ -6234,13 +5523,11 @@
       </p:grpSpPr>
       <p:pic>
         <p:nvPicPr>
-          <p:cNvPr id="2050" name="Picture 2" descr="https://scontent-vie1-1.xx.fbcdn.net/v/t1.15752-9/110313256_911614899322555_5158975301145280988_n.jpg?_nc_cat=109&amp;_nc_sid=b96e70&amp;_nc_ohc=huN5gx_wsqAAX-yzQpp&amp;_nc_ht=scontent-vie1-1.xx&amp;oh=571448b0281b543a699a8e3bef57f5f5&amp;oe=5F3F677A"/>
+          <p:cNvPr id="3" name="Image 2"/>
           <p:cNvPicPr>
-            <a:picLocks noGrp="1" noChangeAspect="1" noChangeArrowheads="1"/>
+            <a:picLocks noChangeAspect="1"/>
           </p:cNvPicPr>
-          <p:nvPr>
-            <p:ph idx="1"/>
-          </p:nvPr>
+          <p:nvPr/>
         </p:nvPicPr>
         <p:blipFill>
           <a:blip r:embed="rId2">
@@ -6250,41 +5537,30 @@
               </a:ext>
             </a:extLst>
           </a:blip>
-          <a:srcRect/>
           <a:stretch>
             <a:fillRect/>
           </a:stretch>
         </p:blipFill>
-        <p:spPr bwMode="auto">
+        <p:spPr>
           <a:xfrm>
-            <a:off x="1331940" y="365125"/>
-            <a:ext cx="9752946" cy="6317374"/>
+            <a:off x="1357313" y="310149"/>
+            <a:ext cx="9672638" cy="6547851"/>
           </a:xfrm>
           <a:prstGeom prst="rect">
             <a:avLst/>
           </a:prstGeom>
-          <a:noFill/>
-          <a:extLst>
-            <a:ext uri="{909E8E84-426E-40DD-AFC4-6F175D3DCCD1}">
-              <a14:hiddenFill xmlns:a14="http://schemas.microsoft.com/office/drawing/2010/main">
-                <a:solidFill>
-                  <a:srgbClr val="FFFFFF"/>
-                </a:solidFill>
-              </a14:hiddenFill>
-            </a:ext>
-          </a:extLst>
         </p:spPr>
       </p:pic>
       <p:sp>
         <p:nvSpPr>
-          <p:cNvPr id="6" name="ZoneTexte 5"/>
+          <p:cNvPr id="4" name="ZoneTexte 3"/>
           <p:cNvSpPr txBox="1"/>
           <p:nvPr/>
         </p:nvSpPr>
         <p:spPr>
           <a:xfrm>
-            <a:off x="6919410" y="0"/>
-            <a:ext cx="6031831" cy="338554"/>
+            <a:off x="8843963" y="0"/>
+            <a:ext cx="4816609" cy="400110"/>
           </a:xfrm>
           <a:prstGeom prst="rect">
             <a:avLst/>
@@ -6298,14 +5574,18 @@
           <a:lstStyle/>
           <a:p>
             <a:r>
-              <a:rPr lang="fr-BE" sz="1600" dirty="0"/>
-              <a:t>deploy-aks-k8s-cluster.sh script </a:t>
-            </a:r>
-            <a:r>
-              <a:rPr lang="fr-BE" sz="1600" dirty="0" err="1"/>
-              <a:t>overview</a:t>
-            </a:r>
-            <a:endParaRPr lang="fr-BE" sz="1600" dirty="0"/>
+              <a:rPr lang="fr-BE" sz="2000" dirty="0"/>
+              <a:t>D</a:t>
+            </a:r>
+            <a:r>
+              <a:rPr lang="fr-BE" sz="2000" dirty="0" smtClean="0"/>
+              <a:t>eploy-k8s-cluster.sh </a:t>
+            </a:r>
+            <a:r>
+              <a:rPr lang="fr-BE" sz="2000" dirty="0" err="1" smtClean="0"/>
+              <a:t>Overview</a:t>
+            </a:r>
+            <a:endParaRPr lang="fr-BE" sz="2400" dirty="0"/>
           </a:p>
         </p:txBody>
       </p:sp>
@@ -6322,7 +5602,7 @@
 </p:sld>
 </file>
 
-<file path=ppt/slides/slide7.xml><?xml version="1.0" encoding="utf-8"?>
+<file path=ppt/slides/slide11.xml><?xml version="1.0" encoding="utf-8"?>
 <p:sld xmlns:a="http://schemas.openxmlformats.org/drawingml/2006/main" xmlns:r="http://schemas.openxmlformats.org/officeDocument/2006/relationships" xmlns:p="http://schemas.openxmlformats.org/presentationml/2006/main">
   <p:cSld>
     <p:bg>
@@ -6352,7 +5632,7 @@
           <p:cNvPr id="11" name="Rectangle 10">
             <a:extLst>
               <a:ext uri="{FF2B5EF4-FFF2-40B4-BE49-F238E27FC236}">
-                <a16:creationId xmlns:a16="http://schemas.microsoft.com/office/drawing/2014/main" id="{8E37464E-1F18-46E8-9EAB-F4DDF41C0215}"/>
+                <a16:creationId xmlns:a16="http://schemas.microsoft.com/office/drawing/2014/main" xmlns="" id="{8E37464E-1F18-46E8-9EAB-F4DDF41C0215}"/>
               </a:ext>
             </a:extLst>
           </p:cNvPr>
@@ -6407,7 +5687,7 @@
           <p:cNvPr id="2" name="Picture 1" descr="A close up of a logo&#10;&#10;Description automatically generated">
             <a:extLst>
               <a:ext uri="{FF2B5EF4-FFF2-40B4-BE49-F238E27FC236}">
-                <a16:creationId xmlns:a16="http://schemas.microsoft.com/office/drawing/2014/main" id="{148A4CA5-114C-44CD-B175-E3231477B3CA}"/>
+                <a16:creationId xmlns:a16="http://schemas.microsoft.com/office/drawing/2014/main" xmlns="" id="{148A4CA5-114C-44CD-B175-E3231477B3CA}"/>
               </a:ext>
             </a:extLst>
           </p:cNvPr>
@@ -6443,7 +5723,7 @@
           <p:cNvPr id="9" name="TextBox 8">
             <a:extLst>
               <a:ext uri="{FF2B5EF4-FFF2-40B4-BE49-F238E27FC236}">
-                <a16:creationId xmlns:a16="http://schemas.microsoft.com/office/drawing/2014/main" id="{6C686B13-417B-4E43-BBDD-FB6063357088}"/>
+                <a16:creationId xmlns:a16="http://schemas.microsoft.com/office/drawing/2014/main" xmlns="" id="{6C686B13-417B-4E43-BBDD-FB6063357088}"/>
               </a:ext>
             </a:extLst>
           </p:cNvPr>
@@ -6493,7 +5773,7 @@
           <p:cNvPr id="10" name="TextBox 9">
             <a:extLst>
               <a:ext uri="{FF2B5EF4-FFF2-40B4-BE49-F238E27FC236}">
-                <a16:creationId xmlns:a16="http://schemas.microsoft.com/office/drawing/2014/main" id="{333451D4-49B8-4671-9C08-03ECD5B7BC3B}"/>
+                <a16:creationId xmlns:a16="http://schemas.microsoft.com/office/drawing/2014/main" xmlns="" id="{333451D4-49B8-4671-9C08-03ECD5B7BC3B}"/>
               </a:ext>
             </a:extLst>
           </p:cNvPr>
@@ -6554,6 +5834,1252 @@
     <p:extLst>
       <p:ext uri="{BB962C8B-B14F-4D97-AF65-F5344CB8AC3E}">
         <p14:creationId xmlns:p14="http://schemas.microsoft.com/office/powerpoint/2010/main" val="1554248814"/>
+      </p:ext>
+    </p:extLst>
+  </p:cSld>
+  <p:clrMapOvr>
+    <a:masterClrMapping/>
+  </p:clrMapOvr>
+</p:sld>
+</file>
+
+<file path=ppt/slides/slide2.xml><?xml version="1.0" encoding="utf-8"?>
+<p:sld xmlns:a="http://schemas.openxmlformats.org/drawingml/2006/main" xmlns:r="http://schemas.openxmlformats.org/officeDocument/2006/relationships" xmlns:p="http://schemas.openxmlformats.org/presentationml/2006/main">
+  <p:cSld>
+    <p:bg>
+      <p:bgPr>
+        <a:solidFill>
+          <a:schemeClr val="bg1"/>
+        </a:solidFill>
+        <a:effectLst/>
+      </p:bgPr>
+    </p:bg>
+    <p:spTree>
+      <p:nvGrpSpPr>
+        <p:cNvPr id="1" name=""/>
+        <p:cNvGrpSpPr/>
+        <p:nvPr/>
+      </p:nvGrpSpPr>
+      <p:grpSpPr>
+        <a:xfrm>
+          <a:off x="0" y="0"/>
+          <a:ext cx="0" cy="0"/>
+          <a:chOff x="0" y="0"/>
+          <a:chExt cx="0" cy="0"/>
+        </a:xfrm>
+      </p:grpSpPr>
+      <p:sp>
+        <p:nvSpPr>
+          <p:cNvPr id="2" name="Titre 1"/>
+          <p:cNvSpPr>
+            <a:spLocks noGrp="1"/>
+          </p:cNvSpPr>
+          <p:nvPr>
+            <p:ph type="title"/>
+          </p:nvPr>
+        </p:nvSpPr>
+        <p:spPr>
+          <a:xfrm>
+            <a:off x="838200" y="2766218"/>
+            <a:ext cx="10515600" cy="1325563"/>
+          </a:xfrm>
+        </p:spPr>
+        <p:txBody>
+          <a:bodyPr>
+            <a:noAutofit/>
+          </a:bodyPr>
+          <a:lstStyle/>
+          <a:p>
+            <a:pPr algn="ctr"/>
+            <a:r>
+              <a:rPr lang="en-US" sz="6000" dirty="0">
+                <a:latin typeface="Raleway"/>
+              </a:rPr>
+              <a:t>Deploying a Practical YAML Build Pipeline for AKS</a:t>
+            </a:r>
+            <a:endParaRPr lang="fr-BE" sz="6000" dirty="0">
+              <a:latin typeface="Raleway"/>
+            </a:endParaRPr>
+          </a:p>
+        </p:txBody>
+      </p:sp>
+    </p:spTree>
+    <p:extLst>
+      <p:ext uri="{BB962C8B-B14F-4D97-AF65-F5344CB8AC3E}">
+        <p14:creationId xmlns:p14="http://schemas.microsoft.com/office/powerpoint/2010/main" val="1216148099"/>
+      </p:ext>
+    </p:extLst>
+  </p:cSld>
+  <p:clrMapOvr>
+    <a:masterClrMapping/>
+  </p:clrMapOvr>
+</p:sld>
+</file>
+
+<file path=ppt/slides/slide3.xml><?xml version="1.0" encoding="utf-8"?>
+<p:sld xmlns:a="http://schemas.openxmlformats.org/drawingml/2006/main" xmlns:r="http://schemas.openxmlformats.org/officeDocument/2006/relationships" xmlns:p="http://schemas.openxmlformats.org/presentationml/2006/main">
+  <p:cSld>
+    <p:spTree>
+      <p:nvGrpSpPr>
+        <p:cNvPr id="1" name=""/>
+        <p:cNvGrpSpPr/>
+        <p:nvPr/>
+      </p:nvGrpSpPr>
+      <p:grpSpPr>
+        <a:xfrm>
+          <a:off x="0" y="0"/>
+          <a:ext cx="0" cy="0"/>
+          <a:chOff x="0" y="0"/>
+          <a:chExt cx="0" cy="0"/>
+        </a:xfrm>
+      </p:grpSpPr>
+      <p:sp>
+        <p:nvSpPr>
+          <p:cNvPr id="3" name="Espace réservé du contenu 2"/>
+          <p:cNvSpPr>
+            <a:spLocks noGrp="1"/>
+          </p:cNvSpPr>
+          <p:nvPr>
+            <p:ph idx="1"/>
+          </p:nvPr>
+        </p:nvSpPr>
+        <p:spPr>
+          <a:xfrm>
+            <a:off x="689811" y="765944"/>
+            <a:ext cx="10663989" cy="5411020"/>
+          </a:xfrm>
+        </p:spPr>
+        <p:txBody>
+          <a:bodyPr>
+            <a:normAutofit lnSpcReduction="10000"/>
+          </a:bodyPr>
+          <a:lstStyle/>
+          <a:p>
+            <a:pPr marL="0" indent="0">
+              <a:buNone/>
+            </a:pPr>
+            <a:r>
+              <a:rPr lang="fr-BE" sz="3200" dirty="0">
+                <a:latin typeface="Raleway"/>
+              </a:rPr>
+              <a:t>Ryan </a:t>
+            </a:r>
+            <a:r>
+              <a:rPr lang="fr-BE" sz="3200" dirty="0" err="1">
+                <a:latin typeface="Raleway"/>
+              </a:rPr>
+              <a:t>Irujo</a:t>
+            </a:r>
+            <a:r>
+              <a:rPr lang="fr-BE" sz="3200" dirty="0">
+                <a:latin typeface="Raleway"/>
+              </a:rPr>
+              <a:t/>
+            </a:r>
+            <a:br>
+              <a:rPr lang="fr-BE" sz="3200" dirty="0">
+                <a:latin typeface="Raleway"/>
+              </a:rPr>
+            </a:br>
+            <a:endParaRPr lang="fr-BE" sz="3200" dirty="0">
+              <a:latin typeface="Raleway"/>
+            </a:endParaRPr>
+          </a:p>
+          <a:p>
+            <a:pPr>
+              <a:buSzPct val="90000"/>
+              <a:buFont typeface="Wingdings" panose="05000000000000000000" pitchFamily="2" charset="2"/>
+              <a:buChar char="§"/>
+            </a:pPr>
+            <a:r>
+              <a:rPr lang="fr-BE" sz="2400" dirty="0">
+                <a:latin typeface="Raleway"/>
+              </a:rPr>
+              <a:t>Principal consultant at </a:t>
+            </a:r>
+            <a:r>
+              <a:rPr lang="fr-BE" sz="2400" dirty="0" err="1">
+                <a:latin typeface="Raleway"/>
+              </a:rPr>
+              <a:t>Innofactor</a:t>
+            </a:r>
+            <a:r>
+              <a:rPr lang="fr-BE" sz="2400" dirty="0">
+                <a:latin typeface="Raleway"/>
+              </a:rPr>
+              <a:t> Norge</a:t>
+            </a:r>
+          </a:p>
+          <a:p>
+            <a:pPr>
+              <a:buSzPct val="90000"/>
+              <a:buFont typeface="Wingdings" panose="05000000000000000000" pitchFamily="2" charset="2"/>
+              <a:buChar char="§"/>
+            </a:pPr>
+            <a:r>
+              <a:rPr lang="en-US" sz="2400" dirty="0">
+                <a:latin typeface="Raleway"/>
+              </a:rPr>
+              <a:t>Specializes in Architecting and deploying customized </a:t>
+            </a:r>
+            <a:br>
+              <a:rPr lang="en-US" sz="2400" dirty="0">
+                <a:latin typeface="Raleway"/>
+              </a:rPr>
+            </a:br>
+            <a:r>
+              <a:rPr lang="en-US" sz="2400" dirty="0">
+                <a:latin typeface="Raleway"/>
+              </a:rPr>
+              <a:t>solutions in the Azure Cloud, with particular focus on </a:t>
+            </a:r>
+            <a:br>
+              <a:rPr lang="en-US" sz="2400" dirty="0">
+                <a:latin typeface="Raleway"/>
+              </a:rPr>
+            </a:br>
+            <a:r>
+              <a:rPr lang="en-US" sz="2400" dirty="0">
+                <a:latin typeface="Raleway"/>
+              </a:rPr>
+              <a:t>Automation and Kubernetes</a:t>
+            </a:r>
+            <a:endParaRPr lang="fr-BE" sz="2400" dirty="0">
+              <a:latin typeface="Raleway"/>
+            </a:endParaRPr>
+          </a:p>
+          <a:p>
+            <a:pPr marL="0" indent="0">
+              <a:buNone/>
+            </a:pPr>
+            <a:endParaRPr lang="fr-BE" dirty="0">
+              <a:latin typeface="Raleway"/>
+            </a:endParaRPr>
+          </a:p>
+          <a:p>
+            <a:pPr marL="0" indent="0">
+              <a:buNone/>
+            </a:pPr>
+            <a:r>
+              <a:rPr lang="fr-BE" sz="3200" dirty="0">
+                <a:latin typeface="Raleway"/>
+              </a:rPr>
+              <a:t>Marie Yerna</a:t>
+            </a:r>
+          </a:p>
+          <a:p>
+            <a:pPr marL="0" indent="0">
+              <a:buNone/>
+            </a:pPr>
+            <a:endParaRPr lang="fr-BE" sz="3200" dirty="0">
+              <a:latin typeface="Raleway"/>
+            </a:endParaRPr>
+          </a:p>
+          <a:p>
+            <a:pPr>
+              <a:buSzPct val="90000"/>
+              <a:buFont typeface="Wingdings" panose="05000000000000000000" pitchFamily="2" charset="2"/>
+              <a:buChar char="§"/>
+            </a:pPr>
+            <a:r>
+              <a:rPr lang="fr-BE" sz="2400" dirty="0">
+                <a:latin typeface="Raleway"/>
+              </a:rPr>
+              <a:t>Junior Consultant at </a:t>
+            </a:r>
+            <a:r>
+              <a:rPr lang="fr-BE" sz="2400" dirty="0" err="1">
+                <a:latin typeface="Raleway"/>
+              </a:rPr>
+              <a:t>Innofactor</a:t>
+            </a:r>
+            <a:r>
+              <a:rPr lang="fr-BE" sz="2400" dirty="0">
+                <a:latin typeface="Raleway"/>
+              </a:rPr>
+              <a:t> Norge</a:t>
+            </a:r>
+          </a:p>
+          <a:p>
+            <a:pPr>
+              <a:buSzPct val="90000"/>
+              <a:buFont typeface="Wingdings" panose="05000000000000000000" pitchFamily="2" charset="2"/>
+              <a:buChar char="§"/>
+            </a:pPr>
+            <a:r>
+              <a:rPr lang="fr-BE" dirty="0">
+                <a:latin typeface="Raleway"/>
+              </a:rPr>
+              <a:t> </a:t>
+            </a:r>
+            <a:r>
+              <a:rPr lang="fr-BE" sz="2400" dirty="0">
+                <a:latin typeface="Raleway"/>
+              </a:rPr>
+              <a:t>Focus on </a:t>
+            </a:r>
+            <a:r>
+              <a:rPr lang="fr-BE" sz="2400" dirty="0" err="1">
+                <a:latin typeface="Raleway"/>
+              </a:rPr>
+              <a:t>technical</a:t>
+            </a:r>
+            <a:r>
+              <a:rPr lang="fr-BE" sz="2400" dirty="0">
+                <a:latin typeface="Raleway"/>
+              </a:rPr>
+              <a:t> documentation, automation and </a:t>
+            </a:r>
+            <a:br>
+              <a:rPr lang="fr-BE" sz="2400" dirty="0">
+                <a:latin typeface="Raleway"/>
+              </a:rPr>
+            </a:br>
+            <a:r>
+              <a:rPr lang="fr-BE" sz="2400" dirty="0" err="1">
+                <a:latin typeface="Raleway"/>
+              </a:rPr>
+              <a:t>Kubernetes</a:t>
+            </a:r>
+            <a:r>
+              <a:rPr lang="fr-BE" sz="2400" dirty="0">
+                <a:latin typeface="Raleway"/>
+              </a:rPr>
+              <a:t> in Azure</a:t>
+            </a:r>
+          </a:p>
+          <a:p>
+            <a:pPr marL="0" indent="0">
+              <a:buSzPct val="90000"/>
+              <a:buNone/>
+            </a:pPr>
+            <a:endParaRPr lang="fr-BE" dirty="0">
+              <a:latin typeface="Raleway"/>
+            </a:endParaRPr>
+          </a:p>
+          <a:p>
+            <a:pPr>
+              <a:buFont typeface="Wingdings" panose="05000000000000000000" pitchFamily="2" charset="2"/>
+              <a:buChar char="§"/>
+            </a:pPr>
+            <a:endParaRPr lang="fr-BE" dirty="0"/>
+          </a:p>
+        </p:txBody>
+      </p:sp>
+      <p:pic>
+        <p:nvPicPr>
+          <p:cNvPr id="7" name="Image 6"/>
+          <p:cNvPicPr>
+            <a:picLocks noChangeAspect="1"/>
+          </p:cNvPicPr>
+          <p:nvPr/>
+        </p:nvPicPr>
+        <p:blipFill>
+          <a:blip r:embed="rId2">
+            <a:extLst>
+              <a:ext uri="{28A0092B-C50C-407E-A947-70E740481C1C}">
+                <a14:useLocalDpi xmlns:a14="http://schemas.microsoft.com/office/drawing/2010/main" val="0"/>
+              </a:ext>
+            </a:extLst>
+          </a:blip>
+          <a:stretch>
+            <a:fillRect/>
+          </a:stretch>
+        </p:blipFill>
+        <p:spPr>
+          <a:xfrm>
+            <a:off x="9267620" y="3952568"/>
+            <a:ext cx="2339360" cy="2339360"/>
+          </a:xfrm>
+          <a:prstGeom prst="rect">
+            <a:avLst/>
+          </a:prstGeom>
+        </p:spPr>
+      </p:pic>
+      <p:pic>
+        <p:nvPicPr>
+          <p:cNvPr id="5" name="Image 4"/>
+          <p:cNvPicPr>
+            <a:picLocks noChangeAspect="1"/>
+          </p:cNvPicPr>
+          <p:nvPr/>
+        </p:nvPicPr>
+        <p:blipFill>
+          <a:blip r:embed="rId3">
+            <a:extLst>
+              <a:ext uri="{28A0092B-C50C-407E-A947-70E740481C1C}">
+                <a14:useLocalDpi xmlns:a14="http://schemas.microsoft.com/office/drawing/2010/main" val="0"/>
+              </a:ext>
+            </a:extLst>
+          </a:blip>
+          <a:stretch>
+            <a:fillRect/>
+          </a:stretch>
+        </p:blipFill>
+        <p:spPr>
+          <a:xfrm>
+            <a:off x="9411999" y="765943"/>
+            <a:ext cx="2339360" cy="2339360"/>
+          </a:xfrm>
+          <a:prstGeom prst="rect">
+            <a:avLst/>
+          </a:prstGeom>
+        </p:spPr>
+      </p:pic>
+    </p:spTree>
+    <p:extLst>
+      <p:ext uri="{BB962C8B-B14F-4D97-AF65-F5344CB8AC3E}">
+        <p14:creationId xmlns:p14="http://schemas.microsoft.com/office/powerpoint/2010/main" val="3690507955"/>
+      </p:ext>
+    </p:extLst>
+  </p:cSld>
+  <p:clrMapOvr>
+    <a:masterClrMapping/>
+  </p:clrMapOvr>
+</p:sld>
+</file>
+
+<file path=ppt/slides/slide4.xml><?xml version="1.0" encoding="utf-8"?>
+<p:sld xmlns:a="http://schemas.openxmlformats.org/drawingml/2006/main" xmlns:r="http://schemas.openxmlformats.org/officeDocument/2006/relationships" xmlns:p="http://schemas.openxmlformats.org/presentationml/2006/main">
+  <p:cSld>
+    <p:bg>
+      <p:bgPr>
+        <a:solidFill>
+          <a:schemeClr val="bg1"/>
+        </a:solidFill>
+        <a:effectLst/>
+      </p:bgPr>
+    </p:bg>
+    <p:spTree>
+      <p:nvGrpSpPr>
+        <p:cNvPr id="1" name=""/>
+        <p:cNvGrpSpPr/>
+        <p:nvPr/>
+      </p:nvGrpSpPr>
+      <p:grpSpPr>
+        <a:xfrm>
+          <a:off x="0" y="0"/>
+          <a:ext cx="0" cy="0"/>
+          <a:chOff x="0" y="0"/>
+          <a:chExt cx="0" cy="0"/>
+        </a:xfrm>
+      </p:grpSpPr>
+      <p:sp>
+        <p:nvSpPr>
+          <p:cNvPr id="2" name="Titre 1"/>
+          <p:cNvSpPr>
+            <a:spLocks noGrp="1"/>
+          </p:cNvSpPr>
+          <p:nvPr>
+            <p:ph type="title"/>
+          </p:nvPr>
+        </p:nvSpPr>
+        <p:spPr/>
+        <p:txBody>
+          <a:bodyPr/>
+          <a:lstStyle/>
+          <a:p>
+            <a:pPr algn="ctr"/>
+            <a:r>
+              <a:rPr lang="en-US" dirty="0">
+                <a:latin typeface="Raleway"/>
+              </a:rPr>
+              <a:t>Supplemental Content</a:t>
+            </a:r>
+            <a:endParaRPr lang="fr-BE" dirty="0">
+              <a:latin typeface="Raleway"/>
+            </a:endParaRPr>
+          </a:p>
+        </p:txBody>
+      </p:sp>
+      <p:sp>
+        <p:nvSpPr>
+          <p:cNvPr id="3" name="Espace réservé du contenu 2"/>
+          <p:cNvSpPr>
+            <a:spLocks noGrp="1"/>
+          </p:cNvSpPr>
+          <p:nvPr>
+            <p:ph idx="1"/>
+          </p:nvPr>
+        </p:nvSpPr>
+        <p:spPr>
+          <a:xfrm>
+            <a:off x="442546" y="2203694"/>
+            <a:ext cx="10515600" cy="4351338"/>
+          </a:xfrm>
+        </p:spPr>
+        <p:txBody>
+          <a:bodyPr/>
+          <a:lstStyle/>
+          <a:p>
+            <a:pPr marL="0" indent="0">
+              <a:buNone/>
+            </a:pPr>
+            <a:endParaRPr lang="fr-BE" dirty="0"/>
+          </a:p>
+          <a:p>
+            <a:pPr marL="0" indent="0">
+              <a:buNone/>
+            </a:pPr>
+            <a:r>
+              <a:rPr lang="fr-BE" dirty="0" err="1">
+                <a:latin typeface="Raleway"/>
+              </a:rPr>
+              <a:t>Presentation</a:t>
+            </a:r>
+            <a:r>
+              <a:rPr lang="fr-BE" dirty="0">
+                <a:latin typeface="Raleway"/>
+              </a:rPr>
+              <a:t> Content:</a:t>
+            </a:r>
+          </a:p>
+          <a:p>
+            <a:pPr marL="0" indent="0">
+              <a:buNone/>
+            </a:pPr>
+            <a:r>
+              <a:rPr lang="fr-BE" sz="1400" dirty="0">
+                <a:latin typeface="Raleway"/>
+                <a:hlinkClick r:id="rId2"/>
+              </a:rPr>
+              <a:t>https://github.com/starkfell/iam-conf-2020-aks-practical-yaml</a:t>
+            </a:r>
+            <a:endParaRPr lang="fr-BE" sz="1400" dirty="0">
+              <a:latin typeface="Raleway"/>
+            </a:endParaRPr>
+          </a:p>
+          <a:p>
+            <a:pPr marL="0" indent="0">
+              <a:buNone/>
+            </a:pPr>
+            <a:endParaRPr lang="fr-BE" dirty="0">
+              <a:latin typeface="Raleway"/>
+            </a:endParaRPr>
+          </a:p>
+          <a:p>
+            <a:pPr marL="0" indent="0">
+              <a:buNone/>
+            </a:pPr>
+            <a:r>
+              <a:rPr lang="fr-BE" dirty="0" err="1">
+                <a:latin typeface="Raleway"/>
+              </a:rPr>
+              <a:t>Additional</a:t>
+            </a:r>
+            <a:r>
+              <a:rPr lang="fr-BE" dirty="0">
+                <a:latin typeface="Raleway"/>
+              </a:rPr>
+              <a:t> Link(s):</a:t>
+            </a:r>
+          </a:p>
+          <a:p>
+            <a:pPr marL="0" indent="0">
+              <a:buNone/>
+            </a:pPr>
+            <a:r>
+              <a:rPr lang="fr-BE" sz="1400" dirty="0">
+                <a:latin typeface="Raleway"/>
+                <a:hlinkClick r:id="rId3"/>
+              </a:rPr>
+              <a:t>https://github.com/starkfell/100DaysOfIaC/</a:t>
+            </a:r>
+            <a:endParaRPr lang="fr-BE" sz="1400" dirty="0">
+              <a:latin typeface="Raleway"/>
+            </a:endParaRPr>
+          </a:p>
+          <a:p>
+            <a:pPr marL="0" indent="0">
+              <a:buNone/>
+            </a:pPr>
+            <a:endParaRPr lang="fr-BE" sz="1400" dirty="0">
+              <a:latin typeface="Raleway"/>
+            </a:endParaRPr>
+          </a:p>
+          <a:p>
+            <a:pPr marL="0" indent="0">
+              <a:buNone/>
+            </a:pPr>
+            <a:r>
+              <a:rPr lang="fr-BE" sz="1400" dirty="0">
+                <a:latin typeface="Raleway"/>
+              </a:rPr>
+              <a:t> YAML </a:t>
+            </a:r>
+            <a:r>
+              <a:rPr lang="fr-BE" sz="1400" dirty="0" err="1">
+                <a:latin typeface="Raleway"/>
+              </a:rPr>
+              <a:t>Build</a:t>
+            </a:r>
+            <a:r>
+              <a:rPr lang="fr-BE" sz="1400" dirty="0">
+                <a:latin typeface="Raleway"/>
+              </a:rPr>
+              <a:t> Pipeline </a:t>
+            </a:r>
+            <a:r>
+              <a:rPr lang="fr-BE" sz="1400" dirty="0" err="1">
+                <a:latin typeface="Raleway"/>
+              </a:rPr>
+              <a:t>Related</a:t>
+            </a:r>
+            <a:r>
+              <a:rPr lang="fr-BE" sz="1400" dirty="0">
+                <a:latin typeface="Raleway"/>
+              </a:rPr>
+              <a:t> Day(s): 33-42, 49-51, 55, 58, 60, 63, 79, and 98.</a:t>
+            </a:r>
+            <a:endParaRPr lang="fr-BE" dirty="0">
+              <a:latin typeface="Raleway"/>
+            </a:endParaRPr>
+          </a:p>
+        </p:txBody>
+      </p:sp>
+    </p:spTree>
+    <p:extLst>
+      <p:ext uri="{BB962C8B-B14F-4D97-AF65-F5344CB8AC3E}">
+        <p14:creationId xmlns:p14="http://schemas.microsoft.com/office/powerpoint/2010/main" val="3642995535"/>
+      </p:ext>
+    </p:extLst>
+  </p:cSld>
+  <p:clrMapOvr>
+    <a:masterClrMapping/>
+  </p:clrMapOvr>
+</p:sld>
+</file>
+
+<file path=ppt/slides/slide5.xml><?xml version="1.0" encoding="utf-8"?>
+<p:sld xmlns:a="http://schemas.openxmlformats.org/drawingml/2006/main" xmlns:r="http://schemas.openxmlformats.org/officeDocument/2006/relationships" xmlns:p="http://schemas.openxmlformats.org/presentationml/2006/main">
+  <p:cSld>
+    <p:spTree>
+      <p:nvGrpSpPr>
+        <p:cNvPr id="1" name=""/>
+        <p:cNvGrpSpPr/>
+        <p:nvPr/>
+      </p:nvGrpSpPr>
+      <p:grpSpPr>
+        <a:xfrm>
+          <a:off x="0" y="0"/>
+          <a:ext cx="0" cy="0"/>
+          <a:chOff x="0" y="0"/>
+          <a:chExt cx="0" cy="0"/>
+        </a:xfrm>
+      </p:grpSpPr>
+      <p:sp>
+        <p:nvSpPr>
+          <p:cNvPr id="2" name="Title 1">
+            <a:extLst>
+              <a:ext uri="{FF2B5EF4-FFF2-40B4-BE49-F238E27FC236}">
+                <a16:creationId xmlns:a16="http://schemas.microsoft.com/office/drawing/2014/main" xmlns="" id="{60C588D7-2015-4C04-8FB3-5241AABAA5F3}"/>
+              </a:ext>
+            </a:extLst>
+          </p:cNvPr>
+          <p:cNvSpPr>
+            <a:spLocks noGrp="1"/>
+          </p:cNvSpPr>
+          <p:nvPr>
+            <p:ph type="title"/>
+          </p:nvPr>
+        </p:nvSpPr>
+        <p:spPr/>
+        <p:txBody>
+          <a:bodyPr/>
+          <a:lstStyle/>
+          <a:p>
+            <a:r>
+              <a:rPr lang="en-US" dirty="0"/>
+              <a:t>Why YAML Pipelines</a:t>
+            </a:r>
+          </a:p>
+        </p:txBody>
+      </p:sp>
+      <p:sp>
+        <p:nvSpPr>
+          <p:cNvPr id="3" name="Content Placeholder 2">
+            <a:extLst>
+              <a:ext uri="{FF2B5EF4-FFF2-40B4-BE49-F238E27FC236}">
+                <a16:creationId xmlns:a16="http://schemas.microsoft.com/office/drawing/2014/main" xmlns="" id="{A3029EF3-8319-4036-811F-680D80F37DBF}"/>
+              </a:ext>
+            </a:extLst>
+          </p:cNvPr>
+          <p:cNvSpPr>
+            <a:spLocks noGrp="1"/>
+          </p:cNvSpPr>
+          <p:nvPr>
+            <p:ph idx="1"/>
+          </p:nvPr>
+        </p:nvSpPr>
+        <p:spPr/>
+        <p:txBody>
+          <a:bodyPr/>
+          <a:lstStyle/>
+          <a:p>
+            <a:r>
+              <a:rPr lang="en-US" dirty="0"/>
+              <a:t>Control Azure Resources as Infrastructure-As-Code</a:t>
+            </a:r>
+          </a:p>
+          <a:p>
+            <a:r>
+              <a:rPr lang="en-US" dirty="0"/>
+              <a:t>Control Infrastructure Management from a single location</a:t>
+            </a:r>
+          </a:p>
+          <a:p>
+            <a:r>
+              <a:rPr lang="en-US" dirty="0"/>
+              <a:t>Changes to Infrastructure are tracked in Repositories</a:t>
+            </a:r>
+            <a:br>
+              <a:rPr lang="en-US" dirty="0"/>
+            </a:br>
+            <a:endParaRPr lang="en-US" dirty="0"/>
+          </a:p>
+        </p:txBody>
+      </p:sp>
+    </p:spTree>
+    <p:extLst>
+      <p:ext uri="{BB962C8B-B14F-4D97-AF65-F5344CB8AC3E}">
+        <p14:creationId xmlns:p14="http://schemas.microsoft.com/office/powerpoint/2010/main" val="3314577601"/>
+      </p:ext>
+    </p:extLst>
+  </p:cSld>
+  <p:clrMapOvr>
+    <a:masterClrMapping/>
+  </p:clrMapOvr>
+</p:sld>
+</file>
+
+<file path=ppt/slides/slide6.xml><?xml version="1.0" encoding="utf-8"?>
+<p:sld xmlns:a="http://schemas.openxmlformats.org/drawingml/2006/main" xmlns:r="http://schemas.openxmlformats.org/officeDocument/2006/relationships" xmlns:p="http://schemas.openxmlformats.org/presentationml/2006/main">
+  <p:cSld>
+    <p:spTree>
+      <p:nvGrpSpPr>
+        <p:cNvPr id="1" name=""/>
+        <p:cNvGrpSpPr/>
+        <p:nvPr/>
+      </p:nvGrpSpPr>
+      <p:grpSpPr>
+        <a:xfrm>
+          <a:off x="0" y="0"/>
+          <a:ext cx="0" cy="0"/>
+          <a:chOff x="0" y="0"/>
+          <a:chExt cx="0" cy="0"/>
+        </a:xfrm>
+      </p:grpSpPr>
+      <p:sp>
+        <p:nvSpPr>
+          <p:cNvPr id="2" name="Title 1">
+            <a:extLst>
+              <a:ext uri="{FF2B5EF4-FFF2-40B4-BE49-F238E27FC236}">
+                <a16:creationId xmlns:a16="http://schemas.microsoft.com/office/drawing/2014/main" xmlns="" id="{60C588D7-2015-4C04-8FB3-5241AABAA5F3}"/>
+              </a:ext>
+            </a:extLst>
+          </p:cNvPr>
+          <p:cNvSpPr>
+            <a:spLocks noGrp="1"/>
+          </p:cNvSpPr>
+          <p:nvPr>
+            <p:ph type="title"/>
+          </p:nvPr>
+        </p:nvSpPr>
+        <p:spPr/>
+        <p:txBody>
+          <a:bodyPr/>
+          <a:lstStyle/>
+          <a:p>
+            <a:r>
+              <a:rPr lang="en-US" dirty="0"/>
+              <a:t>Pro’s and Con’s of YAML Build Pipelines</a:t>
+            </a:r>
+          </a:p>
+        </p:txBody>
+      </p:sp>
+      <p:sp>
+        <p:nvSpPr>
+          <p:cNvPr id="3" name="Content Placeholder 2">
+            <a:extLst>
+              <a:ext uri="{FF2B5EF4-FFF2-40B4-BE49-F238E27FC236}">
+                <a16:creationId xmlns:a16="http://schemas.microsoft.com/office/drawing/2014/main" xmlns="" id="{A3029EF3-8319-4036-811F-680D80F37DBF}"/>
+              </a:ext>
+            </a:extLst>
+          </p:cNvPr>
+          <p:cNvSpPr>
+            <a:spLocks noGrp="1"/>
+          </p:cNvSpPr>
+          <p:nvPr>
+            <p:ph idx="1"/>
+          </p:nvPr>
+        </p:nvSpPr>
+        <p:spPr/>
+        <p:txBody>
+          <a:bodyPr>
+            <a:normAutofit/>
+          </a:bodyPr>
+          <a:lstStyle/>
+          <a:p>
+            <a:r>
+              <a:rPr lang="en-US" dirty="0"/>
+              <a:t>Pro’s:</a:t>
+            </a:r>
+          </a:p>
+          <a:p>
+            <a:pPr lvl="1"/>
+            <a:r>
+              <a:rPr lang="en-US" dirty="0"/>
+              <a:t>Complete Management of Azure Resources</a:t>
+            </a:r>
+          </a:p>
+          <a:p>
+            <a:pPr lvl="1"/>
+            <a:r>
+              <a:rPr lang="en-US" dirty="0"/>
+              <a:t>Ability to Track all environment changes</a:t>
+            </a:r>
+          </a:p>
+          <a:p>
+            <a:pPr lvl="1"/>
+            <a:r>
+              <a:rPr lang="en-US" dirty="0"/>
+              <a:t>Tooling to use is up to you and your Team</a:t>
+            </a:r>
+          </a:p>
+          <a:p>
+            <a:pPr lvl="2"/>
+            <a:r>
+              <a:rPr lang="en-US" dirty="0"/>
+              <a:t>Azure CLI, ARM, Terraform, bash, python, etc.</a:t>
+            </a:r>
+          </a:p>
+          <a:p>
+            <a:r>
+              <a:rPr lang="en-US" dirty="0"/>
+              <a:t>Con’s:</a:t>
+            </a:r>
+          </a:p>
+          <a:p>
+            <a:pPr lvl="1"/>
+            <a:r>
+              <a:rPr lang="en-US" dirty="0"/>
+              <a:t>Requires time and code related skillsets</a:t>
+            </a:r>
+          </a:p>
+          <a:p>
+            <a:pPr lvl="1"/>
+            <a:r>
+              <a:rPr lang="en-US" dirty="0"/>
+              <a:t>Requires code maintenance</a:t>
+            </a:r>
+            <a:br>
+              <a:rPr lang="en-US" dirty="0"/>
+            </a:br>
+            <a:endParaRPr lang="en-US" dirty="0"/>
+          </a:p>
+        </p:txBody>
+      </p:sp>
+    </p:spTree>
+    <p:extLst>
+      <p:ext uri="{BB962C8B-B14F-4D97-AF65-F5344CB8AC3E}">
+        <p14:creationId xmlns:p14="http://schemas.microsoft.com/office/powerpoint/2010/main" val="1790718534"/>
+      </p:ext>
+    </p:extLst>
+  </p:cSld>
+  <p:clrMapOvr>
+    <a:masterClrMapping/>
+  </p:clrMapOvr>
+</p:sld>
+</file>
+
+<file path=ppt/slides/slide7.xml><?xml version="1.0" encoding="utf-8"?>
+<p:sld xmlns:a="http://schemas.openxmlformats.org/drawingml/2006/main" xmlns:r="http://schemas.openxmlformats.org/officeDocument/2006/relationships" xmlns:p="http://schemas.openxmlformats.org/presentationml/2006/main">
+  <p:cSld>
+    <p:spTree>
+      <p:nvGrpSpPr>
+        <p:cNvPr id="1" name=""/>
+        <p:cNvGrpSpPr/>
+        <p:nvPr/>
+      </p:nvGrpSpPr>
+      <p:grpSpPr>
+        <a:xfrm>
+          <a:off x="0" y="0"/>
+          <a:ext cx="0" cy="0"/>
+          <a:chOff x="0" y="0"/>
+          <a:chExt cx="0" cy="0"/>
+        </a:xfrm>
+      </p:grpSpPr>
+      <p:sp>
+        <p:nvSpPr>
+          <p:cNvPr id="2" name="Title 1">
+            <a:extLst>
+              <a:ext uri="{FF2B5EF4-FFF2-40B4-BE49-F238E27FC236}">
+                <a16:creationId xmlns:a16="http://schemas.microsoft.com/office/drawing/2014/main" xmlns="" id="{60C588D7-2015-4C04-8FB3-5241AABAA5F3}"/>
+              </a:ext>
+            </a:extLst>
+          </p:cNvPr>
+          <p:cNvSpPr>
+            <a:spLocks noGrp="1"/>
+          </p:cNvSpPr>
+          <p:nvPr>
+            <p:ph type="title"/>
+          </p:nvPr>
+        </p:nvSpPr>
+        <p:spPr/>
+        <p:txBody>
+          <a:bodyPr/>
+          <a:lstStyle/>
+          <a:p>
+            <a:r>
+              <a:rPr lang="en-US" dirty="0"/>
+              <a:t>What we will cover in the Deployment</a:t>
+            </a:r>
+          </a:p>
+        </p:txBody>
+      </p:sp>
+      <p:sp>
+        <p:nvSpPr>
+          <p:cNvPr id="3" name="Content Placeholder 2">
+            <a:extLst>
+              <a:ext uri="{FF2B5EF4-FFF2-40B4-BE49-F238E27FC236}">
+                <a16:creationId xmlns:a16="http://schemas.microsoft.com/office/drawing/2014/main" xmlns="" id="{A3029EF3-8319-4036-811F-680D80F37DBF}"/>
+              </a:ext>
+            </a:extLst>
+          </p:cNvPr>
+          <p:cNvSpPr>
+            <a:spLocks noGrp="1"/>
+          </p:cNvSpPr>
+          <p:nvPr>
+            <p:ph idx="1"/>
+          </p:nvPr>
+        </p:nvSpPr>
+        <p:spPr/>
+        <p:txBody>
+          <a:bodyPr>
+            <a:normAutofit/>
+          </a:bodyPr>
+          <a:lstStyle/>
+          <a:p>
+            <a:r>
+              <a:rPr lang="en-US" dirty="0"/>
+              <a:t>Deploying a Management Service Principal</a:t>
+            </a:r>
+          </a:p>
+          <a:p>
+            <a:r>
+              <a:rPr lang="en-US" dirty="0"/>
+              <a:t>Create a YAML Build Pipeline</a:t>
+            </a:r>
+          </a:p>
+          <a:p>
+            <a:r>
+              <a:rPr lang="en-US" dirty="0"/>
+              <a:t>Deploy Infrastructure using our Build Pipeline</a:t>
+            </a:r>
+          </a:p>
+          <a:p>
+            <a:pPr lvl="1"/>
+            <a:r>
+              <a:rPr lang="en-US" dirty="0"/>
+              <a:t>AKS Cluster</a:t>
+            </a:r>
+          </a:p>
+          <a:p>
+            <a:pPr lvl="1"/>
+            <a:r>
+              <a:rPr lang="en-US" dirty="0"/>
+              <a:t>PostgreSQL Server and Database</a:t>
+            </a:r>
+          </a:p>
+          <a:p>
+            <a:pPr lvl="1"/>
+            <a:r>
+              <a:rPr lang="en-US" dirty="0"/>
+              <a:t>Key Vaults</a:t>
+            </a:r>
+          </a:p>
+          <a:p>
+            <a:pPr lvl="1"/>
+            <a:r>
+              <a:rPr lang="en-US" dirty="0" err="1"/>
+              <a:t>Springboot</a:t>
+            </a:r>
+            <a:r>
+              <a:rPr lang="en-US" dirty="0"/>
+              <a:t> App</a:t>
+            </a:r>
+          </a:p>
+          <a:p>
+            <a:r>
+              <a:rPr lang="en-US" dirty="0"/>
+              <a:t>Verifying access and connectivity to resources</a:t>
+            </a:r>
+          </a:p>
+          <a:p>
+            <a:pPr lvl="1"/>
+            <a:endParaRPr lang="en-US" dirty="0"/>
+          </a:p>
+        </p:txBody>
+      </p:sp>
+    </p:spTree>
+    <p:extLst>
+      <p:ext uri="{BB962C8B-B14F-4D97-AF65-F5344CB8AC3E}">
+        <p14:creationId xmlns:p14="http://schemas.microsoft.com/office/powerpoint/2010/main" val="1344061348"/>
+      </p:ext>
+    </p:extLst>
+  </p:cSld>
+  <p:clrMapOvr>
+    <a:masterClrMapping/>
+  </p:clrMapOvr>
+</p:sld>
+</file>
+
+<file path=ppt/slides/slide8.xml><?xml version="1.0" encoding="utf-8"?>
+<p:sld xmlns:a="http://schemas.openxmlformats.org/drawingml/2006/main" xmlns:r="http://schemas.openxmlformats.org/officeDocument/2006/relationships" xmlns:p="http://schemas.openxmlformats.org/presentationml/2006/main">
+  <p:cSld>
+    <p:spTree>
+      <p:nvGrpSpPr>
+        <p:cNvPr id="1" name=""/>
+        <p:cNvGrpSpPr/>
+        <p:nvPr/>
+      </p:nvGrpSpPr>
+      <p:grpSpPr>
+        <a:xfrm>
+          <a:off x="0" y="0"/>
+          <a:ext cx="0" cy="0"/>
+          <a:chOff x="0" y="0"/>
+          <a:chExt cx="0" cy="0"/>
+        </a:xfrm>
+      </p:grpSpPr>
+      <p:sp>
+        <p:nvSpPr>
+          <p:cNvPr id="2" name="Titre 1"/>
+          <p:cNvSpPr>
+            <a:spLocks noGrp="1"/>
+          </p:cNvSpPr>
+          <p:nvPr>
+            <p:ph type="title"/>
+          </p:nvPr>
+        </p:nvSpPr>
+        <p:spPr>
+          <a:xfrm>
+            <a:off x="838200" y="365126"/>
+            <a:ext cx="156411" cy="100096"/>
+          </a:xfrm>
+        </p:spPr>
+        <p:txBody>
+          <a:bodyPr>
+            <a:normAutofit fontScale="90000"/>
+          </a:bodyPr>
+          <a:lstStyle/>
+          <a:p>
+            <a:r>
+              <a:rPr lang="fr-BE" dirty="0">
+                <a:solidFill>
+                  <a:schemeClr val="bg1"/>
+                </a:solidFill>
+              </a:rPr>
+              <a:t>.</a:t>
+            </a:r>
+          </a:p>
+        </p:txBody>
+      </p:sp>
+      <p:pic>
+        <p:nvPicPr>
+          <p:cNvPr id="3" name="Image 2"/>
+          <p:cNvPicPr>
+            <a:picLocks noChangeAspect="1"/>
+          </p:cNvPicPr>
+          <p:nvPr/>
+        </p:nvPicPr>
+        <p:blipFill>
+          <a:blip r:embed="rId2">
+            <a:extLst>
+              <a:ext uri="{28A0092B-C50C-407E-A947-70E740481C1C}">
+                <a14:useLocalDpi xmlns:a14="http://schemas.microsoft.com/office/drawing/2010/main" val="0"/>
+              </a:ext>
+            </a:extLst>
+          </a:blip>
+          <a:stretch>
+            <a:fillRect/>
+          </a:stretch>
+        </p:blipFill>
+        <p:spPr>
+          <a:xfrm>
+            <a:off x="442913" y="232612"/>
+            <a:ext cx="11144249" cy="6846899"/>
+          </a:xfrm>
+          <a:prstGeom prst="rect">
+            <a:avLst/>
+          </a:prstGeom>
+        </p:spPr>
+      </p:pic>
+      <p:sp>
+        <p:nvSpPr>
+          <p:cNvPr id="6" name="Titre 1">
+            <a:extLst>
+              <a:ext uri="{FF2B5EF4-FFF2-40B4-BE49-F238E27FC236}">
+                <a16:creationId xmlns:a16="http://schemas.microsoft.com/office/drawing/2014/main" xmlns="" id="{953AA267-76C7-47AE-8C17-29637EC377BB}"/>
+              </a:ext>
+            </a:extLst>
+          </p:cNvPr>
+          <p:cNvSpPr txBox="1">
+            <a:spLocks/>
+          </p:cNvSpPr>
+          <p:nvPr/>
+        </p:nvSpPr>
+        <p:spPr>
+          <a:xfrm>
+            <a:off x="8883162" y="1"/>
+            <a:ext cx="3308838" cy="465222"/>
+          </a:xfrm>
+          <a:prstGeom prst="rect">
+            <a:avLst/>
+          </a:prstGeom>
+        </p:spPr>
+        <p:txBody>
+          <a:bodyPr vert="horz" lIns="91440" tIns="45720" rIns="91440" bIns="45720" rtlCol="0" anchor="ctr">
+            <a:normAutofit/>
+          </a:bodyPr>
+          <a:lstStyle>
+            <a:lvl1pPr algn="l" defTabSz="914400" rtl="0" eaLnBrk="1" latinLnBrk="0" hangingPunct="1">
+              <a:lnSpc>
+                <a:spcPct val="90000"/>
+              </a:lnSpc>
+              <a:spcBef>
+                <a:spcPct val="0"/>
+              </a:spcBef>
+              <a:buNone/>
+              <a:defRPr sz="4400" kern="1200">
+                <a:solidFill>
+                  <a:schemeClr val="tx1"/>
+                </a:solidFill>
+                <a:latin typeface="+mj-lt"/>
+                <a:ea typeface="+mj-ea"/>
+                <a:cs typeface="+mj-cs"/>
+              </a:defRPr>
+            </a:lvl1pPr>
+          </a:lstStyle>
+          <a:p>
+            <a:pPr algn="r"/>
+            <a:r>
+              <a:rPr lang="en-US" sz="2000" dirty="0">
+                <a:latin typeface="+mn-lt"/>
+              </a:rPr>
+              <a:t>Deployment Overview</a:t>
+            </a:r>
+            <a:endParaRPr lang="fr-BE" sz="2000" dirty="0">
+              <a:latin typeface="+mn-lt"/>
+            </a:endParaRPr>
+          </a:p>
+        </p:txBody>
+      </p:sp>
+    </p:spTree>
+    <p:extLst>
+      <p:ext uri="{BB962C8B-B14F-4D97-AF65-F5344CB8AC3E}">
+        <p14:creationId xmlns:p14="http://schemas.microsoft.com/office/powerpoint/2010/main" val="2964868850"/>
+      </p:ext>
+    </p:extLst>
+  </p:cSld>
+  <p:clrMapOvr>
+    <a:masterClrMapping/>
+  </p:clrMapOvr>
+</p:sld>
+</file>
+
+<file path=ppt/slides/slide9.xml><?xml version="1.0" encoding="utf-8"?>
+<p:sld xmlns:a="http://schemas.openxmlformats.org/drawingml/2006/main" xmlns:r="http://schemas.openxmlformats.org/officeDocument/2006/relationships" xmlns:p="http://schemas.openxmlformats.org/presentationml/2006/main">
+  <p:cSld>
+    <p:spTree>
+      <p:nvGrpSpPr>
+        <p:cNvPr id="1" name=""/>
+        <p:cNvGrpSpPr/>
+        <p:nvPr/>
+      </p:nvGrpSpPr>
+      <p:grpSpPr>
+        <a:xfrm>
+          <a:off x="0" y="0"/>
+          <a:ext cx="0" cy="0"/>
+          <a:chOff x="0" y="0"/>
+          <a:chExt cx="0" cy="0"/>
+        </a:xfrm>
+      </p:grpSpPr>
+      <p:pic>
+        <p:nvPicPr>
+          <p:cNvPr id="2" name="Image 1"/>
+          <p:cNvPicPr>
+            <a:picLocks noChangeAspect="1"/>
+          </p:cNvPicPr>
+          <p:nvPr/>
+        </p:nvPicPr>
+        <p:blipFill>
+          <a:blip r:embed="rId2">
+            <a:extLst>
+              <a:ext uri="{28A0092B-C50C-407E-A947-70E740481C1C}">
+                <a14:useLocalDpi xmlns:a14="http://schemas.microsoft.com/office/drawing/2010/main" val="0"/>
+              </a:ext>
+            </a:extLst>
+          </a:blip>
+          <a:stretch>
+            <a:fillRect/>
+          </a:stretch>
+        </p:blipFill>
+        <p:spPr>
+          <a:xfrm>
+            <a:off x="1523569" y="338554"/>
+            <a:ext cx="9220631" cy="6189975"/>
+          </a:xfrm>
+          <a:prstGeom prst="rect">
+            <a:avLst/>
+          </a:prstGeom>
+        </p:spPr>
+      </p:pic>
+      <p:sp>
+        <p:nvSpPr>
+          <p:cNvPr id="7" name="ZoneTexte 6"/>
+          <p:cNvSpPr txBox="1"/>
+          <p:nvPr/>
+        </p:nvSpPr>
+        <p:spPr>
+          <a:xfrm>
+            <a:off x="9223131" y="-61556"/>
+            <a:ext cx="3907082" cy="400110"/>
+          </a:xfrm>
+          <a:prstGeom prst="rect">
+            <a:avLst/>
+          </a:prstGeom>
+          <a:noFill/>
+        </p:spPr>
+        <p:txBody>
+          <a:bodyPr wrap="square" rtlCol="0">
+            <a:spAutoFit/>
+          </a:bodyPr>
+          <a:lstStyle/>
+          <a:p>
+            <a:r>
+              <a:rPr lang="fr-BE" sz="2000" dirty="0"/>
+              <a:t>Service </a:t>
+            </a:r>
+            <a:r>
+              <a:rPr lang="fr-BE" sz="2000" dirty="0" err="1"/>
+              <a:t>Principals</a:t>
+            </a:r>
+            <a:r>
+              <a:rPr lang="fr-BE" sz="2000" dirty="0"/>
+              <a:t> </a:t>
+            </a:r>
+            <a:r>
+              <a:rPr lang="fr-BE" sz="2000" dirty="0" err="1"/>
+              <a:t>Overview</a:t>
+            </a:r>
+            <a:endParaRPr lang="fr-BE" sz="2000" dirty="0"/>
+          </a:p>
+        </p:txBody>
+      </p:sp>
+    </p:spTree>
+    <p:extLst>
+      <p:ext uri="{BB962C8B-B14F-4D97-AF65-F5344CB8AC3E}">
+        <p14:creationId xmlns:p14="http://schemas.microsoft.com/office/powerpoint/2010/main" val="3949655327"/>
       </p:ext>
     </p:extLst>
   </p:cSld>
@@ -7154,6 +7680,24 @@
 </file>
 
 <file path=customXml/item1.xml><?xml version="1.0" encoding="utf-8"?>
+<?mso-contentType ?>
+<FormTemplates xmlns="http://schemas.microsoft.com/sharepoint/v3/contenttype/forms">
+  <Display>DocumentLibraryForm</Display>
+  <Edit>DocumentLibraryForm</Edit>
+  <New>DocumentLibraryForm</New>
+</FormTemplates>
+</file>
+
+<file path=customXml/item2.xml><?xml version="1.0" encoding="utf-8"?>
+<p:properties xmlns:p="http://schemas.microsoft.com/office/2006/metadata/properties" xmlns:xsi="http://www.w3.org/2001/XMLSchema-instance" xmlns:pc="http://schemas.microsoft.com/office/infopath/2007/PartnerControls">
+  <documentManagement>
+    <_ip_UnifiedCompliancePolicyUIAction xmlns="http://schemas.microsoft.com/sharepoint/v3" xsi:nil="true"/>
+    <_ip_UnifiedCompliancePolicyProperties xmlns="http://schemas.microsoft.com/sharepoint/v3" xsi:nil="true"/>
+  </documentManagement>
+</p:properties>
+</file>
+
+<file path=customXml/item3.xml><?xml version="1.0" encoding="utf-8"?>
 <ct:contentTypeSchema xmlns:ct="http://schemas.microsoft.com/office/2006/metadata/contentType" xmlns:ma="http://schemas.microsoft.com/office/2006/metadata/properties/metaAttributes" ct:_="" ma:_="" ma:contentTypeName="Document" ma:contentTypeID="0x010100A38A89811ECC7341A43A19B6FB48F7E1" ma:contentTypeVersion="14" ma:contentTypeDescription="Create a new document." ma:contentTypeScope="" ma:versionID="53b12876a9dc171e6841db7c2f415704">
   <xsd:schema xmlns:xsd="http://www.w3.org/2001/XMLSchema" xmlns:xs="http://www.w3.org/2001/XMLSchema" xmlns:p="http://schemas.microsoft.com/office/2006/metadata/properties" xmlns:ns1="http://schemas.microsoft.com/sharepoint/v3" xmlns:ns2="bc487258-c1c0-43c6-bf00-584470d0bede" xmlns:ns3="9bf0e6da-88fd-4ecb-9c2a-ff466c48006f" targetNamespace="http://schemas.microsoft.com/office/2006/metadata/properties" ma:root="true" ma:fieldsID="bdea3c0a5e56144fb6d8b3d4b4a1aeab" ns1:_="" ns2:_="" ns3:_="">
     <xsd:import namespace="http://schemas.microsoft.com/sharepoint/v3"/>
@@ -7387,25 +7931,33 @@
 </ct:contentTypeSchema>
 </file>
 
-<file path=customXml/item2.xml><?xml version="1.0" encoding="utf-8"?>
-<?mso-contentType ?>
-<FormTemplates xmlns="http://schemas.microsoft.com/sharepoint/v3/contenttype/forms">
-  <Display>DocumentLibraryForm</Display>
-  <Edit>DocumentLibraryForm</Edit>
-  <New>DocumentLibraryForm</New>
-</FormTemplates>
+<file path=customXml/itemProps1.xml><?xml version="1.0" encoding="utf-8"?>
+<ds:datastoreItem xmlns:ds="http://schemas.openxmlformats.org/officeDocument/2006/customXml" ds:itemID="{49844BAE-3143-4DDE-A131-826557FF8F35}">
+  <ds:schemaRefs>
+    <ds:schemaRef ds:uri="http://schemas.microsoft.com/sharepoint/v3/contenttype/forms"/>
+  </ds:schemaRefs>
+</ds:datastoreItem>
 </file>
 
-<file path=customXml/item3.xml><?xml version="1.0" encoding="utf-8"?>
-<p:properties xmlns:p="http://schemas.microsoft.com/office/2006/metadata/properties" xmlns:xsi="http://www.w3.org/2001/XMLSchema-instance" xmlns:pc="http://schemas.microsoft.com/office/infopath/2007/PartnerControls">
-  <documentManagement>
-    <_ip_UnifiedCompliancePolicyUIAction xmlns="http://schemas.microsoft.com/sharepoint/v3" xsi:nil="true"/>
-    <_ip_UnifiedCompliancePolicyProperties xmlns="http://schemas.microsoft.com/sharepoint/v3" xsi:nil="true"/>
-  </documentManagement>
-</p:properties>
+<file path=customXml/itemProps2.xml><?xml version="1.0" encoding="utf-8"?>
+<ds:datastoreItem xmlns:ds="http://schemas.openxmlformats.org/officeDocument/2006/customXml" ds:itemID="{B760C080-9903-4ED1-A019-F8AF78E3F920}">
+  <ds:schemaRefs>
+    <ds:schemaRef ds:uri="http://purl.org/dc/terms/"/>
+    <ds:schemaRef ds:uri="http://schemas.microsoft.com/office/2006/documentManagement/types"/>
+    <ds:schemaRef ds:uri="http://purl.org/dc/elements/1.1/"/>
+    <ds:schemaRef ds:uri="9bf0e6da-88fd-4ecb-9c2a-ff466c48006f"/>
+    <ds:schemaRef ds:uri="http://schemas.openxmlformats.org/package/2006/metadata/core-properties"/>
+    <ds:schemaRef ds:uri="bc487258-c1c0-43c6-bf00-584470d0bede"/>
+    <ds:schemaRef ds:uri="http://schemas.microsoft.com/sharepoint/v3"/>
+    <ds:schemaRef ds:uri="http://schemas.microsoft.com/office/infopath/2007/PartnerControls"/>
+    <ds:schemaRef ds:uri="http://schemas.microsoft.com/office/2006/metadata/properties"/>
+    <ds:schemaRef ds:uri="http://www.w3.org/XML/1998/namespace"/>
+    <ds:schemaRef ds:uri="http://purl.org/dc/dcmitype/"/>
+  </ds:schemaRefs>
+</ds:datastoreItem>
 </file>
 
-<file path=customXml/itemProps1.xml><?xml version="1.0" encoding="utf-8"?>
+<file path=customXml/itemProps3.xml><?xml version="1.0" encoding="utf-8"?>
 <ds:datastoreItem xmlns:ds="http://schemas.openxmlformats.org/officeDocument/2006/customXml" ds:itemID="{6A53AB11-3D5E-4B2C-92FF-7CE4F252F705}">
   <ds:schemaRefs>
     <ds:schemaRef ds:uri="http://schemas.microsoft.com/office/2006/metadata/contentType"/>
@@ -7423,30 +7975,4 @@
     <ds:schemaRef ds:uri="http://schemas.microsoft.com/internal/obd"/>
   </ds:schemaRefs>
 </ds:datastoreItem>
-</file>
-
-<file path=customXml/itemProps2.xml><?xml version="1.0" encoding="utf-8"?>
-<ds:datastoreItem xmlns:ds="http://schemas.openxmlformats.org/officeDocument/2006/customXml" ds:itemID="{49844BAE-3143-4DDE-A131-826557FF8F35}">
-  <ds:schemaRefs>
-    <ds:schemaRef ds:uri="http://schemas.microsoft.com/sharepoint/v3/contenttype/forms"/>
-  </ds:schemaRefs>
-</ds:datastoreItem>
-</file>
-
-<file path=customXml/itemProps3.xml><?xml version="1.0" encoding="utf-8"?>
-<ds:datastoreItem xmlns:ds="http://schemas.openxmlformats.org/officeDocument/2006/customXml" ds:itemID="{B760C080-9903-4ED1-A019-F8AF78E3F920}">
-  <ds:schemaRefs>
-    <ds:schemaRef ds:uri="http://purl.org/dc/terms/"/>
-    <ds:schemaRef ds:uri="http://schemas.microsoft.com/office/2006/documentManagement/types"/>
-    <ds:schemaRef ds:uri="http://purl.org/dc/elements/1.1/"/>
-    <ds:schemaRef ds:uri="9bf0e6da-88fd-4ecb-9c2a-ff466c48006f"/>
-    <ds:schemaRef ds:uri="http://schemas.openxmlformats.org/package/2006/metadata/core-properties"/>
-    <ds:schemaRef ds:uri="bc487258-c1c0-43c6-bf00-584470d0bede"/>
-    <ds:schemaRef ds:uri="http://schemas.microsoft.com/sharepoint/v3"/>
-    <ds:schemaRef ds:uri="http://schemas.microsoft.com/office/infopath/2007/PartnerControls"/>
-    <ds:schemaRef ds:uri="http://schemas.microsoft.com/office/2006/metadata/properties"/>
-    <ds:schemaRef ds:uri="http://www.w3.org/XML/1998/namespace"/>
-    <ds:schemaRef ds:uri="http://purl.org/dc/dcmitype/"/>
-  </ds:schemaRefs>
-</ds:datastoreItem>
 </file>
--- a/presentation.pptx
+++ b/presentation.pptx
@@ -590,7 +590,7 @@
           <a:p>
             <a:fld id="{99587299-0E86-4D7C-834B-B5F97371AE13}" type="datetimeFigureOut">
               <a:rPr lang="en-US" smtClean="0"/>
-              <a:t>7/23/2020</a:t>
+              <a:t>7/24/2020</a:t>
             </a:fld>
             <a:endParaRPr lang="en-US"/>
           </a:p>
@@ -748,7 +748,7 @@
           <a:p>
             <a:fld id="{8D45066D-9EB7-4AAA-B766-743B976AC38B}" type="slidenum">
               <a:rPr lang="en-US" smtClean="0"/>
-              <a:t>‹N°›</a:t>
+              <a:t>‹#›</a:t>
             </a:fld>
             <a:endParaRPr lang="en-US"/>
           </a:p>
@@ -1047,7 +1047,7 @@
           <p:cNvPr id="2" name="Title 1">
             <a:extLst>
               <a:ext uri="{FF2B5EF4-FFF2-40B4-BE49-F238E27FC236}">
-                <a16:creationId xmlns:a16="http://schemas.microsoft.com/office/drawing/2014/main" xmlns="" id="{74CB3B42-34FE-4F89-AF42-20D84E8F645D}"/>
+                <a16:creationId xmlns:a16="http://schemas.microsoft.com/office/drawing/2014/main" id="{74CB3B42-34FE-4F89-AF42-20D84E8F645D}"/>
               </a:ext>
             </a:extLst>
           </p:cNvPr>
@@ -1084,7 +1084,7 @@
           <p:cNvPr id="3" name="Subtitle 2">
             <a:extLst>
               <a:ext uri="{FF2B5EF4-FFF2-40B4-BE49-F238E27FC236}">
-                <a16:creationId xmlns:a16="http://schemas.microsoft.com/office/drawing/2014/main" xmlns="" id="{BAAEADC8-C044-475D-964E-3518AF29F740}"/>
+                <a16:creationId xmlns:a16="http://schemas.microsoft.com/office/drawing/2014/main" id="{BAAEADC8-C044-475D-964E-3518AF29F740}"/>
               </a:ext>
             </a:extLst>
           </p:cNvPr>
@@ -1154,7 +1154,7 @@
           <p:cNvPr id="4" name="Date Placeholder 3">
             <a:extLst>
               <a:ext uri="{FF2B5EF4-FFF2-40B4-BE49-F238E27FC236}">
-                <a16:creationId xmlns:a16="http://schemas.microsoft.com/office/drawing/2014/main" xmlns="" id="{8CA9461F-540C-4F0D-8A2F-79046F34CE20}"/>
+                <a16:creationId xmlns:a16="http://schemas.microsoft.com/office/drawing/2014/main" id="{8CA9461F-540C-4F0D-8A2F-79046F34CE20}"/>
               </a:ext>
             </a:extLst>
           </p:cNvPr>
@@ -1172,7 +1172,7 @@
           <a:p>
             <a:fld id="{DEB1FEE5-0530-414D-96B9-88113598593B}" type="datetimeFigureOut">
               <a:rPr lang="en-US" smtClean="0"/>
-              <a:t>7/23/2020</a:t>
+              <a:t>7/24/2020</a:t>
             </a:fld>
             <a:endParaRPr lang="en-US"/>
           </a:p>
@@ -1183,7 +1183,7 @@
           <p:cNvPr id="5" name="Footer Placeholder 4">
             <a:extLst>
               <a:ext uri="{FF2B5EF4-FFF2-40B4-BE49-F238E27FC236}">
-                <a16:creationId xmlns:a16="http://schemas.microsoft.com/office/drawing/2014/main" xmlns="" id="{BCB5ACD2-9CC9-4425-A5CB-5419C890EAA2}"/>
+                <a16:creationId xmlns:a16="http://schemas.microsoft.com/office/drawing/2014/main" id="{BCB5ACD2-9CC9-4425-A5CB-5419C890EAA2}"/>
               </a:ext>
             </a:extLst>
           </p:cNvPr>
@@ -1208,7 +1208,7 @@
           <p:cNvPr id="6" name="Slide Number Placeholder 5">
             <a:extLst>
               <a:ext uri="{FF2B5EF4-FFF2-40B4-BE49-F238E27FC236}">
-                <a16:creationId xmlns:a16="http://schemas.microsoft.com/office/drawing/2014/main" xmlns="" id="{0F78A4CF-2079-499D-8C5A-763CAE67D1A6}"/>
+                <a16:creationId xmlns:a16="http://schemas.microsoft.com/office/drawing/2014/main" id="{0F78A4CF-2079-499D-8C5A-763CAE67D1A6}"/>
               </a:ext>
             </a:extLst>
           </p:cNvPr>
@@ -1226,7 +1226,7 @@
           <a:p>
             <a:fld id="{E90B4EE6-832A-4455-A0E8-256062B7E61D}" type="slidenum">
               <a:rPr lang="en-US" smtClean="0"/>
-              <a:t>‹N°›</a:t>
+              <a:t>‹#›</a:t>
             </a:fld>
             <a:endParaRPr lang="en-US"/>
           </a:p>
@@ -1267,7 +1267,7 @@
           <p:cNvPr id="2" name="Title 1">
             <a:extLst>
               <a:ext uri="{FF2B5EF4-FFF2-40B4-BE49-F238E27FC236}">
-                <a16:creationId xmlns:a16="http://schemas.microsoft.com/office/drawing/2014/main" xmlns="" id="{94D83A22-0EB9-4B3F-B578-25F5853E64A8}"/>
+                <a16:creationId xmlns:a16="http://schemas.microsoft.com/office/drawing/2014/main" id="{94D83A22-0EB9-4B3F-B578-25F5853E64A8}"/>
               </a:ext>
             </a:extLst>
           </p:cNvPr>
@@ -1295,7 +1295,7 @@
           <p:cNvPr id="3" name="Vertical Text Placeholder 2">
             <a:extLst>
               <a:ext uri="{FF2B5EF4-FFF2-40B4-BE49-F238E27FC236}">
-                <a16:creationId xmlns:a16="http://schemas.microsoft.com/office/drawing/2014/main" xmlns="" id="{222F2EB6-7C39-46D6-A9BB-4FE726D0E0EE}"/>
+                <a16:creationId xmlns:a16="http://schemas.microsoft.com/office/drawing/2014/main" id="{222F2EB6-7C39-46D6-A9BB-4FE726D0E0EE}"/>
               </a:ext>
             </a:extLst>
           </p:cNvPr>
@@ -1352,7 +1352,7 @@
           <p:cNvPr id="4" name="Date Placeholder 3">
             <a:extLst>
               <a:ext uri="{FF2B5EF4-FFF2-40B4-BE49-F238E27FC236}">
-                <a16:creationId xmlns:a16="http://schemas.microsoft.com/office/drawing/2014/main" xmlns="" id="{35361AC5-9CC3-4ACD-B628-0CB5377B7DB3}"/>
+                <a16:creationId xmlns:a16="http://schemas.microsoft.com/office/drawing/2014/main" id="{35361AC5-9CC3-4ACD-B628-0CB5377B7DB3}"/>
               </a:ext>
             </a:extLst>
           </p:cNvPr>
@@ -1370,7 +1370,7 @@
           <a:p>
             <a:fld id="{DEB1FEE5-0530-414D-96B9-88113598593B}" type="datetimeFigureOut">
               <a:rPr lang="en-US" smtClean="0"/>
-              <a:t>7/23/2020</a:t>
+              <a:t>7/24/2020</a:t>
             </a:fld>
             <a:endParaRPr lang="en-US"/>
           </a:p>
@@ -1381,7 +1381,7 @@
           <p:cNvPr id="5" name="Footer Placeholder 4">
             <a:extLst>
               <a:ext uri="{FF2B5EF4-FFF2-40B4-BE49-F238E27FC236}">
-                <a16:creationId xmlns:a16="http://schemas.microsoft.com/office/drawing/2014/main" xmlns="" id="{18105882-F008-4ABB-B2CC-F6A24DA7A283}"/>
+                <a16:creationId xmlns:a16="http://schemas.microsoft.com/office/drawing/2014/main" id="{18105882-F008-4ABB-B2CC-F6A24DA7A283}"/>
               </a:ext>
             </a:extLst>
           </p:cNvPr>
@@ -1406,7 +1406,7 @@
           <p:cNvPr id="6" name="Slide Number Placeholder 5">
             <a:extLst>
               <a:ext uri="{FF2B5EF4-FFF2-40B4-BE49-F238E27FC236}">
-                <a16:creationId xmlns:a16="http://schemas.microsoft.com/office/drawing/2014/main" xmlns="" id="{87C90FF4-37A4-4B07-9C64-13CBD7BA4BBE}"/>
+                <a16:creationId xmlns:a16="http://schemas.microsoft.com/office/drawing/2014/main" id="{87C90FF4-37A4-4B07-9C64-13CBD7BA4BBE}"/>
               </a:ext>
             </a:extLst>
           </p:cNvPr>
@@ -1424,7 +1424,7 @@
           <a:p>
             <a:fld id="{E90B4EE6-832A-4455-A0E8-256062B7E61D}" type="slidenum">
               <a:rPr lang="en-US" smtClean="0"/>
-              <a:t>‹N°›</a:t>
+              <a:t>‹#›</a:t>
             </a:fld>
             <a:endParaRPr lang="en-US"/>
           </a:p>
@@ -1465,7 +1465,7 @@
           <p:cNvPr id="2" name="Vertical Title 1">
             <a:extLst>
               <a:ext uri="{FF2B5EF4-FFF2-40B4-BE49-F238E27FC236}">
-                <a16:creationId xmlns:a16="http://schemas.microsoft.com/office/drawing/2014/main" xmlns="" id="{D4CFFC75-FB04-4070-ACF3-17B74E1E49A0}"/>
+                <a16:creationId xmlns:a16="http://schemas.microsoft.com/office/drawing/2014/main" id="{D4CFFC75-FB04-4070-ACF3-17B74E1E49A0}"/>
               </a:ext>
             </a:extLst>
           </p:cNvPr>
@@ -1498,7 +1498,7 @@
           <p:cNvPr id="3" name="Vertical Text Placeholder 2">
             <a:extLst>
               <a:ext uri="{FF2B5EF4-FFF2-40B4-BE49-F238E27FC236}">
-                <a16:creationId xmlns:a16="http://schemas.microsoft.com/office/drawing/2014/main" xmlns="" id="{E8DC022A-F28A-42FE-B136-97D2DB44E1CD}"/>
+                <a16:creationId xmlns:a16="http://schemas.microsoft.com/office/drawing/2014/main" id="{E8DC022A-F28A-42FE-B136-97D2DB44E1CD}"/>
               </a:ext>
             </a:extLst>
           </p:cNvPr>
@@ -1560,7 +1560,7 @@
           <p:cNvPr id="4" name="Date Placeholder 3">
             <a:extLst>
               <a:ext uri="{FF2B5EF4-FFF2-40B4-BE49-F238E27FC236}">
-                <a16:creationId xmlns:a16="http://schemas.microsoft.com/office/drawing/2014/main" xmlns="" id="{E5436E70-3209-4B1D-8141-7D7A8CB50EB0}"/>
+                <a16:creationId xmlns:a16="http://schemas.microsoft.com/office/drawing/2014/main" id="{E5436E70-3209-4B1D-8141-7D7A8CB50EB0}"/>
               </a:ext>
             </a:extLst>
           </p:cNvPr>
@@ -1578,7 +1578,7 @@
           <a:p>
             <a:fld id="{DEB1FEE5-0530-414D-96B9-88113598593B}" type="datetimeFigureOut">
               <a:rPr lang="en-US" smtClean="0"/>
-              <a:t>7/23/2020</a:t>
+              <a:t>7/24/2020</a:t>
             </a:fld>
             <a:endParaRPr lang="en-US"/>
           </a:p>
@@ -1589,7 +1589,7 @@
           <p:cNvPr id="5" name="Footer Placeholder 4">
             <a:extLst>
               <a:ext uri="{FF2B5EF4-FFF2-40B4-BE49-F238E27FC236}">
-                <a16:creationId xmlns:a16="http://schemas.microsoft.com/office/drawing/2014/main" xmlns="" id="{0CCEEE92-3BC7-4251-9BA8-4DB85DFDCE30}"/>
+                <a16:creationId xmlns:a16="http://schemas.microsoft.com/office/drawing/2014/main" id="{0CCEEE92-3BC7-4251-9BA8-4DB85DFDCE30}"/>
               </a:ext>
             </a:extLst>
           </p:cNvPr>
@@ -1614,7 +1614,7 @@
           <p:cNvPr id="6" name="Slide Number Placeholder 5">
             <a:extLst>
               <a:ext uri="{FF2B5EF4-FFF2-40B4-BE49-F238E27FC236}">
-                <a16:creationId xmlns:a16="http://schemas.microsoft.com/office/drawing/2014/main" xmlns="" id="{20BFE1BB-FF5B-4BC1-8FB0-68000A99BC49}"/>
+                <a16:creationId xmlns:a16="http://schemas.microsoft.com/office/drawing/2014/main" id="{20BFE1BB-FF5B-4BC1-8FB0-68000A99BC49}"/>
               </a:ext>
             </a:extLst>
           </p:cNvPr>
@@ -1632,7 +1632,7 @@
           <a:p>
             <a:fld id="{E90B4EE6-832A-4455-A0E8-256062B7E61D}" type="slidenum">
               <a:rPr lang="en-US" smtClean="0"/>
-              <a:t>‹N°›</a:t>
+              <a:t>‹#›</a:t>
             </a:fld>
             <a:endParaRPr lang="en-US"/>
           </a:p>
@@ -1673,7 +1673,7 @@
           <p:cNvPr id="2" name="Title 1">
             <a:extLst>
               <a:ext uri="{FF2B5EF4-FFF2-40B4-BE49-F238E27FC236}">
-                <a16:creationId xmlns:a16="http://schemas.microsoft.com/office/drawing/2014/main" xmlns="" id="{EFE1E8BF-1E87-4CD1-AF63-7672EB209355}"/>
+                <a16:creationId xmlns:a16="http://schemas.microsoft.com/office/drawing/2014/main" id="{EFE1E8BF-1E87-4CD1-AF63-7672EB209355}"/>
               </a:ext>
             </a:extLst>
           </p:cNvPr>
@@ -1701,7 +1701,7 @@
           <p:cNvPr id="3" name="Content Placeholder 2">
             <a:extLst>
               <a:ext uri="{FF2B5EF4-FFF2-40B4-BE49-F238E27FC236}">
-                <a16:creationId xmlns:a16="http://schemas.microsoft.com/office/drawing/2014/main" xmlns="" id="{19C10D01-C8D3-4852-95DB-8784F9DA536F}"/>
+                <a16:creationId xmlns:a16="http://schemas.microsoft.com/office/drawing/2014/main" id="{19C10D01-C8D3-4852-95DB-8784F9DA536F}"/>
               </a:ext>
             </a:extLst>
           </p:cNvPr>
@@ -1758,7 +1758,7 @@
           <p:cNvPr id="4" name="Date Placeholder 3">
             <a:extLst>
               <a:ext uri="{FF2B5EF4-FFF2-40B4-BE49-F238E27FC236}">
-                <a16:creationId xmlns:a16="http://schemas.microsoft.com/office/drawing/2014/main" xmlns="" id="{E32E90B2-5259-47FC-B041-7AD0037CD92E}"/>
+                <a16:creationId xmlns:a16="http://schemas.microsoft.com/office/drawing/2014/main" id="{E32E90B2-5259-47FC-B041-7AD0037CD92E}"/>
               </a:ext>
             </a:extLst>
           </p:cNvPr>
@@ -1776,7 +1776,7 @@
           <a:p>
             <a:fld id="{DEB1FEE5-0530-414D-96B9-88113598593B}" type="datetimeFigureOut">
               <a:rPr lang="en-US" smtClean="0"/>
-              <a:t>7/23/2020</a:t>
+              <a:t>7/24/2020</a:t>
             </a:fld>
             <a:endParaRPr lang="en-US"/>
           </a:p>
@@ -1787,7 +1787,7 @@
           <p:cNvPr id="5" name="Footer Placeholder 4">
             <a:extLst>
               <a:ext uri="{FF2B5EF4-FFF2-40B4-BE49-F238E27FC236}">
-                <a16:creationId xmlns:a16="http://schemas.microsoft.com/office/drawing/2014/main" xmlns="" id="{D9986EA6-9A4D-453A-A7E1-15CED315CCAD}"/>
+                <a16:creationId xmlns:a16="http://schemas.microsoft.com/office/drawing/2014/main" id="{D9986EA6-9A4D-453A-A7E1-15CED315CCAD}"/>
               </a:ext>
             </a:extLst>
           </p:cNvPr>
@@ -1812,7 +1812,7 @@
           <p:cNvPr id="6" name="Slide Number Placeholder 5">
             <a:extLst>
               <a:ext uri="{FF2B5EF4-FFF2-40B4-BE49-F238E27FC236}">
-                <a16:creationId xmlns:a16="http://schemas.microsoft.com/office/drawing/2014/main" xmlns="" id="{E97CAF34-35AB-4550-8C0C-9B86C12F644B}"/>
+                <a16:creationId xmlns:a16="http://schemas.microsoft.com/office/drawing/2014/main" id="{E97CAF34-35AB-4550-8C0C-9B86C12F644B}"/>
               </a:ext>
             </a:extLst>
           </p:cNvPr>
@@ -1830,7 +1830,7 @@
           <a:p>
             <a:fld id="{E90B4EE6-832A-4455-A0E8-256062B7E61D}" type="slidenum">
               <a:rPr lang="en-US" smtClean="0"/>
-              <a:t>‹N°›</a:t>
+              <a:t>‹#›</a:t>
             </a:fld>
             <a:endParaRPr lang="en-US"/>
           </a:p>
@@ -1871,7 +1871,7 @@
           <p:cNvPr id="2" name="Title 1">
             <a:extLst>
               <a:ext uri="{FF2B5EF4-FFF2-40B4-BE49-F238E27FC236}">
-                <a16:creationId xmlns:a16="http://schemas.microsoft.com/office/drawing/2014/main" xmlns="" id="{BB916C6A-A086-417B-9D9B-D1DE4E55ED82}"/>
+                <a16:creationId xmlns:a16="http://schemas.microsoft.com/office/drawing/2014/main" id="{BB916C6A-A086-417B-9D9B-D1DE4E55ED82}"/>
               </a:ext>
             </a:extLst>
           </p:cNvPr>
@@ -1908,7 +1908,7 @@
           <p:cNvPr id="3" name="Text Placeholder 2">
             <a:extLst>
               <a:ext uri="{FF2B5EF4-FFF2-40B4-BE49-F238E27FC236}">
-                <a16:creationId xmlns:a16="http://schemas.microsoft.com/office/drawing/2014/main" xmlns="" id="{70C29A8C-B4CF-469F-A48A-C287A37DF087}"/>
+                <a16:creationId xmlns:a16="http://schemas.microsoft.com/office/drawing/2014/main" id="{70C29A8C-B4CF-469F-A48A-C287A37DF087}"/>
               </a:ext>
             </a:extLst>
           </p:cNvPr>
@@ -2033,7 +2033,7 @@
           <p:cNvPr id="4" name="Date Placeholder 3">
             <a:extLst>
               <a:ext uri="{FF2B5EF4-FFF2-40B4-BE49-F238E27FC236}">
-                <a16:creationId xmlns:a16="http://schemas.microsoft.com/office/drawing/2014/main" xmlns="" id="{5179447B-29EC-4F00-9705-09AB61AEF67D}"/>
+                <a16:creationId xmlns:a16="http://schemas.microsoft.com/office/drawing/2014/main" id="{5179447B-29EC-4F00-9705-09AB61AEF67D}"/>
               </a:ext>
             </a:extLst>
           </p:cNvPr>
@@ -2051,7 +2051,7 @@
           <a:p>
             <a:fld id="{DEB1FEE5-0530-414D-96B9-88113598593B}" type="datetimeFigureOut">
               <a:rPr lang="en-US" smtClean="0"/>
-              <a:t>7/23/2020</a:t>
+              <a:t>7/24/2020</a:t>
             </a:fld>
             <a:endParaRPr lang="en-US"/>
           </a:p>
@@ -2062,7 +2062,7 @@
           <p:cNvPr id="5" name="Footer Placeholder 4">
             <a:extLst>
               <a:ext uri="{FF2B5EF4-FFF2-40B4-BE49-F238E27FC236}">
-                <a16:creationId xmlns:a16="http://schemas.microsoft.com/office/drawing/2014/main" xmlns="" id="{FD5E7B0A-AE37-4B5B-9E1F-8DD5ED94C003}"/>
+                <a16:creationId xmlns:a16="http://schemas.microsoft.com/office/drawing/2014/main" id="{FD5E7B0A-AE37-4B5B-9E1F-8DD5ED94C003}"/>
               </a:ext>
             </a:extLst>
           </p:cNvPr>
@@ -2087,7 +2087,7 @@
           <p:cNvPr id="6" name="Slide Number Placeholder 5">
             <a:extLst>
               <a:ext uri="{FF2B5EF4-FFF2-40B4-BE49-F238E27FC236}">
-                <a16:creationId xmlns:a16="http://schemas.microsoft.com/office/drawing/2014/main" xmlns="" id="{712A98C8-FA62-477F-AA35-E74917AD28FE}"/>
+                <a16:creationId xmlns:a16="http://schemas.microsoft.com/office/drawing/2014/main" id="{712A98C8-FA62-477F-AA35-E74917AD28FE}"/>
               </a:ext>
             </a:extLst>
           </p:cNvPr>
@@ -2105,7 +2105,7 @@
           <a:p>
             <a:fld id="{E90B4EE6-832A-4455-A0E8-256062B7E61D}" type="slidenum">
               <a:rPr lang="en-US" smtClean="0"/>
-              <a:t>‹N°›</a:t>
+              <a:t>‹#›</a:t>
             </a:fld>
             <a:endParaRPr lang="en-US"/>
           </a:p>
@@ -2146,7 +2146,7 @@
           <p:cNvPr id="2" name="Title 1">
             <a:extLst>
               <a:ext uri="{FF2B5EF4-FFF2-40B4-BE49-F238E27FC236}">
-                <a16:creationId xmlns:a16="http://schemas.microsoft.com/office/drawing/2014/main" xmlns="" id="{B744062A-C751-4B41-B996-7641A7BF9A1A}"/>
+                <a16:creationId xmlns:a16="http://schemas.microsoft.com/office/drawing/2014/main" id="{B744062A-C751-4B41-B996-7641A7BF9A1A}"/>
               </a:ext>
             </a:extLst>
           </p:cNvPr>
@@ -2174,7 +2174,7 @@
           <p:cNvPr id="3" name="Content Placeholder 2">
             <a:extLst>
               <a:ext uri="{FF2B5EF4-FFF2-40B4-BE49-F238E27FC236}">
-                <a16:creationId xmlns:a16="http://schemas.microsoft.com/office/drawing/2014/main" xmlns="" id="{324A939A-0038-464A-881F-3122AA68A0C1}"/>
+                <a16:creationId xmlns:a16="http://schemas.microsoft.com/office/drawing/2014/main" id="{324A939A-0038-464A-881F-3122AA68A0C1}"/>
               </a:ext>
             </a:extLst>
           </p:cNvPr>
@@ -2236,7 +2236,7 @@
           <p:cNvPr id="4" name="Content Placeholder 3">
             <a:extLst>
               <a:ext uri="{FF2B5EF4-FFF2-40B4-BE49-F238E27FC236}">
-                <a16:creationId xmlns:a16="http://schemas.microsoft.com/office/drawing/2014/main" xmlns="" id="{70555C23-EE74-41FE-A783-27210EC8D40E}"/>
+                <a16:creationId xmlns:a16="http://schemas.microsoft.com/office/drawing/2014/main" id="{70555C23-EE74-41FE-A783-27210EC8D40E}"/>
               </a:ext>
             </a:extLst>
           </p:cNvPr>
@@ -2298,7 +2298,7 @@
           <p:cNvPr id="5" name="Date Placeholder 4">
             <a:extLst>
               <a:ext uri="{FF2B5EF4-FFF2-40B4-BE49-F238E27FC236}">
-                <a16:creationId xmlns:a16="http://schemas.microsoft.com/office/drawing/2014/main" xmlns="" id="{D2432B00-FF5E-4908-A880-E0296BFE23D9}"/>
+                <a16:creationId xmlns:a16="http://schemas.microsoft.com/office/drawing/2014/main" id="{D2432B00-FF5E-4908-A880-E0296BFE23D9}"/>
               </a:ext>
             </a:extLst>
           </p:cNvPr>
@@ -2316,7 +2316,7 @@
           <a:p>
             <a:fld id="{DEB1FEE5-0530-414D-96B9-88113598593B}" type="datetimeFigureOut">
               <a:rPr lang="en-US" smtClean="0"/>
-              <a:t>7/23/2020</a:t>
+              <a:t>7/24/2020</a:t>
             </a:fld>
             <a:endParaRPr lang="en-US"/>
           </a:p>
@@ -2327,7 +2327,7 @@
           <p:cNvPr id="6" name="Footer Placeholder 5">
             <a:extLst>
               <a:ext uri="{FF2B5EF4-FFF2-40B4-BE49-F238E27FC236}">
-                <a16:creationId xmlns:a16="http://schemas.microsoft.com/office/drawing/2014/main" xmlns="" id="{DC5020A8-9B6A-4A99-A454-571B0A925DDA}"/>
+                <a16:creationId xmlns:a16="http://schemas.microsoft.com/office/drawing/2014/main" id="{DC5020A8-9B6A-4A99-A454-571B0A925DDA}"/>
               </a:ext>
             </a:extLst>
           </p:cNvPr>
@@ -2352,7 +2352,7 @@
           <p:cNvPr id="7" name="Slide Number Placeholder 6">
             <a:extLst>
               <a:ext uri="{FF2B5EF4-FFF2-40B4-BE49-F238E27FC236}">
-                <a16:creationId xmlns:a16="http://schemas.microsoft.com/office/drawing/2014/main" xmlns="" id="{3C03881E-EE40-41D8-877B-BFD1EA2C24A4}"/>
+                <a16:creationId xmlns:a16="http://schemas.microsoft.com/office/drawing/2014/main" id="{3C03881E-EE40-41D8-877B-BFD1EA2C24A4}"/>
               </a:ext>
             </a:extLst>
           </p:cNvPr>
@@ -2370,7 +2370,7 @@
           <a:p>
             <a:fld id="{E90B4EE6-832A-4455-A0E8-256062B7E61D}" type="slidenum">
               <a:rPr lang="en-US" smtClean="0"/>
-              <a:t>‹N°›</a:t>
+              <a:t>‹#›</a:t>
             </a:fld>
             <a:endParaRPr lang="en-US"/>
           </a:p>
@@ -2411,7 +2411,7 @@
           <p:cNvPr id="2" name="Title 1">
             <a:extLst>
               <a:ext uri="{FF2B5EF4-FFF2-40B4-BE49-F238E27FC236}">
-                <a16:creationId xmlns:a16="http://schemas.microsoft.com/office/drawing/2014/main" xmlns="" id="{3B0E92CF-6255-484F-A37C-173192789EA9}"/>
+                <a16:creationId xmlns:a16="http://schemas.microsoft.com/office/drawing/2014/main" id="{3B0E92CF-6255-484F-A37C-173192789EA9}"/>
               </a:ext>
             </a:extLst>
           </p:cNvPr>
@@ -2444,7 +2444,7 @@
           <p:cNvPr id="3" name="Text Placeholder 2">
             <a:extLst>
               <a:ext uri="{FF2B5EF4-FFF2-40B4-BE49-F238E27FC236}">
-                <a16:creationId xmlns:a16="http://schemas.microsoft.com/office/drawing/2014/main" xmlns="" id="{201695D2-4040-455D-AD38-1A19CA283522}"/>
+                <a16:creationId xmlns:a16="http://schemas.microsoft.com/office/drawing/2014/main" id="{201695D2-4040-455D-AD38-1A19CA283522}"/>
               </a:ext>
             </a:extLst>
           </p:cNvPr>
@@ -2515,7 +2515,7 @@
           <p:cNvPr id="4" name="Content Placeholder 3">
             <a:extLst>
               <a:ext uri="{FF2B5EF4-FFF2-40B4-BE49-F238E27FC236}">
-                <a16:creationId xmlns:a16="http://schemas.microsoft.com/office/drawing/2014/main" xmlns="" id="{0FF017E3-D5C8-4E64-8992-82BCC54FF0E8}"/>
+                <a16:creationId xmlns:a16="http://schemas.microsoft.com/office/drawing/2014/main" id="{0FF017E3-D5C8-4E64-8992-82BCC54FF0E8}"/>
               </a:ext>
             </a:extLst>
           </p:cNvPr>
@@ -2577,7 +2577,7 @@
           <p:cNvPr id="5" name="Text Placeholder 4">
             <a:extLst>
               <a:ext uri="{FF2B5EF4-FFF2-40B4-BE49-F238E27FC236}">
-                <a16:creationId xmlns:a16="http://schemas.microsoft.com/office/drawing/2014/main" xmlns="" id="{19D22FD8-455C-4E40-BF0A-2C055C37DD90}"/>
+                <a16:creationId xmlns:a16="http://schemas.microsoft.com/office/drawing/2014/main" id="{19D22FD8-455C-4E40-BF0A-2C055C37DD90}"/>
               </a:ext>
             </a:extLst>
           </p:cNvPr>
@@ -2648,7 +2648,7 @@
           <p:cNvPr id="6" name="Content Placeholder 5">
             <a:extLst>
               <a:ext uri="{FF2B5EF4-FFF2-40B4-BE49-F238E27FC236}">
-                <a16:creationId xmlns:a16="http://schemas.microsoft.com/office/drawing/2014/main" xmlns="" id="{5DA918F5-8458-4261-A81C-D7792017416B}"/>
+                <a16:creationId xmlns:a16="http://schemas.microsoft.com/office/drawing/2014/main" id="{5DA918F5-8458-4261-A81C-D7792017416B}"/>
               </a:ext>
             </a:extLst>
           </p:cNvPr>
@@ -2710,7 +2710,7 @@
           <p:cNvPr id="7" name="Date Placeholder 6">
             <a:extLst>
               <a:ext uri="{FF2B5EF4-FFF2-40B4-BE49-F238E27FC236}">
-                <a16:creationId xmlns:a16="http://schemas.microsoft.com/office/drawing/2014/main" xmlns="" id="{A29768BE-081C-4D7B-84DA-258D1BD21702}"/>
+                <a16:creationId xmlns:a16="http://schemas.microsoft.com/office/drawing/2014/main" id="{A29768BE-081C-4D7B-84DA-258D1BD21702}"/>
               </a:ext>
             </a:extLst>
           </p:cNvPr>
@@ -2728,7 +2728,7 @@
           <a:p>
             <a:fld id="{DEB1FEE5-0530-414D-96B9-88113598593B}" type="datetimeFigureOut">
               <a:rPr lang="en-US" smtClean="0"/>
-              <a:t>7/23/2020</a:t>
+              <a:t>7/24/2020</a:t>
             </a:fld>
             <a:endParaRPr lang="en-US"/>
           </a:p>
@@ -2739,7 +2739,7 @@
           <p:cNvPr id="8" name="Footer Placeholder 7">
             <a:extLst>
               <a:ext uri="{FF2B5EF4-FFF2-40B4-BE49-F238E27FC236}">
-                <a16:creationId xmlns:a16="http://schemas.microsoft.com/office/drawing/2014/main" xmlns="" id="{772AF356-5822-4E2D-A40F-68942C63AB11}"/>
+                <a16:creationId xmlns:a16="http://schemas.microsoft.com/office/drawing/2014/main" id="{772AF356-5822-4E2D-A40F-68942C63AB11}"/>
               </a:ext>
             </a:extLst>
           </p:cNvPr>
@@ -2764,7 +2764,7 @@
           <p:cNvPr id="9" name="Slide Number Placeholder 8">
             <a:extLst>
               <a:ext uri="{FF2B5EF4-FFF2-40B4-BE49-F238E27FC236}">
-                <a16:creationId xmlns:a16="http://schemas.microsoft.com/office/drawing/2014/main" xmlns="" id="{CE2EAFCF-FE8A-4ADD-ACF3-C5E3A9B8FC90}"/>
+                <a16:creationId xmlns:a16="http://schemas.microsoft.com/office/drawing/2014/main" id="{CE2EAFCF-FE8A-4ADD-ACF3-C5E3A9B8FC90}"/>
               </a:ext>
             </a:extLst>
           </p:cNvPr>
@@ -2782,7 +2782,7 @@
           <a:p>
             <a:fld id="{E90B4EE6-832A-4455-A0E8-256062B7E61D}" type="slidenum">
               <a:rPr lang="en-US" smtClean="0"/>
-              <a:t>‹N°›</a:t>
+              <a:t>‹#›</a:t>
             </a:fld>
             <a:endParaRPr lang="en-US"/>
           </a:p>
@@ -2823,7 +2823,7 @@
           <p:cNvPr id="2" name="Title 1">
             <a:extLst>
               <a:ext uri="{FF2B5EF4-FFF2-40B4-BE49-F238E27FC236}">
-                <a16:creationId xmlns:a16="http://schemas.microsoft.com/office/drawing/2014/main" xmlns="" id="{8E624107-501F-45D7-A4B8-DEDC2A0852D7}"/>
+                <a16:creationId xmlns:a16="http://schemas.microsoft.com/office/drawing/2014/main" id="{8E624107-501F-45D7-A4B8-DEDC2A0852D7}"/>
               </a:ext>
             </a:extLst>
           </p:cNvPr>
@@ -2851,7 +2851,7 @@
           <p:cNvPr id="3" name="Date Placeholder 2">
             <a:extLst>
               <a:ext uri="{FF2B5EF4-FFF2-40B4-BE49-F238E27FC236}">
-                <a16:creationId xmlns:a16="http://schemas.microsoft.com/office/drawing/2014/main" xmlns="" id="{7A44E379-05D5-4408-90DA-6DA7EA1AB70F}"/>
+                <a16:creationId xmlns:a16="http://schemas.microsoft.com/office/drawing/2014/main" id="{7A44E379-05D5-4408-90DA-6DA7EA1AB70F}"/>
               </a:ext>
             </a:extLst>
           </p:cNvPr>
@@ -2869,7 +2869,7 @@
           <a:p>
             <a:fld id="{DEB1FEE5-0530-414D-96B9-88113598593B}" type="datetimeFigureOut">
               <a:rPr lang="en-US" smtClean="0"/>
-              <a:t>7/23/2020</a:t>
+              <a:t>7/24/2020</a:t>
             </a:fld>
             <a:endParaRPr lang="en-US"/>
           </a:p>
@@ -2880,7 +2880,7 @@
           <p:cNvPr id="4" name="Footer Placeholder 3">
             <a:extLst>
               <a:ext uri="{FF2B5EF4-FFF2-40B4-BE49-F238E27FC236}">
-                <a16:creationId xmlns:a16="http://schemas.microsoft.com/office/drawing/2014/main" xmlns="" id="{2E310503-419E-4308-8BB8-B705684BDD44}"/>
+                <a16:creationId xmlns:a16="http://schemas.microsoft.com/office/drawing/2014/main" id="{2E310503-419E-4308-8BB8-B705684BDD44}"/>
               </a:ext>
             </a:extLst>
           </p:cNvPr>
@@ -2905,7 +2905,7 @@
           <p:cNvPr id="5" name="Slide Number Placeholder 4">
             <a:extLst>
               <a:ext uri="{FF2B5EF4-FFF2-40B4-BE49-F238E27FC236}">
-                <a16:creationId xmlns:a16="http://schemas.microsoft.com/office/drawing/2014/main" xmlns="" id="{F41B98EC-28A6-4B82-9FEE-DE4851173E03}"/>
+                <a16:creationId xmlns:a16="http://schemas.microsoft.com/office/drawing/2014/main" id="{F41B98EC-28A6-4B82-9FEE-DE4851173E03}"/>
               </a:ext>
             </a:extLst>
           </p:cNvPr>
@@ -2923,7 +2923,7 @@
           <a:p>
             <a:fld id="{E90B4EE6-832A-4455-A0E8-256062B7E61D}" type="slidenum">
               <a:rPr lang="en-US" smtClean="0"/>
-              <a:t>‹N°›</a:t>
+              <a:t>‹#›</a:t>
             </a:fld>
             <a:endParaRPr lang="en-US"/>
           </a:p>
@@ -2964,7 +2964,7 @@
           <p:cNvPr id="2" name="Date Placeholder 1">
             <a:extLst>
               <a:ext uri="{FF2B5EF4-FFF2-40B4-BE49-F238E27FC236}">
-                <a16:creationId xmlns:a16="http://schemas.microsoft.com/office/drawing/2014/main" xmlns="" id="{728D7F1C-FA4D-420E-A817-8EF8AAFB30E7}"/>
+                <a16:creationId xmlns:a16="http://schemas.microsoft.com/office/drawing/2014/main" id="{728D7F1C-FA4D-420E-A817-8EF8AAFB30E7}"/>
               </a:ext>
             </a:extLst>
           </p:cNvPr>
@@ -2982,7 +2982,7 @@
           <a:p>
             <a:fld id="{DEB1FEE5-0530-414D-96B9-88113598593B}" type="datetimeFigureOut">
               <a:rPr lang="en-US" smtClean="0"/>
-              <a:t>7/23/2020</a:t>
+              <a:t>7/24/2020</a:t>
             </a:fld>
             <a:endParaRPr lang="en-US"/>
           </a:p>
@@ -2993,7 +2993,7 @@
           <p:cNvPr id="3" name="Footer Placeholder 2">
             <a:extLst>
               <a:ext uri="{FF2B5EF4-FFF2-40B4-BE49-F238E27FC236}">
-                <a16:creationId xmlns:a16="http://schemas.microsoft.com/office/drawing/2014/main" xmlns="" id="{96D21050-7DE7-405B-B576-E7C8CD9B36F8}"/>
+                <a16:creationId xmlns:a16="http://schemas.microsoft.com/office/drawing/2014/main" id="{96D21050-7DE7-405B-B576-E7C8CD9B36F8}"/>
               </a:ext>
             </a:extLst>
           </p:cNvPr>
@@ -3018,7 +3018,7 @@
           <p:cNvPr id="4" name="Slide Number Placeholder 3">
             <a:extLst>
               <a:ext uri="{FF2B5EF4-FFF2-40B4-BE49-F238E27FC236}">
-                <a16:creationId xmlns:a16="http://schemas.microsoft.com/office/drawing/2014/main" xmlns="" id="{656605F2-35DB-4B9A-BE0E-452FAAEA2088}"/>
+                <a16:creationId xmlns:a16="http://schemas.microsoft.com/office/drawing/2014/main" id="{656605F2-35DB-4B9A-BE0E-452FAAEA2088}"/>
               </a:ext>
             </a:extLst>
           </p:cNvPr>
@@ -3036,7 +3036,7 @@
           <a:p>
             <a:fld id="{E90B4EE6-832A-4455-A0E8-256062B7E61D}" type="slidenum">
               <a:rPr lang="en-US" smtClean="0"/>
-              <a:t>‹N°›</a:t>
+              <a:t>‹#›</a:t>
             </a:fld>
             <a:endParaRPr lang="en-US"/>
           </a:p>
@@ -3077,7 +3077,7 @@
           <p:cNvPr id="2" name="Title 1">
             <a:extLst>
               <a:ext uri="{FF2B5EF4-FFF2-40B4-BE49-F238E27FC236}">
-                <a16:creationId xmlns:a16="http://schemas.microsoft.com/office/drawing/2014/main" xmlns="" id="{1153D1AA-88FE-4F17-95D7-C4CA99E0E475}"/>
+                <a16:creationId xmlns:a16="http://schemas.microsoft.com/office/drawing/2014/main" id="{1153D1AA-88FE-4F17-95D7-C4CA99E0E475}"/>
               </a:ext>
             </a:extLst>
           </p:cNvPr>
@@ -3114,7 +3114,7 @@
           <p:cNvPr id="3" name="Content Placeholder 2">
             <a:extLst>
               <a:ext uri="{FF2B5EF4-FFF2-40B4-BE49-F238E27FC236}">
-                <a16:creationId xmlns:a16="http://schemas.microsoft.com/office/drawing/2014/main" xmlns="" id="{B3CA30D2-F010-4582-963F-C5A2305FBB1D}"/>
+                <a16:creationId xmlns:a16="http://schemas.microsoft.com/office/drawing/2014/main" id="{B3CA30D2-F010-4582-963F-C5A2305FBB1D}"/>
               </a:ext>
             </a:extLst>
           </p:cNvPr>
@@ -3204,7 +3204,7 @@
           <p:cNvPr id="4" name="Text Placeholder 3">
             <a:extLst>
               <a:ext uri="{FF2B5EF4-FFF2-40B4-BE49-F238E27FC236}">
-                <a16:creationId xmlns:a16="http://schemas.microsoft.com/office/drawing/2014/main" xmlns="" id="{E2CBA6F8-6D19-4DDA-A3B5-F4CA8C531E84}"/>
+                <a16:creationId xmlns:a16="http://schemas.microsoft.com/office/drawing/2014/main" id="{E2CBA6F8-6D19-4DDA-A3B5-F4CA8C531E84}"/>
               </a:ext>
             </a:extLst>
           </p:cNvPr>
@@ -3275,7 +3275,7 @@
           <p:cNvPr id="5" name="Date Placeholder 4">
             <a:extLst>
               <a:ext uri="{FF2B5EF4-FFF2-40B4-BE49-F238E27FC236}">
-                <a16:creationId xmlns:a16="http://schemas.microsoft.com/office/drawing/2014/main" xmlns="" id="{8595EA55-A261-4955-A940-CA2E1EB4ADEF}"/>
+                <a16:creationId xmlns:a16="http://schemas.microsoft.com/office/drawing/2014/main" id="{8595EA55-A261-4955-A940-CA2E1EB4ADEF}"/>
               </a:ext>
             </a:extLst>
           </p:cNvPr>
@@ -3293,7 +3293,7 @@
           <a:p>
             <a:fld id="{DEB1FEE5-0530-414D-96B9-88113598593B}" type="datetimeFigureOut">
               <a:rPr lang="en-US" smtClean="0"/>
-              <a:t>7/23/2020</a:t>
+              <a:t>7/24/2020</a:t>
             </a:fld>
             <a:endParaRPr lang="en-US"/>
           </a:p>
@@ -3304,7 +3304,7 @@
           <p:cNvPr id="6" name="Footer Placeholder 5">
             <a:extLst>
               <a:ext uri="{FF2B5EF4-FFF2-40B4-BE49-F238E27FC236}">
-                <a16:creationId xmlns:a16="http://schemas.microsoft.com/office/drawing/2014/main" xmlns="" id="{DEFB2E61-F0ED-4E9A-92DE-1D821AFEA816}"/>
+                <a16:creationId xmlns:a16="http://schemas.microsoft.com/office/drawing/2014/main" id="{DEFB2E61-F0ED-4E9A-92DE-1D821AFEA816}"/>
               </a:ext>
             </a:extLst>
           </p:cNvPr>
@@ -3329,7 +3329,7 @@
           <p:cNvPr id="7" name="Slide Number Placeholder 6">
             <a:extLst>
               <a:ext uri="{FF2B5EF4-FFF2-40B4-BE49-F238E27FC236}">
-                <a16:creationId xmlns:a16="http://schemas.microsoft.com/office/drawing/2014/main" xmlns="" id="{AF011083-B1E6-4F06-A0B3-AA1109E118D2}"/>
+                <a16:creationId xmlns:a16="http://schemas.microsoft.com/office/drawing/2014/main" id="{AF011083-B1E6-4F06-A0B3-AA1109E118D2}"/>
               </a:ext>
             </a:extLst>
           </p:cNvPr>
@@ -3347,7 +3347,7 @@
           <a:p>
             <a:fld id="{E90B4EE6-832A-4455-A0E8-256062B7E61D}" type="slidenum">
               <a:rPr lang="en-US" smtClean="0"/>
-              <a:t>‹N°›</a:t>
+              <a:t>‹#›</a:t>
             </a:fld>
             <a:endParaRPr lang="en-US"/>
           </a:p>
@@ -3388,7 +3388,7 @@
           <p:cNvPr id="2" name="Title 1">
             <a:extLst>
               <a:ext uri="{FF2B5EF4-FFF2-40B4-BE49-F238E27FC236}">
-                <a16:creationId xmlns:a16="http://schemas.microsoft.com/office/drawing/2014/main" xmlns="" id="{7ECE586C-B5DA-4611-BD4B-6DA0960072AD}"/>
+                <a16:creationId xmlns:a16="http://schemas.microsoft.com/office/drawing/2014/main" id="{7ECE586C-B5DA-4611-BD4B-6DA0960072AD}"/>
               </a:ext>
             </a:extLst>
           </p:cNvPr>
@@ -3425,7 +3425,7 @@
           <p:cNvPr id="3" name="Picture Placeholder 2">
             <a:extLst>
               <a:ext uri="{FF2B5EF4-FFF2-40B4-BE49-F238E27FC236}">
-                <a16:creationId xmlns:a16="http://schemas.microsoft.com/office/drawing/2014/main" xmlns="" id="{9A3DC055-F1DF-4AFF-9414-BB450BE32FC9}"/>
+                <a16:creationId xmlns:a16="http://schemas.microsoft.com/office/drawing/2014/main" id="{9A3DC055-F1DF-4AFF-9414-BB450BE32FC9}"/>
               </a:ext>
             </a:extLst>
           </p:cNvPr>
@@ -3492,7 +3492,7 @@
           <p:cNvPr id="4" name="Text Placeholder 3">
             <a:extLst>
               <a:ext uri="{FF2B5EF4-FFF2-40B4-BE49-F238E27FC236}">
-                <a16:creationId xmlns:a16="http://schemas.microsoft.com/office/drawing/2014/main" xmlns="" id="{E80069AA-1402-4E00-B82A-28C4C698AAB0}"/>
+                <a16:creationId xmlns:a16="http://schemas.microsoft.com/office/drawing/2014/main" id="{E80069AA-1402-4E00-B82A-28C4C698AAB0}"/>
               </a:ext>
             </a:extLst>
           </p:cNvPr>
@@ -3563,7 +3563,7 @@
           <p:cNvPr id="5" name="Date Placeholder 4">
             <a:extLst>
               <a:ext uri="{FF2B5EF4-FFF2-40B4-BE49-F238E27FC236}">
-                <a16:creationId xmlns:a16="http://schemas.microsoft.com/office/drawing/2014/main" xmlns="" id="{B1728C35-25A5-47A9-A8D0-0E1D77338D61}"/>
+                <a16:creationId xmlns:a16="http://schemas.microsoft.com/office/drawing/2014/main" id="{B1728C35-25A5-47A9-A8D0-0E1D77338D61}"/>
               </a:ext>
             </a:extLst>
           </p:cNvPr>
@@ -3581,7 +3581,7 @@
           <a:p>
             <a:fld id="{DEB1FEE5-0530-414D-96B9-88113598593B}" type="datetimeFigureOut">
               <a:rPr lang="en-US" smtClean="0"/>
-              <a:t>7/23/2020</a:t>
+              <a:t>7/24/2020</a:t>
             </a:fld>
             <a:endParaRPr lang="en-US"/>
           </a:p>
@@ -3592,7 +3592,7 @@
           <p:cNvPr id="6" name="Footer Placeholder 5">
             <a:extLst>
               <a:ext uri="{FF2B5EF4-FFF2-40B4-BE49-F238E27FC236}">
-                <a16:creationId xmlns:a16="http://schemas.microsoft.com/office/drawing/2014/main" xmlns="" id="{C4FD86A7-6C34-4A91-B9C7-81B7B12D819D}"/>
+                <a16:creationId xmlns:a16="http://schemas.microsoft.com/office/drawing/2014/main" id="{C4FD86A7-6C34-4A91-B9C7-81B7B12D819D}"/>
               </a:ext>
             </a:extLst>
           </p:cNvPr>
@@ -3617,7 +3617,7 @@
           <p:cNvPr id="7" name="Slide Number Placeholder 6">
             <a:extLst>
               <a:ext uri="{FF2B5EF4-FFF2-40B4-BE49-F238E27FC236}">
-                <a16:creationId xmlns:a16="http://schemas.microsoft.com/office/drawing/2014/main" xmlns="" id="{38B27316-0CF5-4999-9B89-9F2F005954B9}"/>
+                <a16:creationId xmlns:a16="http://schemas.microsoft.com/office/drawing/2014/main" id="{38B27316-0CF5-4999-9B89-9F2F005954B9}"/>
               </a:ext>
             </a:extLst>
           </p:cNvPr>
@@ -3635,7 +3635,7 @@
           <a:p>
             <a:fld id="{E90B4EE6-832A-4455-A0E8-256062B7E61D}" type="slidenum">
               <a:rPr lang="en-US" smtClean="0"/>
-              <a:t>‹N°›</a:t>
+              <a:t>‹#›</a:t>
             </a:fld>
             <a:endParaRPr lang="en-US"/>
           </a:p>
@@ -3681,7 +3681,7 @@
           <p:cNvPr id="2" name="Title Placeholder 1">
             <a:extLst>
               <a:ext uri="{FF2B5EF4-FFF2-40B4-BE49-F238E27FC236}">
-                <a16:creationId xmlns:a16="http://schemas.microsoft.com/office/drawing/2014/main" xmlns="" id="{9DE62B2E-65B8-4903-BEA2-D5F93D68B41C}"/>
+                <a16:creationId xmlns:a16="http://schemas.microsoft.com/office/drawing/2014/main" id="{9DE62B2E-65B8-4903-BEA2-D5F93D68B41C}"/>
               </a:ext>
             </a:extLst>
           </p:cNvPr>
@@ -3719,7 +3719,7 @@
           <p:cNvPr id="3" name="Text Placeholder 2">
             <a:extLst>
               <a:ext uri="{FF2B5EF4-FFF2-40B4-BE49-F238E27FC236}">
-                <a16:creationId xmlns:a16="http://schemas.microsoft.com/office/drawing/2014/main" xmlns="" id="{924C27DE-3C34-4851-8A03-790BC224042F}"/>
+                <a16:creationId xmlns:a16="http://schemas.microsoft.com/office/drawing/2014/main" id="{924C27DE-3C34-4851-8A03-790BC224042F}"/>
               </a:ext>
             </a:extLst>
           </p:cNvPr>
@@ -3786,7 +3786,7 @@
           <p:cNvPr id="4" name="Date Placeholder 3">
             <a:extLst>
               <a:ext uri="{FF2B5EF4-FFF2-40B4-BE49-F238E27FC236}">
-                <a16:creationId xmlns:a16="http://schemas.microsoft.com/office/drawing/2014/main" xmlns="" id="{56755826-7D96-4B2B-B335-D170E4D2ADCB}"/>
+                <a16:creationId xmlns:a16="http://schemas.microsoft.com/office/drawing/2014/main" id="{56755826-7D96-4B2B-B335-D170E4D2ADCB}"/>
               </a:ext>
             </a:extLst>
           </p:cNvPr>
@@ -3822,7 +3822,7 @@
           <a:p>
             <a:fld id="{DEB1FEE5-0530-414D-96B9-88113598593B}" type="datetimeFigureOut">
               <a:rPr lang="en-US" smtClean="0"/>
-              <a:t>7/23/2020</a:t>
+              <a:t>7/24/2020</a:t>
             </a:fld>
             <a:endParaRPr lang="en-US"/>
           </a:p>
@@ -3833,7 +3833,7 @@
           <p:cNvPr id="5" name="Footer Placeholder 4">
             <a:extLst>
               <a:ext uri="{FF2B5EF4-FFF2-40B4-BE49-F238E27FC236}">
-                <a16:creationId xmlns:a16="http://schemas.microsoft.com/office/drawing/2014/main" xmlns="" id="{EE424111-E5A1-4D26-98F6-4E1404CCB4F6}"/>
+                <a16:creationId xmlns:a16="http://schemas.microsoft.com/office/drawing/2014/main" id="{EE424111-E5A1-4D26-98F6-4E1404CCB4F6}"/>
               </a:ext>
             </a:extLst>
           </p:cNvPr>
@@ -3876,7 +3876,7 @@
           <p:cNvPr id="6" name="Slide Number Placeholder 5">
             <a:extLst>
               <a:ext uri="{FF2B5EF4-FFF2-40B4-BE49-F238E27FC236}">
-                <a16:creationId xmlns:a16="http://schemas.microsoft.com/office/drawing/2014/main" xmlns="" id="{703F543F-736F-4992-B07A-26CD75B8F42A}"/>
+                <a16:creationId xmlns:a16="http://schemas.microsoft.com/office/drawing/2014/main" id="{703F543F-736F-4992-B07A-26CD75B8F42A}"/>
               </a:ext>
             </a:extLst>
           </p:cNvPr>
@@ -3912,7 +3912,7 @@
           <a:p>
             <a:fld id="{E90B4EE6-832A-4455-A0E8-256062B7E61D}" type="slidenum">
               <a:rPr lang="en-US" smtClean="0"/>
-              <a:t>‹N°›</a:t>
+              <a:t>‹#›</a:t>
             </a:fld>
             <a:endParaRPr lang="en-US"/>
           </a:p>
@@ -4252,7 +4252,7 @@
           <p:cNvPr id="2061" name="Picture 2060" descr="A picture containing computer, sitting, dark, computer&#10;&#10;Description automatically generated">
             <a:extLst>
               <a:ext uri="{FF2B5EF4-FFF2-40B4-BE49-F238E27FC236}">
-                <a16:creationId xmlns:a16="http://schemas.microsoft.com/office/drawing/2014/main" xmlns="" id="{D5D0632C-9966-4876-8358-E443D87A54E6}"/>
+                <a16:creationId xmlns:a16="http://schemas.microsoft.com/office/drawing/2014/main" id="{D5D0632C-9966-4876-8358-E443D87A54E6}"/>
               </a:ext>
             </a:extLst>
           </p:cNvPr>
@@ -4288,7 +4288,7 @@
           <p:cNvPr id="22" name="Rectangle 21">
             <a:extLst>
               <a:ext uri="{FF2B5EF4-FFF2-40B4-BE49-F238E27FC236}">
-                <a16:creationId xmlns:a16="http://schemas.microsoft.com/office/drawing/2014/main" xmlns="" id="{DA00872A-024C-4AA7-9351-5188D1F15D86}"/>
+                <a16:creationId xmlns:a16="http://schemas.microsoft.com/office/drawing/2014/main" id="{DA00872A-024C-4AA7-9351-5188D1F15D86}"/>
               </a:ext>
             </a:extLst>
           </p:cNvPr>
@@ -4343,7 +4343,7 @@
           <p:cNvPr id="3" name="Rectangle 2">
             <a:extLst>
               <a:ext uri="{FF2B5EF4-FFF2-40B4-BE49-F238E27FC236}">
-                <a16:creationId xmlns:a16="http://schemas.microsoft.com/office/drawing/2014/main" xmlns="" id="{44758A41-D956-4A9D-86D3-27DC35014B55}"/>
+                <a16:creationId xmlns:a16="http://schemas.microsoft.com/office/drawing/2014/main" id="{44758A41-D956-4A9D-86D3-27DC35014B55}"/>
               </a:ext>
             </a:extLst>
           </p:cNvPr>
@@ -4395,7 +4395,7 @@
           <p:cNvPr id="2" name="Picture 1" descr="A close up of a logo&#10;&#10;Description automatically generated">
             <a:extLst>
               <a:ext uri="{FF2B5EF4-FFF2-40B4-BE49-F238E27FC236}">
-                <a16:creationId xmlns:a16="http://schemas.microsoft.com/office/drawing/2014/main" xmlns="" id="{148A4CA5-114C-44CD-B175-E3231477B3CA}"/>
+                <a16:creationId xmlns:a16="http://schemas.microsoft.com/office/drawing/2014/main" id="{148A4CA5-114C-44CD-B175-E3231477B3CA}"/>
               </a:ext>
             </a:extLst>
           </p:cNvPr>
@@ -4431,7 +4431,7 @@
           <p:cNvPr id="18" name="Graphic 17">
             <a:extLst>
               <a:ext uri="{FF2B5EF4-FFF2-40B4-BE49-F238E27FC236}">
-                <a16:creationId xmlns:a16="http://schemas.microsoft.com/office/drawing/2014/main" xmlns="" id="{B294849B-3AA5-41A8-8E0E-31C068B40E0D}"/>
+                <a16:creationId xmlns:a16="http://schemas.microsoft.com/office/drawing/2014/main" id="{B294849B-3AA5-41A8-8E0E-31C068B40E0D}"/>
               </a:ext>
             </a:extLst>
           </p:cNvPr>
@@ -4447,7 +4447,7 @@
                 <a14:useLocalDpi xmlns:a14="http://schemas.microsoft.com/office/drawing/2010/main" val="0"/>
               </a:ext>
               <a:ext uri="{96DAC541-7B7A-43D3-8B79-37D633B846F1}">
-                <asvg:svgBlip xmlns:asvg="http://schemas.microsoft.com/office/drawing/2016/SVG/main" xmlns="" r:embed="rId6"/>
+                <asvg:svgBlip xmlns:asvg="http://schemas.microsoft.com/office/drawing/2016/SVG/main" r:embed="rId6"/>
               </a:ext>
             </a:extLst>
           </a:blip>
@@ -4469,7 +4469,7 @@
           <p:cNvPr id="19" name="Picture 18" descr="A close up of a logo&#10;&#10;Description automatically generated">
             <a:extLst>
               <a:ext uri="{FF2B5EF4-FFF2-40B4-BE49-F238E27FC236}">
-                <a16:creationId xmlns:a16="http://schemas.microsoft.com/office/drawing/2014/main" xmlns="" id="{DE310AFD-E005-4F0F-A7A3-651347DEB364}"/>
+                <a16:creationId xmlns:a16="http://schemas.microsoft.com/office/drawing/2014/main" id="{DE310AFD-E005-4F0F-A7A3-651347DEB364}"/>
               </a:ext>
             </a:extLst>
           </p:cNvPr>
@@ -4505,7 +4505,7 @@
           <p:cNvPr id="20" name="Picture 19" descr="A close up of a logo&#10;&#10;Description automatically generated">
             <a:extLst>
               <a:ext uri="{FF2B5EF4-FFF2-40B4-BE49-F238E27FC236}">
-                <a16:creationId xmlns:a16="http://schemas.microsoft.com/office/drawing/2014/main" xmlns="" id="{3FE3DF3C-BD29-4CC6-9323-58564DFA2D0D}"/>
+                <a16:creationId xmlns:a16="http://schemas.microsoft.com/office/drawing/2014/main" id="{3FE3DF3C-BD29-4CC6-9323-58564DFA2D0D}"/>
               </a:ext>
             </a:extLst>
           </p:cNvPr>
@@ -4541,7 +4541,7 @@
           <p:cNvPr id="21" name="TextBox 20">
             <a:extLst>
               <a:ext uri="{FF2B5EF4-FFF2-40B4-BE49-F238E27FC236}">
-                <a16:creationId xmlns:a16="http://schemas.microsoft.com/office/drawing/2014/main" xmlns="" id="{373B7BFB-9EC9-45C0-B162-FC63EB14F34D}"/>
+                <a16:creationId xmlns:a16="http://schemas.microsoft.com/office/drawing/2014/main" id="{373B7BFB-9EC9-45C0-B162-FC63EB14F34D}"/>
               </a:ext>
             </a:extLst>
           </p:cNvPr>
@@ -4586,7 +4586,7 @@
           <p:cNvPr id="5" name="Rectangle 4">
             <a:extLst>
               <a:ext uri="{FF2B5EF4-FFF2-40B4-BE49-F238E27FC236}">
-                <a16:creationId xmlns:a16="http://schemas.microsoft.com/office/drawing/2014/main" xmlns="" id="{73F3983B-D723-43BC-9674-C4F5FC89EDA4}"/>
+                <a16:creationId xmlns:a16="http://schemas.microsoft.com/office/drawing/2014/main" id="{73F3983B-D723-43BC-9674-C4F5FC89EDA4}"/>
               </a:ext>
             </a:extLst>
           </p:cNvPr>
@@ -4638,7 +4638,7 @@
           <p:cNvPr id="6" name="TextBox 5">
             <a:extLst>
               <a:ext uri="{FF2B5EF4-FFF2-40B4-BE49-F238E27FC236}">
-                <a16:creationId xmlns:a16="http://schemas.microsoft.com/office/drawing/2014/main" xmlns="" id="{FC488D3B-6AAE-4AE0-8EC5-8137E4372930}"/>
+                <a16:creationId xmlns:a16="http://schemas.microsoft.com/office/drawing/2014/main" id="{FC488D3B-6AAE-4AE0-8EC5-8137E4372930}"/>
               </a:ext>
             </a:extLst>
           </p:cNvPr>
@@ -4725,7 +4725,7 @@
           <p:cNvPr id="53" name="TextBox 52">
             <a:extLst>
               <a:ext uri="{FF2B5EF4-FFF2-40B4-BE49-F238E27FC236}">
-                <a16:creationId xmlns:a16="http://schemas.microsoft.com/office/drawing/2014/main" xmlns="" id="{689D7BB0-D4C0-4982-A37D-1738AD6C6BDD}"/>
+                <a16:creationId xmlns:a16="http://schemas.microsoft.com/office/drawing/2014/main" id="{689D7BB0-D4C0-4982-A37D-1738AD6C6BDD}"/>
               </a:ext>
             </a:extLst>
           </p:cNvPr>
@@ -4766,7 +4766,7 @@
           <p:cNvPr id="4" name="Rectangle 3">
             <a:extLst>
               <a:ext uri="{FF2B5EF4-FFF2-40B4-BE49-F238E27FC236}">
-                <a16:creationId xmlns:a16="http://schemas.microsoft.com/office/drawing/2014/main" xmlns="" id="{0B493696-939F-4054-9AFA-41717E6486DF}"/>
+                <a16:creationId xmlns:a16="http://schemas.microsoft.com/office/drawing/2014/main" id="{0B493696-939F-4054-9AFA-41717E6486DF}"/>
               </a:ext>
             </a:extLst>
           </p:cNvPr>
@@ -4820,7 +4820,7 @@
           <p:cNvPr id="8" name="TextBox 7">
             <a:extLst>
               <a:ext uri="{FF2B5EF4-FFF2-40B4-BE49-F238E27FC236}">
-                <a16:creationId xmlns:a16="http://schemas.microsoft.com/office/drawing/2014/main" xmlns="" id="{B3428249-9057-4654-AF55-51618D5019AD}"/>
+                <a16:creationId xmlns:a16="http://schemas.microsoft.com/office/drawing/2014/main" id="{B3428249-9057-4654-AF55-51618D5019AD}"/>
               </a:ext>
             </a:extLst>
           </p:cNvPr>
@@ -4925,7 +4925,7 @@
           <p:cNvPr id="12" name="Shape 5020">
             <a:extLst>
               <a:ext uri="{FF2B5EF4-FFF2-40B4-BE49-F238E27FC236}">
-                <a16:creationId xmlns:a16="http://schemas.microsoft.com/office/drawing/2014/main" xmlns="" id="{FF8FD453-26E4-49E6-8B8C-BB54335C53E8}"/>
+                <a16:creationId xmlns:a16="http://schemas.microsoft.com/office/drawing/2014/main" id="{FF8FD453-26E4-49E6-8B8C-BB54335C53E8}"/>
               </a:ext>
             </a:extLst>
           </p:cNvPr>
@@ -5202,7 +5202,7 @@
           <p:cNvPr id="14" name="Freeform 18">
             <a:extLst>
               <a:ext uri="{FF2B5EF4-FFF2-40B4-BE49-F238E27FC236}">
-                <a16:creationId xmlns:a16="http://schemas.microsoft.com/office/drawing/2014/main" xmlns="" id="{5B5EB228-D146-4571-95D5-B59DAA7A4BBA}"/>
+                <a16:creationId xmlns:a16="http://schemas.microsoft.com/office/drawing/2014/main" id="{5B5EB228-D146-4571-95D5-B59DAA7A4BBA}"/>
               </a:ext>
             </a:extLst>
           </p:cNvPr>
@@ -5575,14 +5575,10 @@
           <a:p>
             <a:r>
               <a:rPr lang="fr-BE" sz="2000" dirty="0"/>
-              <a:t>D</a:t>
-            </a:r>
-            <a:r>
-              <a:rPr lang="fr-BE" sz="2000" dirty="0" smtClean="0"/>
-              <a:t>eploy-k8s-cluster.sh </a:t>
-            </a:r>
-            <a:r>
-              <a:rPr lang="fr-BE" sz="2000" dirty="0" err="1" smtClean="0"/>
+              <a:t>Deploy-k8s-cluster.sh </a:t>
+            </a:r>
+            <a:r>
+              <a:rPr lang="fr-BE" sz="2000" dirty="0" err="1"/>
               <a:t>Overview</a:t>
             </a:r>
             <a:endParaRPr lang="fr-BE" sz="2400" dirty="0"/>
@@ -5632,7 +5628,7 @@
           <p:cNvPr id="11" name="Rectangle 10">
             <a:extLst>
               <a:ext uri="{FF2B5EF4-FFF2-40B4-BE49-F238E27FC236}">
-                <a16:creationId xmlns:a16="http://schemas.microsoft.com/office/drawing/2014/main" xmlns="" id="{8E37464E-1F18-46E8-9EAB-F4DDF41C0215}"/>
+                <a16:creationId xmlns:a16="http://schemas.microsoft.com/office/drawing/2014/main" id="{8E37464E-1F18-46E8-9EAB-F4DDF41C0215}"/>
               </a:ext>
             </a:extLst>
           </p:cNvPr>
@@ -5687,7 +5683,7 @@
           <p:cNvPr id="2" name="Picture 1" descr="A close up of a logo&#10;&#10;Description automatically generated">
             <a:extLst>
               <a:ext uri="{FF2B5EF4-FFF2-40B4-BE49-F238E27FC236}">
-                <a16:creationId xmlns:a16="http://schemas.microsoft.com/office/drawing/2014/main" xmlns="" id="{148A4CA5-114C-44CD-B175-E3231477B3CA}"/>
+                <a16:creationId xmlns:a16="http://schemas.microsoft.com/office/drawing/2014/main" id="{148A4CA5-114C-44CD-B175-E3231477B3CA}"/>
               </a:ext>
             </a:extLst>
           </p:cNvPr>
@@ -5723,7 +5719,7 @@
           <p:cNvPr id="9" name="TextBox 8">
             <a:extLst>
               <a:ext uri="{FF2B5EF4-FFF2-40B4-BE49-F238E27FC236}">
-                <a16:creationId xmlns:a16="http://schemas.microsoft.com/office/drawing/2014/main" xmlns="" id="{6C686B13-417B-4E43-BBDD-FB6063357088}"/>
+                <a16:creationId xmlns:a16="http://schemas.microsoft.com/office/drawing/2014/main" id="{6C686B13-417B-4E43-BBDD-FB6063357088}"/>
               </a:ext>
             </a:extLst>
           </p:cNvPr>
@@ -5773,7 +5769,7 @@
           <p:cNvPr id="10" name="TextBox 9">
             <a:extLst>
               <a:ext uri="{FF2B5EF4-FFF2-40B4-BE49-F238E27FC236}">
-                <a16:creationId xmlns:a16="http://schemas.microsoft.com/office/drawing/2014/main" xmlns="" id="{333451D4-49B8-4671-9C08-03ECD5B7BC3B}"/>
+                <a16:creationId xmlns:a16="http://schemas.microsoft.com/office/drawing/2014/main" id="{333451D4-49B8-4671-9C08-03ECD5B7BC3B}"/>
               </a:ext>
             </a:extLst>
           </p:cNvPr>
@@ -5969,12 +5965,6 @@
                 <a:latin typeface="Raleway"/>
               </a:rPr>
               <a:t>Irujo</a:t>
-            </a:r>
-            <a:r>
-              <a:rPr lang="fr-BE" sz="3200" dirty="0">
-                <a:latin typeface="Raleway"/>
-              </a:rPr>
-              <a:t/>
             </a:r>
             <a:br>
               <a:rPr lang="fr-BE" sz="3200" dirty="0">
@@ -6429,7 +6419,19 @@
               <a:rPr lang="fr-BE" sz="1400" dirty="0">
                 <a:latin typeface="Raleway"/>
               </a:rPr>
-              <a:t> Day(s): 33-42, 49-51, 55, 58, 60, 63, 79, and 98.</a:t>
+              <a:t> Day(s): 33-42, 49-51, 55, 58, 60, 63</a:t>
+            </a:r>
+            <a:r>
+              <a:rPr lang="fr-BE" sz="1400">
+                <a:latin typeface="Raleway"/>
+              </a:rPr>
+              <a:t>, 70, </a:t>
+            </a:r>
+            <a:r>
+              <a:rPr lang="fr-BE" sz="1400" dirty="0">
+                <a:latin typeface="Raleway"/>
+              </a:rPr>
+              <a:t>and 98.</a:t>
             </a:r>
             <a:endParaRPr lang="fr-BE" dirty="0">
               <a:latin typeface="Raleway"/>
@@ -6472,7 +6474,7 @@
           <p:cNvPr id="2" name="Title 1">
             <a:extLst>
               <a:ext uri="{FF2B5EF4-FFF2-40B4-BE49-F238E27FC236}">
-                <a16:creationId xmlns:a16="http://schemas.microsoft.com/office/drawing/2014/main" xmlns="" id="{60C588D7-2015-4C04-8FB3-5241AABAA5F3}"/>
+                <a16:creationId xmlns:a16="http://schemas.microsoft.com/office/drawing/2014/main" id="{60C588D7-2015-4C04-8FB3-5241AABAA5F3}"/>
               </a:ext>
             </a:extLst>
           </p:cNvPr>
@@ -6500,7 +6502,7 @@
           <p:cNvPr id="3" name="Content Placeholder 2">
             <a:extLst>
               <a:ext uri="{FF2B5EF4-FFF2-40B4-BE49-F238E27FC236}">
-                <a16:creationId xmlns:a16="http://schemas.microsoft.com/office/drawing/2014/main" xmlns="" id="{A3029EF3-8319-4036-811F-680D80F37DBF}"/>
+                <a16:creationId xmlns:a16="http://schemas.microsoft.com/office/drawing/2014/main" id="{A3029EF3-8319-4036-811F-680D80F37DBF}"/>
               </a:ext>
             </a:extLst>
           </p:cNvPr>
@@ -6574,7 +6576,7 @@
           <p:cNvPr id="2" name="Title 1">
             <a:extLst>
               <a:ext uri="{FF2B5EF4-FFF2-40B4-BE49-F238E27FC236}">
-                <a16:creationId xmlns:a16="http://schemas.microsoft.com/office/drawing/2014/main" xmlns="" id="{60C588D7-2015-4C04-8FB3-5241AABAA5F3}"/>
+                <a16:creationId xmlns:a16="http://schemas.microsoft.com/office/drawing/2014/main" id="{60C588D7-2015-4C04-8FB3-5241AABAA5F3}"/>
               </a:ext>
             </a:extLst>
           </p:cNvPr>
@@ -6602,7 +6604,7 @@
           <p:cNvPr id="3" name="Content Placeholder 2">
             <a:extLst>
               <a:ext uri="{FF2B5EF4-FFF2-40B4-BE49-F238E27FC236}">
-                <a16:creationId xmlns:a16="http://schemas.microsoft.com/office/drawing/2014/main" xmlns="" id="{A3029EF3-8319-4036-811F-680D80F37DBF}"/>
+                <a16:creationId xmlns:a16="http://schemas.microsoft.com/office/drawing/2014/main" id="{A3029EF3-8319-4036-811F-680D80F37DBF}"/>
               </a:ext>
             </a:extLst>
           </p:cNvPr>
@@ -6714,7 +6716,7 @@
           <p:cNvPr id="2" name="Title 1">
             <a:extLst>
               <a:ext uri="{FF2B5EF4-FFF2-40B4-BE49-F238E27FC236}">
-                <a16:creationId xmlns:a16="http://schemas.microsoft.com/office/drawing/2014/main" xmlns="" id="{60C588D7-2015-4C04-8FB3-5241AABAA5F3}"/>
+                <a16:creationId xmlns:a16="http://schemas.microsoft.com/office/drawing/2014/main" id="{60C588D7-2015-4C04-8FB3-5241AABAA5F3}"/>
               </a:ext>
             </a:extLst>
           </p:cNvPr>
@@ -6742,7 +6744,7 @@
           <p:cNvPr id="3" name="Content Placeholder 2">
             <a:extLst>
               <a:ext uri="{FF2B5EF4-FFF2-40B4-BE49-F238E27FC236}">
-                <a16:creationId xmlns:a16="http://schemas.microsoft.com/office/drawing/2014/main" xmlns="" id="{A3029EF3-8319-4036-811F-680D80F37DBF}"/>
+                <a16:creationId xmlns:a16="http://schemas.microsoft.com/office/drawing/2014/main" id="{A3029EF3-8319-4036-811F-680D80F37DBF}"/>
               </a:ext>
             </a:extLst>
           </p:cNvPr>
@@ -6919,7 +6921,7 @@
           <p:cNvPr id="6" name="Titre 1">
             <a:extLst>
               <a:ext uri="{FF2B5EF4-FFF2-40B4-BE49-F238E27FC236}">
-                <a16:creationId xmlns:a16="http://schemas.microsoft.com/office/drawing/2014/main" xmlns="" id="{953AA267-76C7-47AE-8C17-29637EC377BB}"/>
+                <a16:creationId xmlns:a16="http://schemas.microsoft.com/office/drawing/2014/main" id="{953AA267-76C7-47AE-8C17-29637EC377BB}"/>
               </a:ext>
             </a:extLst>
           </p:cNvPr>
